--- a/Modules/01.GettingStarted/GettingStarted.Slides.pptx
+++ b/Modules/01.GettingStarted/GettingStarted.Slides.pptx
@@ -995,7 +995,7 @@
             </a:r>
             <a:r>
               <a:rPr lang="en-US" baseline="0" dirty="0" smtClean="0"/>
-              <a:t> which do cover the tools in greater detail.</a:t>
+              <a:t> which cover these tools in greater detail.</a:t>
             </a:r>
             <a:endParaRPr lang="en-US" dirty="0"/>
           </a:p>
@@ -3061,12 +3061,8 @@
           </a:p>
           <a:p>
             <a:r>
-              <a:rPr lang="en-US" baseline="0" smtClean="0"/>
-              <a:t>SHOW APPS </a:t>
-            </a:r>
-            <a:r>
               <a:rPr lang="en-US" baseline="0" dirty="0" smtClean="0"/>
-              <a:t>NOW</a:t>
+              <a:t>SHOW APPS NOW</a:t>
             </a:r>
             <a:endParaRPr lang="en-US" dirty="0"/>
           </a:p>
@@ -3176,6 +3172,49 @@
             </a:r>
           </a:p>
           <a:p>
+            <a:pPr marL="0" marR="0" indent="0" algn="l" defTabSz="914400" rtl="0" eaLnBrk="0" fontAlgn="base" latinLnBrk="0" hangingPunct="0">
+              <a:lnSpc>
+                <a:spcPct val="100000"/>
+              </a:lnSpc>
+              <a:spcBef>
+                <a:spcPct val="30000"/>
+              </a:spcBef>
+              <a:spcAft>
+                <a:spcPct val="0"/>
+              </a:spcAft>
+              <a:buClrTx/>
+              <a:buSzTx/>
+              <a:buFontTx/>
+              <a:buNone/>
+              <a:tabLst/>
+              <a:defRPr/>
+            </a:pPr>
+            <a:endParaRPr lang="en-US" baseline="0" dirty="0" smtClean="0"/>
+          </a:p>
+          <a:p>
+            <a:pPr marL="0" marR="0" indent="0" algn="l" defTabSz="914400" rtl="0" eaLnBrk="0" fontAlgn="base" latinLnBrk="0" hangingPunct="0">
+              <a:lnSpc>
+                <a:spcPct val="100000"/>
+              </a:lnSpc>
+              <a:spcBef>
+                <a:spcPct val="30000"/>
+              </a:spcBef>
+              <a:spcAft>
+                <a:spcPct val="0"/>
+              </a:spcAft>
+              <a:buClrTx/>
+              <a:buSzTx/>
+              <a:buFontTx/>
+              <a:buNone/>
+              <a:tabLst/>
+              <a:defRPr/>
+            </a:pPr>
+            <a:r>
+              <a:rPr lang="en-US" baseline="0" dirty="0" smtClean="0"/>
+              <a:t>[SHOW ANIMATION NOW]</a:t>
+            </a:r>
+          </a:p>
+          <a:p>
             <a:endParaRPr lang="en-US" baseline="0" dirty="0" smtClean="0"/>
           </a:p>
           <a:p>
@@ -3188,6 +3227,32 @@
             <a:endParaRPr lang="en-US" baseline="0" dirty="0" smtClean="0"/>
           </a:p>
           <a:p>
+            <a:pPr marL="0" marR="0" indent="0" algn="l" defTabSz="914400" rtl="0" eaLnBrk="0" fontAlgn="base" latinLnBrk="0" hangingPunct="0">
+              <a:lnSpc>
+                <a:spcPct val="100000"/>
+              </a:lnSpc>
+              <a:spcBef>
+                <a:spcPct val="30000"/>
+              </a:spcBef>
+              <a:spcAft>
+                <a:spcPct val="0"/>
+              </a:spcAft>
+              <a:buClrTx/>
+              <a:buSzTx/>
+              <a:buFontTx/>
+              <a:buNone/>
+              <a:tabLst/>
+              <a:defRPr/>
+            </a:pPr>
+            <a:r>
+              <a:rPr lang="en-US" baseline="0" dirty="0" smtClean="0"/>
+              <a:t>[SHOW ANIMATION NOW]</a:t>
+            </a:r>
+          </a:p>
+          <a:p>
+            <a:endParaRPr lang="en-US" baseline="0" dirty="0" smtClean="0"/>
+          </a:p>
+          <a:p>
             <a:r>
               <a:rPr lang="en-US" baseline="0" dirty="0" smtClean="0"/>
               <a:t>Next we will review all the tools and frameworks we will be utilizing in this course while making the transition from being a XAML developer to an HTML developer.</a:t>
@@ -3197,6 +3262,32 @@
             <a:endParaRPr lang="en-US" baseline="0" dirty="0" smtClean="0"/>
           </a:p>
           <a:p>
+            <a:pPr marL="0" marR="0" indent="0" algn="l" defTabSz="914400" rtl="0" eaLnBrk="0" fontAlgn="base" latinLnBrk="0" hangingPunct="0">
+              <a:lnSpc>
+                <a:spcPct val="100000"/>
+              </a:lnSpc>
+              <a:spcBef>
+                <a:spcPct val="30000"/>
+              </a:spcBef>
+              <a:spcAft>
+                <a:spcPct val="0"/>
+              </a:spcAft>
+              <a:buClrTx/>
+              <a:buSzTx/>
+              <a:buFontTx/>
+              <a:buNone/>
+              <a:tabLst/>
+              <a:defRPr/>
+            </a:pPr>
+            <a:r>
+              <a:rPr lang="en-US" baseline="0" dirty="0" smtClean="0"/>
+              <a:t>[SHOW ANIMATION NOW]</a:t>
+            </a:r>
+          </a:p>
+          <a:p>
+            <a:endParaRPr lang="en-US" baseline="0" dirty="0" smtClean="0"/>
+          </a:p>
+          <a:p>
             <a:r>
               <a:rPr lang="en-US" baseline="0" dirty="0" smtClean="0"/>
               <a:t>Following this we will actually crack open visual studio and create our first Asp.net MVC project, this will be the base template we will use for all of our coding demos in this course</a:t>
@@ -3206,9 +3297,61 @@
             <a:endParaRPr lang="en-US" baseline="0" dirty="0" smtClean="0"/>
           </a:p>
           <a:p>
+            <a:pPr marL="0" marR="0" indent="0" algn="l" defTabSz="914400" rtl="0" eaLnBrk="0" fontAlgn="base" latinLnBrk="0" hangingPunct="0">
+              <a:lnSpc>
+                <a:spcPct val="100000"/>
+              </a:lnSpc>
+              <a:spcBef>
+                <a:spcPct val="30000"/>
+              </a:spcBef>
+              <a:spcAft>
+                <a:spcPct val="0"/>
+              </a:spcAft>
+              <a:buClrTx/>
+              <a:buSzTx/>
+              <a:buFontTx/>
+              <a:buNone/>
+              <a:tabLst/>
+              <a:defRPr/>
+            </a:pPr>
+            <a:r>
+              <a:rPr lang="en-US" baseline="0" dirty="0" smtClean="0"/>
+              <a:t>[SHOW ANIMATION NOW]</a:t>
+            </a:r>
+          </a:p>
+          <a:p>
+            <a:endParaRPr lang="en-US" baseline="0" dirty="0" smtClean="0"/>
+          </a:p>
+          <a:p>
             <a:r>
               <a:rPr lang="en-US" baseline="0" dirty="0" smtClean="0"/>
               <a:t>After this will put all the pieces together and build a very simply hello world application to give you an example of what type of skills you will acquire in this course.</a:t>
+            </a:r>
+          </a:p>
+          <a:p>
+            <a:endParaRPr lang="en-US" baseline="0" dirty="0" smtClean="0"/>
+          </a:p>
+          <a:p>
+            <a:pPr marL="0" marR="0" indent="0" algn="l" defTabSz="914400" rtl="0" eaLnBrk="0" fontAlgn="base" latinLnBrk="0" hangingPunct="0">
+              <a:lnSpc>
+                <a:spcPct val="100000"/>
+              </a:lnSpc>
+              <a:spcBef>
+                <a:spcPct val="30000"/>
+              </a:spcBef>
+              <a:spcAft>
+                <a:spcPct val="0"/>
+              </a:spcAft>
+              <a:buClrTx/>
+              <a:buSzTx/>
+              <a:buFontTx/>
+              <a:buNone/>
+              <a:tabLst/>
+              <a:defRPr/>
+            </a:pPr>
+            <a:r>
+              <a:rPr lang="en-US" baseline="0" dirty="0" smtClean="0"/>
+              <a:t>[SHOW ANIMATION NOW]</a:t>
             </a:r>
           </a:p>
           <a:p>
@@ -6579,12 +6722,12 @@
   <p:clrMapOvr>
     <a:masterClrMapping/>
   </p:clrMapOvr>
-  <mc:AlternateContent xmlns:mc="http://schemas.openxmlformats.org/markup-compatibility/2006" xmlns:p14="http://schemas.microsoft.com/office/powerpoint/2010/main">
-    <mc:Choice Requires="p14">
-      <p:transition p14:dur="0"/>
+  <mc:AlternateContent xmlns:mc="http://schemas.openxmlformats.org/markup-compatibility/2006">
+    <mc:Choice xmlns:p14="http://schemas.microsoft.com/office/powerpoint/2010/main" Requires="p14">
+      <p:transition p14:dur="0" advTm="1765"/>
     </mc:Choice>
-    <mc:Fallback xmlns="">
-      <p:transition/>
+    <mc:Fallback>
+      <p:transition advTm="1765"/>
     </mc:Fallback>
   </mc:AlternateContent>
   <p:timing>
@@ -9261,11 +9404,11 @@
   <p:clrMapOvr>
     <a:masterClrMapping/>
   </p:clrMapOvr>
-  <mc:AlternateContent xmlns:mc="http://schemas.openxmlformats.org/markup-compatibility/2006" xmlns:p14="http://schemas.microsoft.com/office/powerpoint/2010/main">
-    <mc:Choice Requires="p14">
-      <p:transition p14:dur="0"/>
+  <mc:AlternateContent xmlns:mc="http://schemas.openxmlformats.org/markup-compatibility/2006">
+    <mc:Choice xmlns:p14="http://schemas.microsoft.com/office/powerpoint/2010/main" Requires="p14">
+      <p:transition p14:dur="10"/>
     </mc:Choice>
-    <mc:Fallback xmlns="">
+    <mc:Fallback>
       <p:transition/>
     </mc:Fallback>
   </mc:AlternateContent>
@@ -9981,96 +10124,9 @@
   <p:timing>
     <p:tnLst>
       <p:par>
-        <p:cTn id="1" dur="indefinite" restart="never" nodeType="tmRoot">
-          <p:childTnLst>
-            <p:seq concurrent="1" nextAc="seek">
-              <p:cTn id="2" dur="indefinite" nodeType="mainSeq">
-                <p:childTnLst>
-                  <p:par>
-                    <p:cTn id="3" fill="hold">
-                      <p:stCondLst>
-                        <p:cond delay="indefinite"/>
-                      </p:stCondLst>
-                      <p:childTnLst>
-                        <p:par>
-                          <p:cTn id="4" fill="hold">
-                            <p:stCondLst>
-                              <p:cond delay="0"/>
-                            </p:stCondLst>
-                            <p:childTnLst>
-                              <p:par>
-                                <p:cTn id="5" presetID="10" presetClass="entr" presetSubtype="0" fill="hold" grpId="0" nodeType="clickEffect">
-                                  <p:stCondLst>
-                                    <p:cond delay="0"/>
-                                  </p:stCondLst>
-                                  <p:childTnLst>
-                                    <p:set>
-                                      <p:cBhvr>
-                                        <p:cTn id="6" dur="1" fill="hold">
-                                          <p:stCondLst>
-                                            <p:cond delay="0"/>
-                                          </p:stCondLst>
-                                        </p:cTn>
-                                        <p:tgtEl>
-                                          <p:spTgt spid="3">
-                                            <p:txEl>
-                                              <p:pRg st="0" end="0"/>
-                                            </p:txEl>
-                                          </p:spTgt>
-                                        </p:tgtEl>
-                                        <p:attrNameLst>
-                                          <p:attrName>style.visibility</p:attrName>
-                                        </p:attrNameLst>
-                                      </p:cBhvr>
-                                      <p:to>
-                                        <p:strVal val="visible"/>
-                                      </p:to>
-                                    </p:set>
-                                    <p:animEffect transition="in" filter="fade">
-                                      <p:cBhvr>
-                                        <p:cTn id="7" dur="500"/>
-                                        <p:tgtEl>
-                                          <p:spTgt spid="3">
-                                            <p:txEl>
-                                              <p:pRg st="0" end="0"/>
-                                            </p:txEl>
-                                          </p:spTgt>
-                                        </p:tgtEl>
-                                      </p:cBhvr>
-                                    </p:animEffect>
-                                  </p:childTnLst>
-                                </p:cTn>
-                              </p:par>
-                            </p:childTnLst>
-                          </p:cTn>
-                        </p:par>
-                      </p:childTnLst>
-                    </p:cTn>
-                  </p:par>
-                </p:childTnLst>
-              </p:cTn>
-              <p:prevCondLst>
-                <p:cond evt="onPrev" delay="0">
-                  <p:tgtEl>
-                    <p:sldTgt/>
-                  </p:tgtEl>
-                </p:cond>
-              </p:prevCondLst>
-              <p:nextCondLst>
-                <p:cond evt="onNext" delay="0">
-                  <p:tgtEl>
-                    <p:sldTgt/>
-                  </p:tgtEl>
-                </p:cond>
-              </p:nextCondLst>
-            </p:seq>
-          </p:childTnLst>
-        </p:cTn>
+        <p:cTn id="1" dur="indefinite" restart="never" nodeType="tmRoot"/>
       </p:par>
     </p:tnLst>
-    <p:bldLst>
-      <p:bldP spid="3" grpId="0" build="p"/>
-    </p:bldLst>
   </p:timing>
 </p:sld>
 </file>

--- a/Modules/01.GettingStarted/GettingStarted.Slides.pptx
+++ b/Modules/01.GettingStarted/GettingStarted.Slides.pptx
@@ -5,32 +5,33 @@
     <p:sldMasterId id="2147483731" r:id="rId4"/>
   </p:sldMasterIdLst>
   <p:notesMasterIdLst>
-    <p:notesMasterId r:id="rId25"/>
+    <p:notesMasterId r:id="rId26"/>
   </p:notesMasterIdLst>
   <p:handoutMasterIdLst>
-    <p:handoutMasterId r:id="rId26"/>
+    <p:handoutMasterId r:id="rId27"/>
   </p:handoutMasterIdLst>
   <p:sldIdLst>
     <p:sldId id="356" r:id="rId5"/>
     <p:sldId id="347" r:id="rId6"/>
     <p:sldId id="357" r:id="rId7"/>
     <p:sldId id="370" r:id="rId8"/>
-    <p:sldId id="358" r:id="rId9"/>
-    <p:sldId id="359" r:id="rId10"/>
-    <p:sldId id="360" r:id="rId11"/>
-    <p:sldId id="361" r:id="rId12"/>
-    <p:sldId id="372" r:id="rId13"/>
-    <p:sldId id="362" r:id="rId14"/>
-    <p:sldId id="363" r:id="rId15"/>
-    <p:sldId id="364" r:id="rId16"/>
-    <p:sldId id="373" r:id="rId17"/>
-    <p:sldId id="365" r:id="rId18"/>
-    <p:sldId id="368" r:id="rId19"/>
-    <p:sldId id="374" r:id="rId20"/>
-    <p:sldId id="366" r:id="rId21"/>
-    <p:sldId id="369" r:id="rId22"/>
-    <p:sldId id="375" r:id="rId23"/>
-    <p:sldId id="367" r:id="rId24"/>
+    <p:sldId id="376" r:id="rId9"/>
+    <p:sldId id="358" r:id="rId10"/>
+    <p:sldId id="359" r:id="rId11"/>
+    <p:sldId id="360" r:id="rId12"/>
+    <p:sldId id="361" r:id="rId13"/>
+    <p:sldId id="372" r:id="rId14"/>
+    <p:sldId id="362" r:id="rId15"/>
+    <p:sldId id="363" r:id="rId16"/>
+    <p:sldId id="364" r:id="rId17"/>
+    <p:sldId id="373" r:id="rId18"/>
+    <p:sldId id="365" r:id="rId19"/>
+    <p:sldId id="368" r:id="rId20"/>
+    <p:sldId id="374" r:id="rId21"/>
+    <p:sldId id="366" r:id="rId22"/>
+    <p:sldId id="369" r:id="rId23"/>
+    <p:sldId id="375" r:id="rId24"/>
+    <p:sldId id="367" r:id="rId25"/>
   </p:sldIdLst>
   <p:sldSz cx="9144000" cy="6858000" type="screen4x3"/>
   <p:notesSz cx="7315200" cy="9601200"/>
@@ -168,6 +169,7 @@
             <p14:sldId id="347"/>
             <p14:sldId id="357"/>
             <p14:sldId id="370"/>
+            <p14:sldId id="376"/>
             <p14:sldId id="358"/>
             <p14:sldId id="359"/>
             <p14:sldId id="360"/>
@@ -303,7 +305,7 @@
             <a:fld id="{923FAA13-3E1B-4A40-BCE0-2A4101C91A56}" type="datetimeFigureOut">
               <a:rPr lang="en-US" smtClean="0"/>
               <a:pPr/>
-              <a:t>2/21/2013</a:t>
+              <a:t>2/24/2013</a:t>
             </a:fld>
             <a:endParaRPr lang="en-US"/>
           </a:p>
@@ -884,11 +886,7 @@
           <a:p>
             <a:r>
               <a:rPr lang="en-US" dirty="0" smtClean="0"/>
-              <a:t>Hello and welcome to the Html for the XAML developer </a:t>
-            </a:r>
-            <a:r>
-              <a:rPr lang="en-US" dirty="0" smtClean="0"/>
-              <a:t>course,</a:t>
+              <a:t>Hello and welcome to the Html for the XAML developer course,</a:t>
             </a:r>
             <a:r>
               <a:rPr lang="en-US" baseline="0" dirty="0" smtClean="0"/>
@@ -906,35 +904,7 @@
             </a:r>
             <a:r>
               <a:rPr lang="en-US" baseline="0" dirty="0" smtClean="0"/>
-              <a:t> </a:t>
-            </a:r>
-            <a:r>
-              <a:rPr lang="en-US" baseline="0" dirty="0" smtClean="0"/>
-              <a:t>this course we are learn </a:t>
-            </a:r>
-            <a:r>
-              <a:rPr lang="en-US" baseline="0" dirty="0" smtClean="0"/>
-              <a:t>how the skills you have acquired while building Silverlight or WPF applications can be applied to building HTML applications.  We will be take a look at an existing Silverlight application and learn how we can port or rebuild this application using HTML.  We will specifically focus on the MVVM design pattern while we learn how to apply our skills to HTML.  You </a:t>
-            </a:r>
-            <a:r>
-              <a:rPr lang="en-US" baseline="0" dirty="0" smtClean="0"/>
-              <a:t>will learn </a:t>
-            </a:r>
-            <a:r>
-              <a:rPr lang="en-US" baseline="0" dirty="0" smtClean="0"/>
-              <a:t>how your knowledge of </a:t>
-            </a:r>
-            <a:r>
-              <a:rPr lang="en-US" baseline="0" dirty="0" smtClean="0"/>
-              <a:t>View Model layout, Data Binding and Commanding will </a:t>
-            </a:r>
-            <a:r>
-              <a:rPr lang="en-US" baseline="0" dirty="0" smtClean="0"/>
-              <a:t>translate to HTML applications </a:t>
-            </a:r>
-            <a:r>
-              <a:rPr lang="en-US" baseline="0" dirty="0" smtClean="0"/>
-              <a:t>via Knockout </a:t>
+              <a:t> this course we are learn how the skills you have acquired while building Silverlight or WPF applications can be applied to building HTML applications.  We will be take a look at an existing Silverlight application and learn how we can port or rebuild this application using HTML.  We will specifically focus on the MVVM design pattern while we learn how to apply our skills to HTML.  You will learn how your knowledge of View Model layout, Data Binding and Commanding will translate to HTML applications via Knockout </a:t>
             </a:r>
             <a:r>
               <a:rPr lang="en-US" baseline="0" dirty="0" err="1" smtClean="0"/>
@@ -942,35 +912,7 @@
             </a:r>
             <a:r>
               <a:rPr lang="en-US" baseline="0" dirty="0" smtClean="0"/>
-              <a:t>.  </a:t>
-            </a:r>
-            <a:r>
-              <a:rPr lang="en-US" baseline="0" dirty="0" smtClean="0"/>
-              <a:t>As well as </a:t>
-            </a:r>
-            <a:r>
-              <a:rPr lang="en-US" baseline="0" dirty="0" smtClean="0"/>
-              <a:t>learn how </a:t>
-            </a:r>
-            <a:r>
-              <a:rPr lang="en-US" baseline="0" dirty="0" smtClean="0"/>
-              <a:t>the concepts of </a:t>
-            </a:r>
-            <a:r>
-              <a:rPr lang="en-US" baseline="0" dirty="0" smtClean="0"/>
-              <a:t>converters and styles can be applied </a:t>
-            </a:r>
-            <a:r>
-              <a:rPr lang="en-US" baseline="0" dirty="0" smtClean="0"/>
-              <a:t>to an HTML application to </a:t>
-            </a:r>
-            <a:r>
-              <a:rPr lang="en-US" baseline="0" dirty="0" smtClean="0"/>
-              <a:t>get the same </a:t>
-            </a:r>
-            <a:r>
-              <a:rPr lang="en-US" baseline="0" dirty="0" smtClean="0"/>
-              <a:t>net result you would expect if you were building a XAML based application.</a:t>
+              <a:t>.  As well as learn how the concepts of converters and styles can be applied to an HTML application to get the same net result you would expect if you were building a XAML based application.</a:t>
             </a:r>
           </a:p>
           <a:p>
@@ -1087,30 +1029,6 @@
           <a:bodyPr/>
           <a:lstStyle/>
           <a:p>
-            <a:r>
-              <a:rPr lang="en-US" dirty="0" smtClean="0"/>
-              <a:t>When</a:t>
-            </a:r>
-            <a:r>
-              <a:rPr lang="en-US" baseline="0" dirty="0" smtClean="0"/>
-              <a:t> making the jump to HTML development developers can easily become intimidated by the pure number of libraries and frameworks which are needed to build even the </a:t>
-            </a:r>
-            <a:r>
-              <a:rPr lang="en-US" baseline="0" dirty="0" err="1" smtClean="0"/>
-              <a:t>simpliest</a:t>
-            </a:r>
-            <a:r>
-              <a:rPr lang="en-US" baseline="0" dirty="0" smtClean="0"/>
-              <a:t> application.  We are going to take a look at 7 different libraries or frameworks in this course so it may be a great idea to review each of them in a bit of detail before we start doing any coding.  Hopefully doing this review upfront will allow you to feel a bit more comfortable with the library as use or mention throughout the </a:t>
-            </a:r>
-            <a:r>
-              <a:rPr lang="en-US" baseline="0" dirty="0" err="1" smtClean="0"/>
-              <a:t>couse</a:t>
-            </a:r>
-            <a:r>
-              <a:rPr lang="en-US" baseline="0" dirty="0" smtClean="0"/>
-              <a:t>.</a:t>
-            </a:r>
             <a:endParaRPr lang="en-US" dirty="0"/>
           </a:p>
         </p:txBody>
@@ -1147,7 +1065,7 @@
     </p:spTree>
     <p:extLst>
       <p:ext uri="{BB962C8B-B14F-4D97-AF65-F5344CB8AC3E}">
-        <p14:creationId xmlns:p14="http://schemas.microsoft.com/office/powerpoint/2010/main" val="1345440903"/>
+        <p14:creationId xmlns:p14="http://schemas.microsoft.com/office/powerpoint/2010/main" val="2470480248"/>
       </p:ext>
     </p:extLst>
   </p:cSld>
@@ -1203,284 +1121,57 @@
           <a:p>
             <a:r>
               <a:rPr lang="en-US" dirty="0" smtClean="0"/>
-              <a:t>The first library we need to mention is </a:t>
-            </a:r>
-            <a:r>
-              <a:rPr lang="en-US" dirty="0" err="1" smtClean="0"/>
-              <a:t>jQuery</a:t>
-            </a:r>
-            <a:r>
-              <a:rPr lang="en-US" dirty="0" smtClean="0"/>
-              <a:t>.  The </a:t>
-            </a:r>
-            <a:r>
-              <a:rPr lang="en-US" dirty="0" err="1" smtClean="0"/>
-              <a:t>jQuery</a:t>
-            </a:r>
-            <a:r>
-              <a:rPr lang="en-US" dirty="0" smtClean="0"/>
-              <a:t> library has really be come ubiquitous to ‘JavaScript development’  </a:t>
-            </a:r>
-            <a:r>
-              <a:rPr lang="en-US" dirty="0" err="1" smtClean="0"/>
-              <a:t>jQuery</a:t>
-            </a:r>
-            <a:r>
-              <a:rPr lang="en-US" dirty="0" smtClean="0"/>
-              <a:t> is</a:t>
+              <a:t>When</a:t>
             </a:r>
             <a:r>
               <a:rPr lang="en-US" baseline="0" dirty="0" smtClean="0"/>
-              <a:t> a fast, feature rich JavaScript library which really does make using JavaScript pretty much pain free</a:t>
-            </a:r>
-          </a:p>
-          <a:p>
-            <a:endParaRPr lang="en-US" baseline="0" dirty="0" smtClean="0"/>
-          </a:p>
-          <a:p>
+              <a:t> making the jump to HTML development developers can easily become intimidated by the pure number of libraries and frameworks which are needed to build even the </a:t>
+            </a:r>
             <a:r>
               <a:rPr lang="en-US" baseline="0" dirty="0" smtClean="0"/>
-              <a:t>SHOW jquery.com</a:t>
-            </a:r>
-          </a:p>
-          <a:p>
-            <a:endParaRPr lang="en-US" baseline="0" dirty="0" smtClean="0"/>
-          </a:p>
-          <a:p>
-            <a:pPr marL="0" marR="0" indent="0" algn="l" defTabSz="914400" rtl="0" eaLnBrk="0" fontAlgn="base" latinLnBrk="0" hangingPunct="0">
-              <a:lnSpc>
-                <a:spcPct val="100000"/>
-              </a:lnSpc>
-              <a:spcBef>
-                <a:spcPct val="30000"/>
-              </a:spcBef>
-              <a:spcAft>
-                <a:spcPct val="0"/>
-              </a:spcAft>
-              <a:buClrTx/>
-              <a:buSzTx/>
-              <a:buFontTx/>
-              <a:buNone/>
-              <a:tabLst/>
-              <a:defRPr/>
-            </a:pPr>
+              <a:t>simplest web site.  </a:t>
+            </a:r>
             <a:r>
               <a:rPr lang="en-US" baseline="0" dirty="0" smtClean="0"/>
-              <a:t>[SHOW ANIMATION NOW]</a:t>
-            </a:r>
-          </a:p>
-          <a:p>
-            <a:endParaRPr lang="en-US" baseline="0" dirty="0" smtClean="0"/>
-          </a:p>
-          <a:p>
+              <a:t>We are going to take </a:t>
+            </a:r>
             <a:r>
               <a:rPr lang="en-US" baseline="0" dirty="0" smtClean="0"/>
-              <a:t>The next tool we are going to use is Typescript. Typescript is a new JavaScript superset which aims to make writing and maintain enterprise scale JavaScript simpler and easier.  One way </a:t>
-            </a:r>
-            <a:r>
-              <a:rPr lang="en-US" baseline="0" dirty="0" err="1" smtClean="0"/>
-              <a:t>TypeScript</a:t>
+              <a:t>a brief </a:t>
             </a:r>
             <a:r>
               <a:rPr lang="en-US" baseline="0" dirty="0" smtClean="0"/>
-              <a:t> attempts to do this is by adding a bit more static typing to JavaScript.  This static typing allows the compiler to check your code for </a:t>
-            </a:r>
-            <a:r>
-              <a:rPr lang="en-US" baseline="0" dirty="0" err="1" smtClean="0"/>
-              <a:t>sublte</a:t>
+              <a:t>look at 7 </a:t>
             </a:r>
             <a:r>
               <a:rPr lang="en-US" baseline="0" dirty="0" smtClean="0"/>
-              <a:t> but dangerous bugs.</a:t>
-            </a:r>
-          </a:p>
-          <a:p>
-            <a:endParaRPr lang="en-US" baseline="0" dirty="0" smtClean="0"/>
-          </a:p>
-          <a:p>
+              <a:t>of libraries and frameworks we are going to use in this </a:t>
+            </a:r>
             <a:r>
               <a:rPr lang="en-US" baseline="0" dirty="0" smtClean="0"/>
-              <a:t>SHOW typescriptlang.org</a:t>
-            </a:r>
-          </a:p>
-          <a:p>
-            <a:pPr marL="0" marR="0" indent="0" algn="l" defTabSz="914400" rtl="0" eaLnBrk="0" fontAlgn="base" latinLnBrk="0" hangingPunct="0">
-              <a:lnSpc>
-                <a:spcPct val="100000"/>
-              </a:lnSpc>
-              <a:spcBef>
-                <a:spcPct val="30000"/>
-              </a:spcBef>
-              <a:spcAft>
-                <a:spcPct val="0"/>
-              </a:spcAft>
-              <a:buClrTx/>
-              <a:buSzTx/>
-              <a:buFontTx/>
-              <a:buNone/>
-              <a:tabLst/>
-              <a:defRPr/>
-            </a:pPr>
-            <a:endParaRPr lang="en-US" baseline="0" dirty="0" smtClean="0"/>
-          </a:p>
-          <a:p>
-            <a:pPr marL="0" marR="0" indent="0" algn="l" defTabSz="914400" rtl="0" eaLnBrk="0" fontAlgn="base" latinLnBrk="0" hangingPunct="0">
-              <a:lnSpc>
-                <a:spcPct val="100000"/>
-              </a:lnSpc>
-              <a:spcBef>
-                <a:spcPct val="30000"/>
-              </a:spcBef>
-              <a:spcAft>
-                <a:spcPct val="0"/>
-              </a:spcAft>
-              <a:buClrTx/>
-              <a:buSzTx/>
-              <a:buFontTx/>
-              <a:buNone/>
-              <a:tabLst/>
-              <a:defRPr/>
-            </a:pPr>
+              <a:t>course </a:t>
+            </a:r>
             <a:r>
               <a:rPr lang="en-US" baseline="0" dirty="0" smtClean="0"/>
-              <a:t>[SHOW ANIMATION NOW]</a:t>
-            </a:r>
-          </a:p>
-          <a:p>
-            <a:endParaRPr lang="en-US" baseline="0" dirty="0" smtClean="0"/>
-          </a:p>
-          <a:p>
+              <a:t>in order to provide you with a bit of context before we dive into coding..  </a:t>
+            </a:r>
             <a:r>
               <a:rPr lang="en-US" baseline="0" dirty="0" smtClean="0"/>
-              <a:t>The next framework we are going to use is </a:t>
-            </a:r>
-            <a:r>
-              <a:rPr lang="en-US" baseline="0" dirty="0" err="1" smtClean="0"/>
-              <a:t>Knockoutjs</a:t>
+              <a:t>Hopefully doing this review upfront will allow you to feel a bit more comfortable with </a:t>
             </a:r>
             <a:r>
               <a:rPr lang="en-US" baseline="0" dirty="0" smtClean="0"/>
-              <a:t>.  Knockout is a lightweight MVVM library for </a:t>
-            </a:r>
-            <a:r>
-              <a:rPr lang="en-US" baseline="0" dirty="0" err="1" smtClean="0"/>
-              <a:t>javascript</a:t>
+              <a:t>each library as it is used </a:t>
             </a:r>
             <a:r>
               <a:rPr lang="en-US" baseline="0" dirty="0" smtClean="0"/>
-              <a:t> and it is this library which allows us to apply our MVVM skills we acquired as a </a:t>
-            </a:r>
-            <a:r>
-              <a:rPr lang="en-US" baseline="0" dirty="0" err="1" smtClean="0"/>
-              <a:t>silvelright</a:t>
+              <a:t>or mention throughout the </a:t>
             </a:r>
             <a:r>
               <a:rPr lang="en-US" baseline="0" dirty="0" smtClean="0"/>
-              <a:t> or </a:t>
-            </a:r>
-            <a:r>
-              <a:rPr lang="en-US" baseline="0" dirty="0" err="1" smtClean="0"/>
-              <a:t>wpf</a:t>
-            </a:r>
-            <a:r>
-              <a:rPr lang="en-US" baseline="0" dirty="0" smtClean="0"/>
-              <a:t> developer to building HML </a:t>
-            </a:r>
-            <a:r>
-              <a:rPr lang="en-US" baseline="0" dirty="0" err="1" smtClean="0"/>
-              <a:t>aplications</a:t>
-            </a:r>
-            <a:endParaRPr lang="en-US" baseline="0" dirty="0" smtClean="0"/>
-          </a:p>
-          <a:p>
-            <a:endParaRPr lang="en-US" baseline="0" dirty="0" smtClean="0"/>
-          </a:p>
-          <a:p>
-            <a:r>
-              <a:rPr lang="en-US" baseline="0" dirty="0" smtClean="0"/>
-              <a:t>CSHOW knockoutjs.com</a:t>
-            </a:r>
-          </a:p>
-          <a:p>
-            <a:pPr marL="0" marR="0" indent="0" algn="l" defTabSz="914400" rtl="0" eaLnBrk="0" fontAlgn="base" latinLnBrk="0" hangingPunct="0">
-              <a:lnSpc>
-                <a:spcPct val="100000"/>
-              </a:lnSpc>
-              <a:spcBef>
-                <a:spcPct val="30000"/>
-              </a:spcBef>
-              <a:spcAft>
-                <a:spcPct val="0"/>
-              </a:spcAft>
-              <a:buClrTx/>
-              <a:buSzTx/>
-              <a:buFontTx/>
-              <a:buNone/>
-              <a:tabLst/>
-              <a:defRPr/>
-            </a:pPr>
-            <a:endParaRPr lang="en-US" baseline="0" dirty="0" smtClean="0"/>
-          </a:p>
-          <a:p>
-            <a:pPr marL="0" marR="0" indent="0" algn="l" defTabSz="914400" rtl="0" eaLnBrk="0" fontAlgn="base" latinLnBrk="0" hangingPunct="0">
-              <a:lnSpc>
-                <a:spcPct val="100000"/>
-              </a:lnSpc>
-              <a:spcBef>
-                <a:spcPct val="30000"/>
-              </a:spcBef>
-              <a:spcAft>
-                <a:spcPct val="0"/>
-              </a:spcAft>
-              <a:buClrTx/>
-              <a:buSzTx/>
-              <a:buFontTx/>
-              <a:buNone/>
-              <a:tabLst/>
-              <a:defRPr/>
-            </a:pPr>
-            <a:r>
-              <a:rPr lang="en-US" baseline="0" dirty="0" smtClean="0"/>
-              <a:t>[SHOW ANIMATION NOW]</a:t>
-            </a:r>
-          </a:p>
-          <a:p>
-            <a:endParaRPr lang="en-US" baseline="0" dirty="0" smtClean="0"/>
-          </a:p>
-          <a:p>
-            <a:r>
-              <a:rPr lang="en-US" baseline="0" dirty="0" smtClean="0"/>
-              <a:t>Another framework we are going to use is Twitter Bootstrap.  This is a front end framework which makes producing amazing front end HTML easy.  Twitter bootstrap consists mostly of a set of CSS files for layout and styling as well as a JavaScript library which makes working with HTML easy.</a:t>
-            </a:r>
-          </a:p>
-          <a:p>
-            <a:endParaRPr lang="en-US" baseline="0" dirty="0" smtClean="0"/>
-          </a:p>
-          <a:p>
-            <a:r>
-              <a:rPr lang="en-US" baseline="0" dirty="0" smtClean="0"/>
-              <a:t>SHOW </a:t>
-            </a:r>
-            <a:r>
-              <a:rPr lang="en-US" dirty="0" smtClean="0"/>
-              <a:t>twitter.github.com/bootstrap/</a:t>
-            </a:r>
-            <a:endParaRPr lang="en-US" baseline="0" dirty="0" smtClean="0"/>
-          </a:p>
-          <a:p>
-            <a:endParaRPr lang="en-US" baseline="0" dirty="0" smtClean="0"/>
-          </a:p>
-          <a:p>
-            <a:endParaRPr lang="en-US" baseline="0" dirty="0" smtClean="0"/>
-          </a:p>
-          <a:p>
-            <a:endParaRPr lang="en-US" baseline="0" dirty="0" smtClean="0"/>
-          </a:p>
-          <a:p>
-            <a:endParaRPr lang="en-US" baseline="0" dirty="0" smtClean="0"/>
-          </a:p>
-          <a:p>
-            <a:endParaRPr lang="en-US" baseline="0" dirty="0" smtClean="0"/>
+              <a:t>course.</a:t>
+            </a:r>
+            <a:endParaRPr lang="en-US" dirty="0"/>
           </a:p>
         </p:txBody>
       </p:sp>
@@ -1516,7 +1207,7 @@
     </p:spTree>
     <p:extLst>
       <p:ext uri="{BB962C8B-B14F-4D97-AF65-F5344CB8AC3E}">
-        <p14:creationId xmlns:p14="http://schemas.microsoft.com/office/powerpoint/2010/main" val="98216776"/>
+        <p14:creationId xmlns:p14="http://schemas.microsoft.com/office/powerpoint/2010/main" val="1345440903"/>
       </p:ext>
     </p:extLst>
   </p:cSld>
@@ -1572,19 +1263,35 @@
           <a:p>
             <a:r>
               <a:rPr lang="en-US" dirty="0" smtClean="0"/>
-              <a:t>We will be using the </a:t>
+              <a:t>The first library we need to mention is </a:t>
             </a:r>
             <a:r>
               <a:rPr lang="en-US" dirty="0" err="1" smtClean="0"/>
-              <a:t>ASP.Net</a:t>
+              <a:t>jQuery</a:t>
             </a:r>
             <a:r>
               <a:rPr lang="en-US" dirty="0" smtClean="0"/>
-              <a:t> MVC web framework</a:t>
+              <a:t>.  The </a:t>
+            </a:r>
+            <a:r>
+              <a:rPr lang="en-US" dirty="0" err="1" smtClean="0"/>
+              <a:t>jQuery</a:t>
+            </a:r>
+            <a:r>
+              <a:rPr lang="en-US" dirty="0" smtClean="0"/>
+              <a:t> library has really be come ubiquitous to ‘JavaScript development’  </a:t>
+            </a:r>
+            <a:r>
+              <a:rPr lang="en-US" dirty="0" err="1" smtClean="0"/>
+              <a:t>jQuery</a:t>
+            </a:r>
+            <a:r>
+              <a:rPr lang="en-US" dirty="0" smtClean="0"/>
+              <a:t> is</a:t>
             </a:r>
             <a:r>
               <a:rPr lang="en-US" baseline="0" dirty="0" smtClean="0"/>
-              <a:t> which allows for a powerful, patterns based way to build web applications.  The MVC framework is the core framework which is going to allow us to serve up and render our html pages.</a:t>
+              <a:t> a fast, feature rich JavaScript library which really does make using JavaScript pretty much pain free</a:t>
             </a:r>
           </a:p>
           <a:p>
@@ -1593,7 +1300,7 @@
           <a:p>
             <a:r>
               <a:rPr lang="en-US" baseline="0" dirty="0" smtClean="0"/>
-              <a:t>SHOW asp.net/MVC</a:t>
+              <a:t>SHOW jquery.com</a:t>
             </a:r>
           </a:p>
           <a:p>
@@ -1623,40 +1330,36 @@
             </a:r>
           </a:p>
           <a:p>
-            <a:endParaRPr lang="en-US" dirty="0" smtClean="0"/>
-          </a:p>
-          <a:p>
-            <a:r>
-              <a:rPr lang="en-US" dirty="0" smtClean="0"/>
-              <a:t>We</a:t>
-            </a:r>
+            <a:endParaRPr lang="en-US" baseline="0" dirty="0" smtClean="0"/>
+          </a:p>
+          <a:p>
             <a:r>
               <a:rPr lang="en-US" baseline="0" dirty="0" smtClean="0"/>
-              <a:t> will also be using the </a:t>
+              <a:t>The next tool we are going to use is Typescript. Typescript is a new JavaScript superset which aims to make writing and maintain enterprise scale JavaScript simpler and easier.  One way </a:t>
             </a:r>
             <a:r>
               <a:rPr lang="en-US" baseline="0" dirty="0" err="1" smtClean="0"/>
-              <a:t>ASP.Net</a:t>
+              <a:t>TypeScript</a:t>
             </a:r>
             <a:r>
               <a:rPr lang="en-US" baseline="0" dirty="0" smtClean="0"/>
-              <a:t> Web </a:t>
+              <a:t> attempts to do this is by adding a bit more static typing to the </a:t>
             </a:r>
             <a:r>
               <a:rPr lang="en-US" baseline="0" dirty="0" err="1" smtClean="0"/>
-              <a:t>Api</a:t>
+              <a:t>langauage</a:t>
             </a:r>
             <a:r>
               <a:rPr lang="en-US" baseline="0" dirty="0" smtClean="0"/>
-              <a:t> framework. The web </a:t>
+              <a:t>.  This static typing allows the compiler to check your code for </a:t>
             </a:r>
             <a:r>
               <a:rPr lang="en-US" baseline="0" dirty="0" err="1" smtClean="0"/>
-              <a:t>api</a:t>
+              <a:t>sublte</a:t>
             </a:r>
             <a:r>
               <a:rPr lang="en-US" baseline="0" dirty="0" smtClean="0"/>
-              <a:t> framework allows us to easily build http based web services which we will use to get data out of our backend system as well as push data to our backend.</a:t>
+              <a:t> but dangerous bugs.</a:t>
             </a:r>
           </a:p>
           <a:p>
@@ -1665,81 +1368,7 @@
           <a:p>
             <a:r>
               <a:rPr lang="en-US" baseline="0" dirty="0" smtClean="0"/>
-              <a:t>SHOW asp.net/web-</a:t>
-            </a:r>
-            <a:r>
-              <a:rPr lang="en-US" baseline="0" dirty="0" err="1" smtClean="0"/>
-              <a:t>api</a:t>
-            </a:r>
-            <a:endParaRPr lang="en-US" baseline="0" dirty="0" smtClean="0"/>
-          </a:p>
-          <a:p>
-            <a:endParaRPr lang="en-US" baseline="0" dirty="0" smtClean="0"/>
-          </a:p>
-          <a:p>
-            <a:pPr marL="0" marR="0" indent="0" algn="l" defTabSz="914400" rtl="0" eaLnBrk="0" fontAlgn="base" latinLnBrk="0" hangingPunct="0">
-              <a:lnSpc>
-                <a:spcPct val="100000"/>
-              </a:lnSpc>
-              <a:spcBef>
-                <a:spcPct val="30000"/>
-              </a:spcBef>
-              <a:spcAft>
-                <a:spcPct val="0"/>
-              </a:spcAft>
-              <a:buClrTx/>
-              <a:buSzTx/>
-              <a:buFontTx/>
-              <a:buNone/>
-              <a:tabLst/>
-              <a:defRPr/>
-            </a:pPr>
-            <a:r>
-              <a:rPr lang="en-US" baseline="0" dirty="0" smtClean="0"/>
-              <a:t>[SHOW ANIMATION NOW]</a:t>
-            </a:r>
-          </a:p>
-          <a:p>
-            <a:endParaRPr lang="en-US" dirty="0" smtClean="0"/>
-          </a:p>
-          <a:p>
-            <a:r>
-              <a:rPr lang="en-US" dirty="0" smtClean="0"/>
-              <a:t>The</a:t>
-            </a:r>
-            <a:r>
-              <a:rPr lang="en-US" baseline="0" dirty="0" smtClean="0"/>
-              <a:t> next library we will make heavy use of is Underscore.js.  Underscore is a utility built </a:t>
-            </a:r>
-            <a:r>
-              <a:rPr lang="en-US" baseline="0" dirty="0" err="1" smtClean="0"/>
-              <a:t>Javascript</a:t>
-            </a:r>
-            <a:r>
-              <a:rPr lang="en-US" baseline="0" dirty="0" smtClean="0"/>
-              <a:t> library which provides functional style programming for JavaScript.  If you are a fan of LINQ in </a:t>
-            </a:r>
-            <a:r>
-              <a:rPr lang="en-US" baseline="0" dirty="0" err="1" smtClean="0"/>
-              <a:t>.Net</a:t>
-            </a:r>
-            <a:r>
-              <a:rPr lang="en-US" baseline="0" dirty="0" smtClean="0"/>
-              <a:t> this library will allow you to do many of the same things but in </a:t>
-            </a:r>
-            <a:r>
-              <a:rPr lang="en-US" baseline="0" dirty="0" err="1" smtClean="0"/>
-              <a:t>Javascript</a:t>
-            </a:r>
-            <a:endParaRPr lang="en-US" baseline="0" dirty="0" smtClean="0"/>
-          </a:p>
-          <a:p>
-            <a:endParaRPr lang="en-US" baseline="0" dirty="0" smtClean="0"/>
-          </a:p>
-          <a:p>
-            <a:r>
-              <a:rPr lang="en-US" baseline="0" dirty="0" smtClean="0"/>
-              <a:t>SHOW underscorejs.org</a:t>
+              <a:t>SHOW typescriptlang.org</a:t>
             </a:r>
           </a:p>
           <a:p>
@@ -1786,59 +1415,140 @@
             </a:r>
           </a:p>
           <a:p>
-            <a:endParaRPr lang="en-US" dirty="0" smtClean="0"/>
-          </a:p>
-          <a:p>
+            <a:endParaRPr lang="en-US" baseline="0" dirty="0" smtClean="0"/>
+          </a:p>
+          <a:p>
+            <a:r>
+              <a:rPr lang="en-US" baseline="0" dirty="0" smtClean="0"/>
+              <a:t>The next framework we are going to use is </a:t>
+            </a:r>
+            <a:r>
+              <a:rPr lang="en-US" baseline="0" dirty="0" err="1" smtClean="0"/>
+              <a:t>Knockoutjs</a:t>
+            </a:r>
+            <a:r>
+              <a:rPr lang="en-US" baseline="0" dirty="0" smtClean="0"/>
+              <a:t>.  Knockout is a lightweight MVVM library for </a:t>
+            </a:r>
+            <a:r>
+              <a:rPr lang="en-US" baseline="0" dirty="0" err="1" smtClean="0"/>
+              <a:t>javascript</a:t>
+            </a:r>
+            <a:r>
+              <a:rPr lang="en-US" baseline="0" dirty="0" smtClean="0"/>
+              <a:t> and it is this library which allows us to apply our MVVM skills we acquired as a </a:t>
+            </a:r>
+            <a:r>
+              <a:rPr lang="en-US" baseline="0" dirty="0" err="1" smtClean="0"/>
+              <a:t>silvelright</a:t>
+            </a:r>
+            <a:r>
+              <a:rPr lang="en-US" baseline="0" dirty="0" smtClean="0"/>
+              <a:t> or </a:t>
+            </a:r>
+            <a:r>
+              <a:rPr lang="en-US" baseline="0" dirty="0" err="1" smtClean="0"/>
+              <a:t>wpf</a:t>
+            </a:r>
+            <a:r>
+              <a:rPr lang="en-US" baseline="0" dirty="0" smtClean="0"/>
+              <a:t> developer to building HML </a:t>
+            </a:r>
+            <a:r>
+              <a:rPr lang="en-US" baseline="0" dirty="0" err="1" smtClean="0"/>
+              <a:t>aplications</a:t>
+            </a:r>
+            <a:endParaRPr lang="en-US" baseline="0" dirty="0" smtClean="0"/>
+          </a:p>
+          <a:p>
+            <a:endParaRPr lang="en-US" baseline="0" dirty="0" smtClean="0"/>
+          </a:p>
+          <a:p>
+            <a:r>
+              <a:rPr lang="en-US" baseline="0" dirty="0" smtClean="0"/>
+              <a:t>CSHOW knockoutjs.com</a:t>
+            </a:r>
+          </a:p>
+          <a:p>
+            <a:pPr marL="0" marR="0" indent="0" algn="l" defTabSz="914400" rtl="0" eaLnBrk="0" fontAlgn="base" latinLnBrk="0" hangingPunct="0">
+              <a:lnSpc>
+                <a:spcPct val="100000"/>
+              </a:lnSpc>
+              <a:spcBef>
+                <a:spcPct val="30000"/>
+              </a:spcBef>
+              <a:spcAft>
+                <a:spcPct val="0"/>
+              </a:spcAft>
+              <a:buClrTx/>
+              <a:buSzTx/>
+              <a:buFontTx/>
+              <a:buNone/>
+              <a:tabLst/>
+              <a:defRPr/>
+            </a:pPr>
+            <a:endParaRPr lang="en-US" baseline="0" dirty="0" smtClean="0"/>
+          </a:p>
+          <a:p>
+            <a:pPr marL="0" marR="0" indent="0" algn="l" defTabSz="914400" rtl="0" eaLnBrk="0" fontAlgn="base" latinLnBrk="0" hangingPunct="0">
+              <a:lnSpc>
+                <a:spcPct val="100000"/>
+              </a:lnSpc>
+              <a:spcBef>
+                <a:spcPct val="30000"/>
+              </a:spcBef>
+              <a:spcAft>
+                <a:spcPct val="0"/>
+              </a:spcAft>
+              <a:buClrTx/>
+              <a:buSzTx/>
+              <a:buFontTx/>
+              <a:buNone/>
+              <a:tabLst/>
+              <a:defRPr/>
+            </a:pPr>
+            <a:r>
+              <a:rPr lang="en-US" baseline="0" dirty="0" smtClean="0"/>
+              <a:t>[SHOW ANIMATION NOW]</a:t>
+            </a:r>
+          </a:p>
+          <a:p>
+            <a:endParaRPr lang="en-US" baseline="0" dirty="0" smtClean="0"/>
+          </a:p>
+          <a:p>
+            <a:r>
+              <a:rPr lang="en-US" baseline="0" dirty="0" smtClean="0"/>
+              <a:t>Another framework we are going to use is Twitter Bootstrap.  This is a front end framework which makes producing amazing front end HTML easy.  Twitter bootstrap consists mostly of a set of CSS files for layout and styling as well as a JavaScript library which makes working with HTML easy.</a:t>
+            </a:r>
+          </a:p>
+          <a:p>
+            <a:endParaRPr lang="en-US" baseline="0" dirty="0" smtClean="0"/>
+          </a:p>
+          <a:p>
+            <a:r>
+              <a:rPr lang="en-US" baseline="0" dirty="0" smtClean="0"/>
+              <a:t>SHOW </a:t>
+            </a:r>
             <a:r>
               <a:rPr lang="en-US" dirty="0" smtClean="0"/>
-              <a:t>Finally we </a:t>
-            </a:r>
-            <a:r>
-              <a:rPr lang="en-US" dirty="0" err="1" smtClean="0"/>
-              <a:t>wll</a:t>
-            </a:r>
-            <a:r>
-              <a:rPr lang="en-US" dirty="0" smtClean="0"/>
-              <a:t> be making</a:t>
-            </a:r>
-            <a:r>
-              <a:rPr lang="en-US" baseline="0" dirty="0" smtClean="0"/>
-              <a:t> heavy use of </a:t>
-            </a:r>
-            <a:r>
-              <a:rPr lang="en-US" baseline="0" dirty="0" err="1" smtClean="0"/>
-              <a:t>Nuget</a:t>
-            </a:r>
-            <a:r>
-              <a:rPr lang="en-US" baseline="0" dirty="0" smtClean="0"/>
-              <a:t> to download and install many of the libraries we are going to use.  If you have not used </a:t>
-            </a:r>
-            <a:r>
-              <a:rPr lang="en-US" baseline="0" dirty="0" err="1" smtClean="0"/>
-              <a:t>nuget</a:t>
-            </a:r>
-            <a:r>
-              <a:rPr lang="en-US" baseline="0" dirty="0" smtClean="0"/>
-              <a:t> much you will want to spend some time making yourself comfortable with it will save you a ton of time and energy when setting up a new project</a:t>
-            </a:r>
-          </a:p>
-          <a:p>
+              <a:t>twitter.github.com/bootstrap/</a:t>
+            </a:r>
             <a:endParaRPr lang="en-US" baseline="0" dirty="0" smtClean="0"/>
           </a:p>
           <a:p>
-            <a:r>
-              <a:rPr lang="en-US" baseline="0" dirty="0" smtClean="0"/>
-              <a:t>SHOW nuget.org</a:t>
-            </a:r>
-          </a:p>
-          <a:p>
             <a:endParaRPr lang="en-US" baseline="0" dirty="0" smtClean="0"/>
           </a:p>
           <a:p>
             <a:endParaRPr lang="en-US" baseline="0" dirty="0" smtClean="0"/>
           </a:p>
           <a:p>
-            <a:endParaRPr lang="en-US" dirty="0"/>
+            <a:endParaRPr lang="en-US" baseline="0" dirty="0" smtClean="0"/>
+          </a:p>
+          <a:p>
+            <a:endParaRPr lang="en-US" baseline="0" dirty="0" smtClean="0"/>
+          </a:p>
+          <a:p>
+            <a:endParaRPr lang="en-US" baseline="0" dirty="0" smtClean="0"/>
           </a:p>
         </p:txBody>
       </p:sp>
@@ -1874,7 +1584,7 @@
     </p:spTree>
     <p:extLst>
       <p:ext uri="{BB962C8B-B14F-4D97-AF65-F5344CB8AC3E}">
-        <p14:creationId xmlns:p14="http://schemas.microsoft.com/office/powerpoint/2010/main" val="1059015425"/>
+        <p14:creationId xmlns:p14="http://schemas.microsoft.com/office/powerpoint/2010/main" val="98216776"/>
       </p:ext>
     </p:extLst>
   </p:cSld>
@@ -1928,6 +1638,274 @@
           <a:bodyPr/>
           <a:lstStyle/>
           <a:p>
+            <a:r>
+              <a:rPr lang="en-US" dirty="0" smtClean="0"/>
+              <a:t>We will be using the </a:t>
+            </a:r>
+            <a:r>
+              <a:rPr lang="en-US" dirty="0" err="1" smtClean="0"/>
+              <a:t>ASP.Net</a:t>
+            </a:r>
+            <a:r>
+              <a:rPr lang="en-US" dirty="0" smtClean="0"/>
+              <a:t> MVC web framework</a:t>
+            </a:r>
+            <a:r>
+              <a:rPr lang="en-US" baseline="0" dirty="0" smtClean="0"/>
+              <a:t> which allows for a powerful, patterns based way to build web applications.  The MVC framework is the core framework which is going to allow us to serve up and render our html pages.</a:t>
+            </a:r>
+          </a:p>
+          <a:p>
+            <a:endParaRPr lang="en-US" baseline="0" dirty="0" smtClean="0"/>
+          </a:p>
+          <a:p>
+            <a:r>
+              <a:rPr lang="en-US" baseline="0" dirty="0" smtClean="0"/>
+              <a:t>SHOW asp.net/MVC</a:t>
+            </a:r>
+          </a:p>
+          <a:p>
+            <a:endParaRPr lang="en-US" baseline="0" dirty="0" smtClean="0"/>
+          </a:p>
+          <a:p>
+            <a:pPr marL="0" marR="0" indent="0" algn="l" defTabSz="914400" rtl="0" eaLnBrk="0" fontAlgn="base" latinLnBrk="0" hangingPunct="0">
+              <a:lnSpc>
+                <a:spcPct val="100000"/>
+              </a:lnSpc>
+              <a:spcBef>
+                <a:spcPct val="30000"/>
+              </a:spcBef>
+              <a:spcAft>
+                <a:spcPct val="0"/>
+              </a:spcAft>
+              <a:buClrTx/>
+              <a:buSzTx/>
+              <a:buFontTx/>
+              <a:buNone/>
+              <a:tabLst/>
+              <a:defRPr/>
+            </a:pPr>
+            <a:r>
+              <a:rPr lang="en-US" baseline="0" dirty="0" smtClean="0"/>
+              <a:t>[SHOW ANIMATION NOW]</a:t>
+            </a:r>
+          </a:p>
+          <a:p>
+            <a:endParaRPr lang="en-US" dirty="0" smtClean="0"/>
+          </a:p>
+          <a:p>
+            <a:r>
+              <a:rPr lang="en-US" dirty="0" smtClean="0"/>
+              <a:t>We</a:t>
+            </a:r>
+            <a:r>
+              <a:rPr lang="en-US" baseline="0" dirty="0" smtClean="0"/>
+              <a:t> will also be using the </a:t>
+            </a:r>
+            <a:r>
+              <a:rPr lang="en-US" baseline="0" dirty="0" err="1" smtClean="0"/>
+              <a:t>ASP.Net</a:t>
+            </a:r>
+            <a:r>
+              <a:rPr lang="en-US" baseline="0" dirty="0" smtClean="0"/>
+              <a:t> Web </a:t>
+            </a:r>
+            <a:r>
+              <a:rPr lang="en-US" baseline="0" dirty="0" err="1" smtClean="0"/>
+              <a:t>Api</a:t>
+            </a:r>
+            <a:r>
+              <a:rPr lang="en-US" baseline="0" dirty="0" smtClean="0"/>
+              <a:t> framework. The web </a:t>
+            </a:r>
+            <a:r>
+              <a:rPr lang="en-US" baseline="0" dirty="0" err="1" smtClean="0"/>
+              <a:t>api</a:t>
+            </a:r>
+            <a:r>
+              <a:rPr lang="en-US" baseline="0" dirty="0" smtClean="0"/>
+              <a:t> framework allows us to easily build http based web services which we will use to get data out of our backend system as well as push data to our backend.</a:t>
+            </a:r>
+          </a:p>
+          <a:p>
+            <a:endParaRPr lang="en-US" baseline="0" dirty="0" smtClean="0"/>
+          </a:p>
+          <a:p>
+            <a:r>
+              <a:rPr lang="en-US" baseline="0" dirty="0" smtClean="0"/>
+              <a:t>SHOW asp.net/web-</a:t>
+            </a:r>
+            <a:r>
+              <a:rPr lang="en-US" baseline="0" dirty="0" err="1" smtClean="0"/>
+              <a:t>api</a:t>
+            </a:r>
+            <a:endParaRPr lang="en-US" baseline="0" dirty="0" smtClean="0"/>
+          </a:p>
+          <a:p>
+            <a:endParaRPr lang="en-US" baseline="0" dirty="0" smtClean="0"/>
+          </a:p>
+          <a:p>
+            <a:pPr marL="0" marR="0" indent="0" algn="l" defTabSz="914400" rtl="0" eaLnBrk="0" fontAlgn="base" latinLnBrk="0" hangingPunct="0">
+              <a:lnSpc>
+                <a:spcPct val="100000"/>
+              </a:lnSpc>
+              <a:spcBef>
+                <a:spcPct val="30000"/>
+              </a:spcBef>
+              <a:spcAft>
+                <a:spcPct val="0"/>
+              </a:spcAft>
+              <a:buClrTx/>
+              <a:buSzTx/>
+              <a:buFontTx/>
+              <a:buNone/>
+              <a:tabLst/>
+              <a:defRPr/>
+            </a:pPr>
+            <a:r>
+              <a:rPr lang="en-US" baseline="0" dirty="0" smtClean="0"/>
+              <a:t>[SHOW ANIMATION NOW]</a:t>
+            </a:r>
+          </a:p>
+          <a:p>
+            <a:endParaRPr lang="en-US" dirty="0" smtClean="0"/>
+          </a:p>
+          <a:p>
+            <a:r>
+              <a:rPr lang="en-US" dirty="0" smtClean="0"/>
+              <a:t>The</a:t>
+            </a:r>
+            <a:r>
+              <a:rPr lang="en-US" baseline="0" dirty="0" smtClean="0"/>
+              <a:t> next library we will make heavy use of is Underscore.js.  Underscore is a utility built </a:t>
+            </a:r>
+            <a:r>
+              <a:rPr lang="en-US" baseline="0" dirty="0" err="1" smtClean="0"/>
+              <a:t>Javascript</a:t>
+            </a:r>
+            <a:r>
+              <a:rPr lang="en-US" baseline="0" dirty="0" smtClean="0"/>
+              <a:t> library which provides functional style programming for JavaScript.  If you are a fan of LINQ in </a:t>
+            </a:r>
+            <a:r>
+              <a:rPr lang="en-US" baseline="0" dirty="0" err="1" smtClean="0"/>
+              <a:t>.Net</a:t>
+            </a:r>
+            <a:r>
+              <a:rPr lang="en-US" baseline="0" dirty="0" smtClean="0"/>
+              <a:t> this library will allow you to do many of the same things but in </a:t>
+            </a:r>
+            <a:r>
+              <a:rPr lang="en-US" baseline="0" dirty="0" err="1" smtClean="0"/>
+              <a:t>Javascript</a:t>
+            </a:r>
+            <a:endParaRPr lang="en-US" baseline="0" dirty="0" smtClean="0"/>
+          </a:p>
+          <a:p>
+            <a:endParaRPr lang="en-US" baseline="0" dirty="0" smtClean="0"/>
+          </a:p>
+          <a:p>
+            <a:r>
+              <a:rPr lang="en-US" baseline="0" dirty="0" smtClean="0"/>
+              <a:t>SHOW underscorejs.org</a:t>
+            </a:r>
+          </a:p>
+          <a:p>
+            <a:pPr marL="0" marR="0" indent="0" algn="l" defTabSz="914400" rtl="0" eaLnBrk="0" fontAlgn="base" latinLnBrk="0" hangingPunct="0">
+              <a:lnSpc>
+                <a:spcPct val="100000"/>
+              </a:lnSpc>
+              <a:spcBef>
+                <a:spcPct val="30000"/>
+              </a:spcBef>
+              <a:spcAft>
+                <a:spcPct val="0"/>
+              </a:spcAft>
+              <a:buClrTx/>
+              <a:buSzTx/>
+              <a:buFontTx/>
+              <a:buNone/>
+              <a:tabLst/>
+              <a:defRPr/>
+            </a:pPr>
+            <a:endParaRPr lang="en-US" baseline="0" dirty="0" smtClean="0"/>
+          </a:p>
+          <a:p>
+            <a:pPr marL="0" marR="0" indent="0" algn="l" defTabSz="914400" rtl="0" eaLnBrk="0" fontAlgn="base" latinLnBrk="0" hangingPunct="0">
+              <a:lnSpc>
+                <a:spcPct val="100000"/>
+              </a:lnSpc>
+              <a:spcBef>
+                <a:spcPct val="30000"/>
+              </a:spcBef>
+              <a:spcAft>
+                <a:spcPct val="0"/>
+              </a:spcAft>
+              <a:buClrTx/>
+              <a:buSzTx/>
+              <a:buFontTx/>
+              <a:buNone/>
+              <a:tabLst/>
+              <a:defRPr/>
+            </a:pPr>
+            <a:r>
+              <a:rPr lang="en-US" baseline="0" dirty="0" smtClean="0"/>
+              <a:t>[SHOW ANIMATION NOW]</a:t>
+            </a:r>
+          </a:p>
+          <a:p>
+            <a:endParaRPr lang="en-US" dirty="0" smtClean="0"/>
+          </a:p>
+          <a:p>
+            <a:r>
+              <a:rPr lang="en-US" dirty="0" smtClean="0"/>
+              <a:t>Finally we </a:t>
+            </a:r>
+            <a:r>
+              <a:rPr lang="en-US" dirty="0" err="1" smtClean="0"/>
+              <a:t>wll</a:t>
+            </a:r>
+            <a:r>
+              <a:rPr lang="en-US" dirty="0" smtClean="0"/>
+              <a:t> be making</a:t>
+            </a:r>
+            <a:r>
+              <a:rPr lang="en-US" baseline="0" dirty="0" smtClean="0"/>
+              <a:t> heavy use of </a:t>
+            </a:r>
+            <a:r>
+              <a:rPr lang="en-US" baseline="0" dirty="0" err="1" smtClean="0"/>
+              <a:t>Nuget</a:t>
+            </a:r>
+            <a:r>
+              <a:rPr lang="en-US" baseline="0" dirty="0" smtClean="0"/>
+              <a:t> to download and install many of the libraries we are going to use.  If you have not used </a:t>
+            </a:r>
+            <a:r>
+              <a:rPr lang="en-US" baseline="0" dirty="0" err="1" smtClean="0"/>
+              <a:t>nuget</a:t>
+            </a:r>
+            <a:r>
+              <a:rPr lang="en-US" baseline="0" dirty="0" smtClean="0"/>
+              <a:t> much you will want to spend some time making yourself comfortable with it will save you a ton of time and energy when setting up a new project</a:t>
+            </a:r>
+          </a:p>
+          <a:p>
+            <a:endParaRPr lang="en-US" baseline="0" dirty="0" smtClean="0"/>
+          </a:p>
+          <a:p>
+            <a:r>
+              <a:rPr lang="en-US" baseline="0" dirty="0" smtClean="0"/>
+              <a:t>SHOW nuget.org</a:t>
+            </a:r>
+          </a:p>
+          <a:p>
+            <a:endParaRPr lang="en-US" baseline="0" dirty="0" smtClean="0"/>
+          </a:p>
+          <a:p>
+            <a:endParaRPr lang="en-US" baseline="0" dirty="0" smtClean="0"/>
+          </a:p>
+          <a:p>
             <a:endParaRPr lang="en-US" dirty="0"/>
           </a:p>
         </p:txBody>
@@ -1951,28 +1929,20 @@
               <a:defRPr/>
             </a:pPr>
             <a:fld id="{47C584BF-6945-4E60-B2A7-1638FF8EA8EE}" type="slidenum">
-              <a:rPr lang="en-US" smtClean="0">
-                <a:solidFill>
-                  <a:srgbClr val="000000"/>
-                </a:solidFill>
-              </a:rPr>
+              <a:rPr lang="en-US" smtClean="0"/>
               <a:pPr>
                 <a:defRPr/>
               </a:pPr>
               <a:t>13</a:t>
             </a:fld>
-            <a:endParaRPr lang="en-US">
-              <a:solidFill>
-                <a:srgbClr val="000000"/>
-              </a:solidFill>
-            </a:endParaRPr>
+            <a:endParaRPr lang="en-US"/>
           </a:p>
         </p:txBody>
       </p:sp>
     </p:spTree>
     <p:extLst>
       <p:ext uri="{BB962C8B-B14F-4D97-AF65-F5344CB8AC3E}">
-        <p14:creationId xmlns:p14="http://schemas.microsoft.com/office/powerpoint/2010/main" val="3422777885"/>
+        <p14:creationId xmlns:p14="http://schemas.microsoft.com/office/powerpoint/2010/main" val="1059015425"/>
       </p:ext>
     </p:extLst>
   </p:cSld>
@@ -2026,22 +1996,6 @@
           <a:bodyPr/>
           <a:lstStyle/>
           <a:p>
-            <a:r>
-              <a:rPr lang="en-US" dirty="0" smtClean="0"/>
-              <a:t>Now that we have learned</a:t>
-            </a:r>
-            <a:r>
-              <a:rPr lang="en-US" baseline="0" dirty="0" smtClean="0"/>
-              <a:t> about the various libraries and frameworks we are going to be using it is time to jump into Visual studio and create the </a:t>
-            </a:r>
-            <a:r>
-              <a:rPr lang="en-US" baseline="0" dirty="0" err="1" smtClean="0"/>
-              <a:t>ASP.Net</a:t>
-            </a:r>
-            <a:r>
-              <a:rPr lang="en-US" baseline="0" dirty="0" smtClean="0"/>
-              <a:t> Template project we will be using through out all of our coding demos in this course.</a:t>
-            </a:r>
             <a:endParaRPr lang="en-US" dirty="0"/>
           </a:p>
         </p:txBody>
@@ -2065,20 +2019,28 @@
               <a:defRPr/>
             </a:pPr>
             <a:fld id="{47C584BF-6945-4E60-B2A7-1638FF8EA8EE}" type="slidenum">
-              <a:rPr lang="en-US" smtClean="0"/>
+              <a:rPr lang="en-US" smtClean="0">
+                <a:solidFill>
+                  <a:srgbClr val="000000"/>
+                </a:solidFill>
+              </a:rPr>
               <a:pPr>
                 <a:defRPr/>
               </a:pPr>
               <a:t>14</a:t>
             </a:fld>
-            <a:endParaRPr lang="en-US"/>
+            <a:endParaRPr lang="en-US">
+              <a:solidFill>
+                <a:srgbClr val="000000"/>
+              </a:solidFill>
+            </a:endParaRPr>
           </a:p>
         </p:txBody>
       </p:sp>
     </p:spTree>
     <p:extLst>
       <p:ext uri="{BB962C8B-B14F-4D97-AF65-F5344CB8AC3E}">
-        <p14:creationId xmlns:p14="http://schemas.microsoft.com/office/powerpoint/2010/main" val="2095186512"/>
+        <p14:creationId xmlns:p14="http://schemas.microsoft.com/office/powerpoint/2010/main" val="3422777885"/>
       </p:ext>
     </p:extLst>
   </p:cSld>
@@ -2134,192 +2096,11 @@
           <a:p>
             <a:r>
               <a:rPr lang="en-US" dirty="0" smtClean="0"/>
-              <a:t>When</a:t>
+              <a:t>Now that we have learned</a:t>
             </a:r>
             <a:r>
               <a:rPr lang="en-US" baseline="0" dirty="0" smtClean="0"/>
-              <a:t> setting up our template project we are going to do 4 things.</a:t>
-            </a:r>
-          </a:p>
-          <a:p>
-            <a:endParaRPr lang="en-US" baseline="0" dirty="0" smtClean="0"/>
-          </a:p>
-          <a:p>
-            <a:pPr marL="0" marR="0" indent="0" algn="l" defTabSz="914400" rtl="0" eaLnBrk="0" fontAlgn="base" latinLnBrk="0" hangingPunct="0">
-              <a:lnSpc>
-                <a:spcPct val="100000"/>
-              </a:lnSpc>
-              <a:spcBef>
-                <a:spcPct val="30000"/>
-              </a:spcBef>
-              <a:spcAft>
-                <a:spcPct val="0"/>
-              </a:spcAft>
-              <a:buClrTx/>
-              <a:buSzTx/>
-              <a:buFontTx/>
-              <a:buNone/>
-              <a:tabLst/>
-              <a:defRPr/>
-            </a:pPr>
-            <a:r>
-              <a:rPr lang="en-US" baseline="0" dirty="0" smtClean="0"/>
-              <a:t>[SHOW ANIMATION NOW]</a:t>
-            </a:r>
-          </a:p>
-          <a:p>
-            <a:endParaRPr lang="en-US" baseline="0" dirty="0" smtClean="0"/>
-          </a:p>
-          <a:p>
-            <a:r>
-              <a:rPr lang="en-US" baseline="0" dirty="0" smtClean="0"/>
-              <a:t>First we are going to use </a:t>
-            </a:r>
-            <a:r>
-              <a:rPr lang="en-US" baseline="0" dirty="0" err="1" smtClean="0"/>
-              <a:t>NuGet</a:t>
-            </a:r>
-            <a:r>
-              <a:rPr lang="en-US" baseline="0" dirty="0" smtClean="0"/>
-              <a:t> to install of the various packages we need to create our template</a:t>
-            </a:r>
-          </a:p>
-          <a:p>
-            <a:pPr marL="0" marR="0" indent="0" algn="l" defTabSz="914400" rtl="0" eaLnBrk="0" fontAlgn="base" latinLnBrk="0" hangingPunct="0">
-              <a:lnSpc>
-                <a:spcPct val="100000"/>
-              </a:lnSpc>
-              <a:spcBef>
-                <a:spcPct val="30000"/>
-              </a:spcBef>
-              <a:spcAft>
-                <a:spcPct val="0"/>
-              </a:spcAft>
-              <a:buClrTx/>
-              <a:buSzTx/>
-              <a:buFontTx/>
-              <a:buNone/>
-              <a:tabLst/>
-              <a:defRPr/>
-            </a:pPr>
-            <a:endParaRPr lang="en-US" baseline="0" dirty="0" smtClean="0"/>
-          </a:p>
-          <a:p>
-            <a:pPr marL="0" marR="0" indent="0" algn="l" defTabSz="914400" rtl="0" eaLnBrk="0" fontAlgn="base" latinLnBrk="0" hangingPunct="0">
-              <a:lnSpc>
-                <a:spcPct val="100000"/>
-              </a:lnSpc>
-              <a:spcBef>
-                <a:spcPct val="30000"/>
-              </a:spcBef>
-              <a:spcAft>
-                <a:spcPct val="0"/>
-              </a:spcAft>
-              <a:buClrTx/>
-              <a:buSzTx/>
-              <a:buFontTx/>
-              <a:buNone/>
-              <a:tabLst/>
-              <a:defRPr/>
-            </a:pPr>
-            <a:r>
-              <a:rPr lang="en-US" baseline="0" dirty="0" smtClean="0"/>
-              <a:t>[SHOW ANIMATION NOW]</a:t>
-            </a:r>
-          </a:p>
-          <a:p>
-            <a:endParaRPr lang="en-US" dirty="0" smtClean="0"/>
-          </a:p>
-          <a:p>
-            <a:r>
-              <a:rPr lang="en-US" dirty="0" smtClean="0"/>
-              <a:t>Next we are going to setup our </a:t>
-            </a:r>
-            <a:r>
-              <a:rPr lang="en-US" dirty="0" err="1" smtClean="0"/>
-              <a:t>Javascript</a:t>
-            </a:r>
-            <a:r>
-              <a:rPr lang="en-US" dirty="0" smtClean="0"/>
-              <a:t> and </a:t>
-            </a:r>
-            <a:r>
-              <a:rPr lang="en-US" dirty="0" err="1" smtClean="0"/>
-              <a:t>Typescripe</a:t>
-            </a:r>
-            <a:r>
-              <a:rPr lang="en-US" dirty="0" smtClean="0"/>
-              <a:t> bundlers.  Bundling</a:t>
-            </a:r>
-            <a:r>
-              <a:rPr lang="en-US" baseline="0" dirty="0" smtClean="0"/>
-              <a:t> our script files </a:t>
-            </a:r>
-            <a:r>
-              <a:rPr lang="en-US" sz="1200" b="0" i="0" kern="1200" dirty="0" smtClean="0">
-                <a:solidFill>
-                  <a:schemeClr val="tx1"/>
-                </a:solidFill>
-                <a:effectLst/>
-                <a:latin typeface="Arial" pitchFamily="34" charset="0"/>
-                <a:ea typeface="+mn-ea"/>
-                <a:cs typeface="+mn-cs"/>
-              </a:rPr>
-              <a:t>allows us to combine or bundle multiple script</a:t>
-            </a:r>
-            <a:r>
-              <a:rPr lang="en-US" sz="1200" b="0" i="0" kern="1200" baseline="0" dirty="0" smtClean="0">
-                <a:solidFill>
-                  <a:schemeClr val="tx1"/>
-                </a:solidFill>
-                <a:effectLst/>
-                <a:latin typeface="Arial" pitchFamily="34" charset="0"/>
-                <a:ea typeface="+mn-ea"/>
-                <a:cs typeface="+mn-cs"/>
-              </a:rPr>
-              <a:t> </a:t>
-            </a:r>
-            <a:r>
-              <a:rPr lang="en-US" sz="1200" b="0" i="0" kern="1200" dirty="0" smtClean="0">
-                <a:solidFill>
-                  <a:schemeClr val="tx1"/>
-                </a:solidFill>
-                <a:effectLst/>
-                <a:latin typeface="Arial" pitchFamily="34" charset="0"/>
-                <a:ea typeface="+mn-ea"/>
-                <a:cs typeface="+mn-cs"/>
-              </a:rPr>
-              <a:t>files into a single output file.  This is important because few files means fewer HTTP requests have to be made</a:t>
-            </a:r>
-            <a:r>
-              <a:rPr lang="en-US" sz="1200" b="0" i="0" kern="1200" baseline="0" dirty="0" smtClean="0">
-                <a:solidFill>
-                  <a:schemeClr val="tx1"/>
-                </a:solidFill>
-                <a:effectLst/>
-                <a:latin typeface="Arial" pitchFamily="34" charset="0"/>
-                <a:ea typeface="+mn-ea"/>
-                <a:cs typeface="+mn-cs"/>
-              </a:rPr>
-              <a:t> to load the page and this can increase performance.</a:t>
-            </a:r>
-          </a:p>
-          <a:p>
-            <a:endParaRPr lang="en-US" dirty="0" smtClean="0"/>
-          </a:p>
-          <a:p>
-            <a:r>
-              <a:rPr lang="en-US" baseline="0" dirty="0" smtClean="0"/>
-              <a:t>[SHOW ANIMATION NOW]</a:t>
-            </a:r>
-          </a:p>
-          <a:p>
-            <a:endParaRPr lang="en-US" baseline="0" dirty="0" smtClean="0"/>
-          </a:p>
-          <a:p>
-            <a:r>
-              <a:rPr lang="en-US" baseline="0" dirty="0" smtClean="0"/>
-              <a:t>Now that we have setup our bundles we now need to actually use them inside our application so we will take a look at exactly how to do this inside an </a:t>
+              <a:t> about the various libraries and frameworks we are going to be using it is time to jump into Visual studio and create the </a:t>
             </a:r>
             <a:r>
               <a:rPr lang="en-US" baseline="0" dirty="0" err="1" smtClean="0"/>
@@ -2327,28 +2108,8 @@
             </a:r>
             <a:r>
               <a:rPr lang="en-US" baseline="0" dirty="0" smtClean="0"/>
-              <a:t> MVC application</a:t>
-            </a:r>
-          </a:p>
-          <a:p>
-            <a:endParaRPr lang="en-US" baseline="0" dirty="0" smtClean="0"/>
-          </a:p>
-          <a:p>
-            <a:r>
-              <a:rPr lang="en-US" baseline="0" dirty="0" smtClean="0"/>
-              <a:t>[SHOW ANIMATION NOW]</a:t>
-            </a:r>
-          </a:p>
-          <a:p>
-            <a:endParaRPr lang="en-US" baseline="0" dirty="0" smtClean="0"/>
-          </a:p>
-          <a:p>
-            <a:r>
-              <a:rPr lang="en-US" baseline="0" dirty="0" smtClean="0"/>
-              <a:t>Finally we will run the application to see the fruits of our labor in action.</a:t>
-            </a:r>
-          </a:p>
-          <a:p>
+              <a:t> Template project we will be using through out all of our coding demos in this course.</a:t>
+            </a:r>
             <a:endParaRPr lang="en-US" dirty="0"/>
           </a:p>
         </p:txBody>
@@ -2385,7 +2146,7 @@
     </p:spTree>
     <p:extLst>
       <p:ext uri="{BB962C8B-B14F-4D97-AF65-F5344CB8AC3E}">
-        <p14:creationId xmlns:p14="http://schemas.microsoft.com/office/powerpoint/2010/main" val="3353071821"/>
+        <p14:creationId xmlns:p14="http://schemas.microsoft.com/office/powerpoint/2010/main" val="2095186512"/>
       </p:ext>
     </p:extLst>
   </p:cSld>
@@ -2439,6 +2200,223 @@
           <a:bodyPr/>
           <a:lstStyle/>
           <a:p>
+            <a:r>
+              <a:rPr lang="en-US" dirty="0" smtClean="0"/>
+              <a:t>When</a:t>
+            </a:r>
+            <a:r>
+              <a:rPr lang="en-US" baseline="0" dirty="0" smtClean="0"/>
+              <a:t> setting up our template project we are going to do 4 things.</a:t>
+            </a:r>
+          </a:p>
+          <a:p>
+            <a:endParaRPr lang="en-US" baseline="0" dirty="0" smtClean="0"/>
+          </a:p>
+          <a:p>
+            <a:pPr marL="0" marR="0" indent="0" algn="l" defTabSz="914400" rtl="0" eaLnBrk="0" fontAlgn="base" latinLnBrk="0" hangingPunct="0">
+              <a:lnSpc>
+                <a:spcPct val="100000"/>
+              </a:lnSpc>
+              <a:spcBef>
+                <a:spcPct val="30000"/>
+              </a:spcBef>
+              <a:spcAft>
+                <a:spcPct val="0"/>
+              </a:spcAft>
+              <a:buClrTx/>
+              <a:buSzTx/>
+              <a:buFontTx/>
+              <a:buNone/>
+              <a:tabLst/>
+              <a:defRPr/>
+            </a:pPr>
+            <a:r>
+              <a:rPr lang="en-US" baseline="0" dirty="0" smtClean="0"/>
+              <a:t>[SHOW ANIMATION NOW]</a:t>
+            </a:r>
+          </a:p>
+          <a:p>
+            <a:endParaRPr lang="en-US" baseline="0" dirty="0" smtClean="0"/>
+          </a:p>
+          <a:p>
+            <a:r>
+              <a:rPr lang="en-US" baseline="0" dirty="0" smtClean="0"/>
+              <a:t>First we are going to use </a:t>
+            </a:r>
+            <a:r>
+              <a:rPr lang="en-US" baseline="0" dirty="0" err="1" smtClean="0"/>
+              <a:t>NuGet</a:t>
+            </a:r>
+            <a:r>
+              <a:rPr lang="en-US" baseline="0" dirty="0" smtClean="0"/>
+              <a:t> to install of the various packages we need to create our template</a:t>
+            </a:r>
+          </a:p>
+          <a:p>
+            <a:pPr marL="0" marR="0" indent="0" algn="l" defTabSz="914400" rtl="0" eaLnBrk="0" fontAlgn="base" latinLnBrk="0" hangingPunct="0">
+              <a:lnSpc>
+                <a:spcPct val="100000"/>
+              </a:lnSpc>
+              <a:spcBef>
+                <a:spcPct val="30000"/>
+              </a:spcBef>
+              <a:spcAft>
+                <a:spcPct val="0"/>
+              </a:spcAft>
+              <a:buClrTx/>
+              <a:buSzTx/>
+              <a:buFontTx/>
+              <a:buNone/>
+              <a:tabLst/>
+              <a:defRPr/>
+            </a:pPr>
+            <a:endParaRPr lang="en-US" baseline="0" dirty="0" smtClean="0"/>
+          </a:p>
+          <a:p>
+            <a:pPr marL="0" marR="0" indent="0" algn="l" defTabSz="914400" rtl="0" eaLnBrk="0" fontAlgn="base" latinLnBrk="0" hangingPunct="0">
+              <a:lnSpc>
+                <a:spcPct val="100000"/>
+              </a:lnSpc>
+              <a:spcBef>
+                <a:spcPct val="30000"/>
+              </a:spcBef>
+              <a:spcAft>
+                <a:spcPct val="0"/>
+              </a:spcAft>
+              <a:buClrTx/>
+              <a:buSzTx/>
+              <a:buFontTx/>
+              <a:buNone/>
+              <a:tabLst/>
+              <a:defRPr/>
+            </a:pPr>
+            <a:r>
+              <a:rPr lang="en-US" baseline="0" dirty="0" smtClean="0"/>
+              <a:t>[SHOW ANIMATION NOW]</a:t>
+            </a:r>
+          </a:p>
+          <a:p>
+            <a:endParaRPr lang="en-US" dirty="0" smtClean="0"/>
+          </a:p>
+          <a:p>
+            <a:r>
+              <a:rPr lang="en-US" dirty="0" smtClean="0"/>
+              <a:t>Next we are going to setup our </a:t>
+            </a:r>
+            <a:r>
+              <a:rPr lang="en-US" dirty="0" err="1" smtClean="0"/>
+              <a:t>Javascript</a:t>
+            </a:r>
+            <a:r>
+              <a:rPr lang="en-US" dirty="0" smtClean="0"/>
+              <a:t> and </a:t>
+            </a:r>
+            <a:r>
+              <a:rPr lang="en-US" dirty="0" err="1" smtClean="0"/>
+              <a:t>Typescripe</a:t>
+            </a:r>
+            <a:r>
+              <a:rPr lang="en-US" dirty="0" smtClean="0"/>
+              <a:t> bundlers.  Bundling</a:t>
+            </a:r>
+            <a:r>
+              <a:rPr lang="en-US" baseline="0" dirty="0" smtClean="0"/>
+              <a:t> our script files </a:t>
+            </a:r>
+            <a:r>
+              <a:rPr lang="en-US" sz="1200" b="0" i="0" kern="1200" dirty="0" smtClean="0">
+                <a:solidFill>
+                  <a:schemeClr val="tx1"/>
+                </a:solidFill>
+                <a:effectLst/>
+                <a:latin typeface="Arial" pitchFamily="34" charset="0"/>
+                <a:ea typeface="+mn-ea"/>
+                <a:cs typeface="+mn-cs"/>
+              </a:rPr>
+              <a:t>allows us to combine or bundle multiple script</a:t>
+            </a:r>
+            <a:r>
+              <a:rPr lang="en-US" sz="1200" b="0" i="0" kern="1200" baseline="0" dirty="0" smtClean="0">
+                <a:solidFill>
+                  <a:schemeClr val="tx1"/>
+                </a:solidFill>
+                <a:effectLst/>
+                <a:latin typeface="Arial" pitchFamily="34" charset="0"/>
+                <a:ea typeface="+mn-ea"/>
+                <a:cs typeface="+mn-cs"/>
+              </a:rPr>
+              <a:t> </a:t>
+            </a:r>
+            <a:r>
+              <a:rPr lang="en-US" sz="1200" b="0" i="0" kern="1200" dirty="0" smtClean="0">
+                <a:solidFill>
+                  <a:schemeClr val="tx1"/>
+                </a:solidFill>
+                <a:effectLst/>
+                <a:latin typeface="Arial" pitchFamily="34" charset="0"/>
+                <a:ea typeface="+mn-ea"/>
+                <a:cs typeface="+mn-cs"/>
+              </a:rPr>
+              <a:t>files into a single output file.  This is important because few files means fewer HTTP requests have to be made</a:t>
+            </a:r>
+            <a:r>
+              <a:rPr lang="en-US" sz="1200" b="0" i="0" kern="1200" baseline="0" dirty="0" smtClean="0">
+                <a:solidFill>
+                  <a:schemeClr val="tx1"/>
+                </a:solidFill>
+                <a:effectLst/>
+                <a:latin typeface="Arial" pitchFamily="34" charset="0"/>
+                <a:ea typeface="+mn-ea"/>
+                <a:cs typeface="+mn-cs"/>
+              </a:rPr>
+              <a:t> to load the page and this can increase performance.</a:t>
+            </a:r>
+          </a:p>
+          <a:p>
+            <a:endParaRPr lang="en-US" dirty="0" smtClean="0"/>
+          </a:p>
+          <a:p>
+            <a:r>
+              <a:rPr lang="en-US" baseline="0" dirty="0" smtClean="0"/>
+              <a:t>[SHOW ANIMATION NOW]</a:t>
+            </a:r>
+          </a:p>
+          <a:p>
+            <a:endParaRPr lang="en-US" baseline="0" dirty="0" smtClean="0"/>
+          </a:p>
+          <a:p>
+            <a:r>
+              <a:rPr lang="en-US" baseline="0" dirty="0" smtClean="0"/>
+              <a:t>Now that we have setup our bundles we now need to actually use them inside our application so we will take a look at exactly how to do this inside an </a:t>
+            </a:r>
+            <a:r>
+              <a:rPr lang="en-US" baseline="0" dirty="0" err="1" smtClean="0"/>
+              <a:t>ASP.Net</a:t>
+            </a:r>
+            <a:r>
+              <a:rPr lang="en-US" baseline="0" dirty="0" smtClean="0"/>
+              <a:t> MVC application</a:t>
+            </a:r>
+          </a:p>
+          <a:p>
+            <a:endParaRPr lang="en-US" baseline="0" dirty="0" smtClean="0"/>
+          </a:p>
+          <a:p>
+            <a:r>
+              <a:rPr lang="en-US" baseline="0" dirty="0" smtClean="0"/>
+              <a:t>[SHOW ANIMATION NOW]</a:t>
+            </a:r>
+          </a:p>
+          <a:p>
+            <a:endParaRPr lang="en-US" baseline="0" dirty="0" smtClean="0"/>
+          </a:p>
+          <a:p>
+            <a:r>
+              <a:rPr lang="en-US" baseline="0" dirty="0" smtClean="0"/>
+              <a:t>Finally we will run the application to see the fruits of our labor in action.</a:t>
+            </a:r>
+          </a:p>
+          <a:p>
             <a:endParaRPr lang="en-US" dirty="0"/>
           </a:p>
         </p:txBody>
@@ -2462,28 +2440,20 @@
               <a:defRPr/>
             </a:pPr>
             <a:fld id="{47C584BF-6945-4E60-B2A7-1638FF8EA8EE}" type="slidenum">
-              <a:rPr lang="en-US" smtClean="0">
-                <a:solidFill>
-                  <a:srgbClr val="000000"/>
-                </a:solidFill>
-              </a:rPr>
+              <a:rPr lang="en-US" smtClean="0"/>
               <a:pPr>
                 <a:defRPr/>
               </a:pPr>
               <a:t>16</a:t>
             </a:fld>
-            <a:endParaRPr lang="en-US">
-              <a:solidFill>
-                <a:srgbClr val="000000"/>
-              </a:solidFill>
-            </a:endParaRPr>
+            <a:endParaRPr lang="en-US"/>
           </a:p>
         </p:txBody>
       </p:sp>
     </p:spTree>
     <p:extLst>
       <p:ext uri="{BB962C8B-B14F-4D97-AF65-F5344CB8AC3E}">
-        <p14:creationId xmlns:p14="http://schemas.microsoft.com/office/powerpoint/2010/main" val="2084036033"/>
+        <p14:creationId xmlns:p14="http://schemas.microsoft.com/office/powerpoint/2010/main" val="3353071821"/>
       </p:ext>
     </p:extLst>
   </p:cSld>
@@ -2537,14 +2507,6 @@
           <a:bodyPr/>
           <a:lstStyle/>
           <a:p>
-            <a:r>
-              <a:rPr lang="en-US" dirty="0" smtClean="0"/>
-              <a:t>We have our</a:t>
-            </a:r>
-            <a:r>
-              <a:rPr lang="en-US" baseline="0" dirty="0" smtClean="0"/>
-              <a:t> Template project completed and we know about the various libraries and frameworks we are going to use in this course so now would be a great time to build a very simple “Hello World” application.  This hello world application will allow us see many of the components in action in a very simple manor.  For this application I will not be comparing and contrasting differences between XAML and HTML but I will be doing this as we port the real application.  Again this is Hello World app is to illustrate how to use many of the tools and techniques to build HTML applications</a:t>
-            </a:r>
             <a:endParaRPr lang="en-US" dirty="0"/>
           </a:p>
         </p:txBody>
@@ -2568,20 +2530,28 @@
               <a:defRPr/>
             </a:pPr>
             <a:fld id="{47C584BF-6945-4E60-B2A7-1638FF8EA8EE}" type="slidenum">
-              <a:rPr lang="en-US" smtClean="0"/>
+              <a:rPr lang="en-US" smtClean="0">
+                <a:solidFill>
+                  <a:srgbClr val="000000"/>
+                </a:solidFill>
+              </a:rPr>
               <a:pPr>
                 <a:defRPr/>
               </a:pPr>
               <a:t>17</a:t>
             </a:fld>
-            <a:endParaRPr lang="en-US"/>
+            <a:endParaRPr lang="en-US">
+              <a:solidFill>
+                <a:srgbClr val="000000"/>
+              </a:solidFill>
+            </a:endParaRPr>
           </a:p>
         </p:txBody>
       </p:sp>
     </p:spTree>
     <p:extLst>
       <p:ext uri="{BB962C8B-B14F-4D97-AF65-F5344CB8AC3E}">
-        <p14:creationId xmlns:p14="http://schemas.microsoft.com/office/powerpoint/2010/main" val="1151102945"/>
+        <p14:creationId xmlns:p14="http://schemas.microsoft.com/office/powerpoint/2010/main" val="2084036033"/>
       </p:ext>
     </p:extLst>
   </p:cSld>
@@ -2637,78 +2607,12 @@
           <a:p>
             <a:r>
               <a:rPr lang="en-US" dirty="0" smtClean="0"/>
-              <a:t>When</a:t>
+              <a:t>We have our</a:t>
             </a:r>
             <a:r>
               <a:rPr lang="en-US" baseline="0" dirty="0" smtClean="0"/>
-              <a:t> building our Hello World application we are going to start out first by creating our view model and then binding it to our view.</a:t>
-            </a:r>
-          </a:p>
-          <a:p>
-            <a:endParaRPr lang="en-US" baseline="0" dirty="0" smtClean="0"/>
-          </a:p>
-          <a:p>
-            <a:r>
-              <a:rPr lang="en-US" baseline="0" dirty="0" smtClean="0"/>
-              <a:t>[SHOW ANIMATION NOW]</a:t>
-            </a:r>
-          </a:p>
-          <a:p>
-            <a:endParaRPr lang="en-US" baseline="0" dirty="0" smtClean="0"/>
-          </a:p>
-          <a:p>
-            <a:r>
-              <a:rPr lang="en-US" baseline="0" dirty="0" smtClean="0"/>
-              <a:t>After we create our </a:t>
-            </a:r>
-            <a:r>
-              <a:rPr lang="en-US" baseline="0" dirty="0" err="1" smtClean="0"/>
-              <a:t>Viewmodel</a:t>
-            </a:r>
-            <a:r>
-              <a:rPr lang="en-US" baseline="0" dirty="0" smtClean="0"/>
-              <a:t> and get it wired up we are going to create our first MVC action.  This action is what is going to serve up our html page from the server.</a:t>
-            </a:r>
-          </a:p>
-          <a:p>
-            <a:endParaRPr lang="en-US" baseline="0" dirty="0" smtClean="0"/>
-          </a:p>
-          <a:p>
-            <a:r>
-              <a:rPr lang="en-US" baseline="0" dirty="0" smtClean="0"/>
-              <a:t>[SHOW ANIMATION NOW]</a:t>
-            </a:r>
-          </a:p>
-          <a:p>
-            <a:endParaRPr lang="en-US" baseline="0" dirty="0" smtClean="0"/>
-          </a:p>
-          <a:p>
-            <a:r>
-              <a:rPr lang="en-US" baseline="0" dirty="0" smtClean="0"/>
-              <a:t>Now that we can server up our html page we need to wire up our knockout bindings in order to pull data from our </a:t>
-            </a:r>
-            <a:r>
-              <a:rPr lang="en-US" baseline="0" dirty="0" err="1" smtClean="0"/>
-              <a:t>ViewMOdel</a:t>
-            </a:r>
-            <a:r>
-              <a:rPr lang="en-US" baseline="0" dirty="0" smtClean="0"/>
-              <a:t> and display it in the view</a:t>
-            </a:r>
-          </a:p>
-          <a:p>
-            <a:endParaRPr lang="en-US" baseline="0" dirty="0" smtClean="0"/>
-          </a:p>
-          <a:p>
-            <a:r>
-              <a:rPr lang="en-US" baseline="0" dirty="0" smtClean="0"/>
-              <a:t>[SHOW ANIMATION NOW]</a:t>
-            </a:r>
-          </a:p>
-          <a:p>
-            <a:endParaRPr lang="en-US" baseline="0" dirty="0" smtClean="0"/>
-          </a:p>
-          <a:p>
+              <a:t> Template project completed and we know about the various libraries and frameworks we are going to use in this course so now would be a great time to build a very simple “Hello World” application.  This hello world application will allow us see many of the components in action in a very simple manor.  For this application I will not be comparing and contrasting differences between XAML and HTML but I will be doing this as we port the real application.  Again this is Hello World app is to illustrate how to use many of the tools and techniques to build HTML applications</a:t>
+            </a:r>
             <a:endParaRPr lang="en-US" dirty="0"/>
           </a:p>
         </p:txBody>
@@ -2745,7 +2649,7 @@
     </p:spTree>
     <p:extLst>
       <p:ext uri="{BB962C8B-B14F-4D97-AF65-F5344CB8AC3E}">
-        <p14:creationId xmlns:p14="http://schemas.microsoft.com/office/powerpoint/2010/main" val="824420634"/>
+        <p14:creationId xmlns:p14="http://schemas.microsoft.com/office/powerpoint/2010/main" val="1151102945"/>
       </p:ext>
     </p:extLst>
   </p:cSld>
@@ -2799,6 +2703,80 @@
           <a:bodyPr/>
           <a:lstStyle/>
           <a:p>
+            <a:r>
+              <a:rPr lang="en-US" dirty="0" smtClean="0"/>
+              <a:t>When</a:t>
+            </a:r>
+            <a:r>
+              <a:rPr lang="en-US" baseline="0" dirty="0" smtClean="0"/>
+              <a:t> building our Hello World application we are going to start out first by creating our view model and then binding it to our view.</a:t>
+            </a:r>
+          </a:p>
+          <a:p>
+            <a:endParaRPr lang="en-US" baseline="0" dirty="0" smtClean="0"/>
+          </a:p>
+          <a:p>
+            <a:r>
+              <a:rPr lang="en-US" baseline="0" dirty="0" smtClean="0"/>
+              <a:t>[SHOW ANIMATION NOW]</a:t>
+            </a:r>
+          </a:p>
+          <a:p>
+            <a:endParaRPr lang="en-US" baseline="0" dirty="0" smtClean="0"/>
+          </a:p>
+          <a:p>
+            <a:r>
+              <a:rPr lang="en-US" baseline="0" dirty="0" smtClean="0"/>
+              <a:t>After we create our </a:t>
+            </a:r>
+            <a:r>
+              <a:rPr lang="en-US" baseline="0" dirty="0" err="1" smtClean="0"/>
+              <a:t>Viewmodel</a:t>
+            </a:r>
+            <a:r>
+              <a:rPr lang="en-US" baseline="0" dirty="0" smtClean="0"/>
+              <a:t> and get it wired up we are going to create our first MVC action.  This action is what is going to serve up our html page from the server.</a:t>
+            </a:r>
+          </a:p>
+          <a:p>
+            <a:endParaRPr lang="en-US" baseline="0" dirty="0" smtClean="0"/>
+          </a:p>
+          <a:p>
+            <a:r>
+              <a:rPr lang="en-US" baseline="0" dirty="0" smtClean="0"/>
+              <a:t>[SHOW ANIMATION NOW]</a:t>
+            </a:r>
+          </a:p>
+          <a:p>
+            <a:endParaRPr lang="en-US" baseline="0" dirty="0" smtClean="0"/>
+          </a:p>
+          <a:p>
+            <a:r>
+              <a:rPr lang="en-US" baseline="0" dirty="0" smtClean="0"/>
+              <a:t>Now that we can server up our html page we need to wire up our knockout bindings in order to pull data from our </a:t>
+            </a:r>
+            <a:r>
+              <a:rPr lang="en-US" baseline="0" dirty="0" err="1" smtClean="0"/>
+              <a:t>ViewMOdel</a:t>
+            </a:r>
+            <a:r>
+              <a:rPr lang="en-US" baseline="0" dirty="0" smtClean="0"/>
+              <a:t> and display it in the view</a:t>
+            </a:r>
+          </a:p>
+          <a:p>
+            <a:endParaRPr lang="en-US" baseline="0" dirty="0" smtClean="0"/>
+          </a:p>
+          <a:p>
+            <a:r>
+              <a:rPr lang="en-US" baseline="0" dirty="0" smtClean="0"/>
+              <a:t>[SHOW ANIMATION NOW]</a:t>
+            </a:r>
+          </a:p>
+          <a:p>
+            <a:endParaRPr lang="en-US" baseline="0" dirty="0" smtClean="0"/>
+          </a:p>
+          <a:p>
             <a:endParaRPr lang="en-US" dirty="0"/>
           </a:p>
         </p:txBody>
@@ -2822,28 +2800,20 @@
               <a:defRPr/>
             </a:pPr>
             <a:fld id="{47C584BF-6945-4E60-B2A7-1638FF8EA8EE}" type="slidenum">
-              <a:rPr lang="en-US" smtClean="0">
-                <a:solidFill>
-                  <a:srgbClr val="000000"/>
-                </a:solidFill>
-              </a:rPr>
+              <a:rPr lang="en-US" smtClean="0"/>
               <a:pPr>
                 <a:defRPr/>
               </a:pPr>
               <a:t>19</a:t>
             </a:fld>
-            <a:endParaRPr lang="en-US">
-              <a:solidFill>
-                <a:srgbClr val="000000"/>
-              </a:solidFill>
-            </a:endParaRPr>
+            <a:endParaRPr lang="en-US"/>
           </a:p>
         </p:txBody>
       </p:sp>
     </p:spTree>
     <p:extLst>
       <p:ext uri="{BB962C8B-B14F-4D97-AF65-F5344CB8AC3E}">
-        <p14:creationId xmlns:p14="http://schemas.microsoft.com/office/powerpoint/2010/main" val="1691319747"/>
+        <p14:creationId xmlns:p14="http://schemas.microsoft.com/office/powerpoint/2010/main" val="824420634"/>
       </p:ext>
     </p:extLst>
   </p:cSld>
@@ -2899,19 +2869,11 @@
           <a:p>
             <a:r>
               <a:rPr lang="en-US" dirty="0" smtClean="0"/>
-              <a:t>Here is my contact information.  </a:t>
-            </a:r>
-            <a:r>
-              <a:rPr lang="en-US" dirty="0" smtClean="0"/>
-              <a:t>If you would like to follow me on twitter my handle is</a:t>
+              <a:t>Here is my contact information.  If you would like to follow me on twitter my handle is</a:t>
             </a:r>
             <a:r>
               <a:rPr lang="en-US" baseline="0" dirty="0" smtClean="0"/>
-              <a:t> </a:t>
-            </a:r>
-            <a:r>
-              <a:rPr lang="en-US" baseline="0" dirty="0" smtClean="0"/>
-              <a:t>@</a:t>
+              <a:t> @</a:t>
             </a:r>
             <a:r>
               <a:rPr lang="en-US" baseline="0" dirty="0" err="1" smtClean="0"/>
@@ -2919,19 +2881,7 @@
             </a:r>
             <a:r>
               <a:rPr lang="en-US" baseline="0" dirty="0" smtClean="0"/>
-              <a:t> </a:t>
-            </a:r>
-            <a:r>
-              <a:rPr lang="en-US" baseline="0" dirty="0" smtClean="0"/>
-              <a:t>. </a:t>
-            </a:r>
-            <a:r>
-              <a:rPr lang="en-US" baseline="0" dirty="0" smtClean="0"/>
-              <a:t>If you would like to read my blog, I blog with the group at </a:t>
-            </a:r>
-            <a:r>
-              <a:rPr lang="en-US" baseline="0" dirty="0" smtClean="0"/>
-              <a:t>Devlicio.us or at bit.ly/</a:t>
+              <a:t> . If you would like to read my blog, I blog with the group at Devlicio.us or at bit.ly/</a:t>
             </a:r>
             <a:r>
               <a:rPr lang="en-US" baseline="0" dirty="0" err="1" smtClean="0"/>
@@ -2939,23 +2889,7 @@
             </a:r>
             <a:r>
               <a:rPr lang="en-US" baseline="0" dirty="0" smtClean="0"/>
-              <a:t>  You </a:t>
-            </a:r>
-            <a:r>
-              <a:rPr lang="en-US" baseline="0" dirty="0" smtClean="0"/>
-              <a:t>may also </a:t>
-            </a:r>
-            <a:r>
-              <a:rPr lang="en-US" baseline="0" dirty="0" smtClean="0"/>
-              <a:t>email me any time </a:t>
-            </a:r>
-            <a:r>
-              <a:rPr lang="en-US" baseline="0" dirty="0" smtClean="0"/>
-              <a:t>to my address </a:t>
-            </a:r>
-            <a:r>
-              <a:rPr lang="en-US" baseline="0" dirty="0" smtClean="0"/>
-              <a:t>derik@graudo.com</a:t>
+              <a:t>  You may also email me any time to my address derik@graudo.com</a:t>
             </a:r>
             <a:endParaRPr lang="en-US" dirty="0"/>
           </a:p>
@@ -3047,23 +2981,6 @@
           <a:bodyPr/>
           <a:lstStyle/>
           <a:p>
-            <a:r>
-              <a:rPr lang="en-US" dirty="0" smtClean="0"/>
-              <a:t>Now that we have created our first Hello World application and</a:t>
-            </a:r>
-            <a:r>
-              <a:rPr lang="en-US" baseline="0" dirty="0" smtClean="0"/>
-              <a:t> have a basic understanding of how we are going to leverage our XAML skills to build HTML applications we might as well start looking at the Silverlight app we are going to port.  We should also take a look at the expected final HTML application we will be building in this course</a:t>
-            </a:r>
-          </a:p>
-          <a:p>
-            <a:endParaRPr lang="en-US" baseline="0" dirty="0" smtClean="0"/>
-          </a:p>
-          <a:p>
-            <a:r>
-              <a:rPr lang="en-US" baseline="0" dirty="0" smtClean="0"/>
-              <a:t>SHOW APPS NOW</a:t>
-            </a:r>
             <a:endParaRPr lang="en-US" dirty="0"/>
           </a:p>
         </p:txBody>
@@ -3087,11 +3004,126 @@
               <a:defRPr/>
             </a:pPr>
             <a:fld id="{47C584BF-6945-4E60-B2A7-1638FF8EA8EE}" type="slidenum">
+              <a:rPr lang="en-US" smtClean="0">
+                <a:solidFill>
+                  <a:srgbClr val="000000"/>
+                </a:solidFill>
+              </a:rPr>
+              <a:pPr>
+                <a:defRPr/>
+              </a:pPr>
+              <a:t>20</a:t>
+            </a:fld>
+            <a:endParaRPr lang="en-US">
+              <a:solidFill>
+                <a:srgbClr val="000000"/>
+              </a:solidFill>
+            </a:endParaRPr>
+          </a:p>
+        </p:txBody>
+      </p:sp>
+    </p:spTree>
+    <p:extLst>
+      <p:ext uri="{BB962C8B-B14F-4D97-AF65-F5344CB8AC3E}">
+        <p14:creationId xmlns:p14="http://schemas.microsoft.com/office/powerpoint/2010/main" val="1691319747"/>
+      </p:ext>
+    </p:extLst>
+  </p:cSld>
+  <p:clrMapOvr>
+    <a:masterClrMapping/>
+  </p:clrMapOvr>
+</p:notes>
+</file>
+
+<file path=ppt/notesSlides/notesSlide21.xml><?xml version="1.0" encoding="utf-8"?>
+<p:notes xmlns:a="http://schemas.openxmlformats.org/drawingml/2006/main" xmlns:r="http://schemas.openxmlformats.org/officeDocument/2006/relationships" xmlns:p="http://schemas.openxmlformats.org/presentationml/2006/main">
+  <p:cSld>
+    <p:spTree>
+      <p:nvGrpSpPr>
+        <p:cNvPr id="1" name=""/>
+        <p:cNvGrpSpPr/>
+        <p:nvPr/>
+      </p:nvGrpSpPr>
+      <p:grpSpPr>
+        <a:xfrm>
+          <a:off x="0" y="0"/>
+          <a:ext cx="0" cy="0"/>
+          <a:chOff x="0" y="0"/>
+          <a:chExt cx="0" cy="0"/>
+        </a:xfrm>
+      </p:grpSpPr>
+      <p:sp>
+        <p:nvSpPr>
+          <p:cNvPr id="2" name="Slide Image Placeholder 1"/>
+          <p:cNvSpPr>
+            <a:spLocks noGrp="1" noRot="1" noChangeAspect="1"/>
+          </p:cNvSpPr>
+          <p:nvPr>
+            <p:ph type="sldImg"/>
+          </p:nvPr>
+        </p:nvSpPr>
+        <p:spPr/>
+      </p:sp>
+      <p:sp>
+        <p:nvSpPr>
+          <p:cNvPr id="3" name="Notes Placeholder 2"/>
+          <p:cNvSpPr>
+            <a:spLocks noGrp="1"/>
+          </p:cNvSpPr>
+          <p:nvPr>
+            <p:ph type="body" idx="1"/>
+          </p:nvPr>
+        </p:nvSpPr>
+        <p:spPr/>
+        <p:txBody>
+          <a:bodyPr/>
+          <a:lstStyle/>
+          <a:p>
+            <a:r>
+              <a:rPr lang="en-US" dirty="0" smtClean="0"/>
+              <a:t>Now that we have created our first Hello World application and</a:t>
+            </a:r>
+            <a:r>
+              <a:rPr lang="en-US" baseline="0" dirty="0" smtClean="0"/>
+              <a:t> have a basic understanding of how we are going to leverage our XAML skills to build HTML applications we might as well start looking at the Silverlight app we are going to port.  We should also take a look at the expected final HTML application we will be building in this course</a:t>
+            </a:r>
+          </a:p>
+          <a:p>
+            <a:endParaRPr lang="en-US" baseline="0" dirty="0" smtClean="0"/>
+          </a:p>
+          <a:p>
+            <a:r>
+              <a:rPr lang="en-US" baseline="0" dirty="0" smtClean="0"/>
+              <a:t>SHOW APPS NOW</a:t>
+            </a:r>
+            <a:endParaRPr lang="en-US" dirty="0"/>
+          </a:p>
+        </p:txBody>
+      </p:sp>
+      <p:sp>
+        <p:nvSpPr>
+          <p:cNvPr id="4" name="Slide Number Placeholder 3"/>
+          <p:cNvSpPr>
+            <a:spLocks noGrp="1"/>
+          </p:cNvSpPr>
+          <p:nvPr>
+            <p:ph type="sldNum" sz="quarter" idx="10"/>
+          </p:nvPr>
+        </p:nvSpPr>
+        <p:spPr/>
+        <p:txBody>
+          <a:bodyPr/>
+          <a:lstStyle/>
+          <a:p>
+            <a:pPr>
+              <a:defRPr/>
+            </a:pPr>
+            <a:fld id="{47C584BF-6945-4E60-B2A7-1638FF8EA8EE}" type="slidenum">
               <a:rPr lang="en-US" smtClean="0"/>
               <a:pPr>
                 <a:defRPr/>
               </a:pPr>
-              <a:t>20</a:t>
+              <a:t>21</a:t>
             </a:fld>
             <a:endParaRPr lang="en-US"/>
           </a:p>
@@ -3544,105 +3576,11 @@
           <a:p>
             <a:r>
               <a:rPr lang="en-US" dirty="0" smtClean="0"/>
-              <a:t>When</a:t>
+              <a:t>When making the jump form XAML to HTML</a:t>
             </a:r>
             <a:r>
               <a:rPr lang="en-US" baseline="0" dirty="0" smtClean="0"/>
-              <a:t> we talk about how you can leverage your existing XAML skills while building HTML applications we might as well as start with the basics and ask ‘how do I bind my View Model to the View’.  </a:t>
-            </a:r>
-          </a:p>
-          <a:p>
-            <a:endParaRPr lang="en-US" baseline="0" dirty="0" smtClean="0"/>
-          </a:p>
-          <a:p>
-            <a:r>
-              <a:rPr lang="en-US" baseline="0" dirty="0" smtClean="0"/>
-              <a:t>In XAML, assuming your not using some sort of View Model locator the binding code in your code behind would look something like what is being shown on screen.</a:t>
-            </a:r>
-          </a:p>
-          <a:p>
-            <a:r>
-              <a:rPr lang="en-US" baseline="0" dirty="0" smtClean="0"/>
-              <a:t>You would navigate to the constructor of your given view.</a:t>
-            </a:r>
-          </a:p>
-          <a:p>
-            <a:r>
-              <a:rPr lang="en-US" baseline="0" dirty="0" smtClean="0"/>
-              <a:t>You would new up an instance of the correct View Model and assign it to the </a:t>
-            </a:r>
-            <a:r>
-              <a:rPr lang="en-US" baseline="0" dirty="0" err="1" smtClean="0"/>
-              <a:t>DataContext</a:t>
-            </a:r>
-            <a:r>
-              <a:rPr lang="en-US" baseline="0" dirty="0" smtClean="0"/>
-              <a:t> for the view</a:t>
-            </a:r>
-          </a:p>
-          <a:p>
-            <a:endParaRPr lang="en-US" baseline="0" dirty="0" smtClean="0"/>
-          </a:p>
-          <a:p>
-            <a:r>
-              <a:rPr lang="en-US" baseline="0" dirty="0" smtClean="0"/>
-              <a:t>We know how we binding our View and </a:t>
-            </a:r>
-            <a:r>
-              <a:rPr lang="en-US" baseline="0" dirty="0" err="1" smtClean="0"/>
-              <a:t>ViewModel</a:t>
-            </a:r>
-            <a:r>
-              <a:rPr lang="en-US" baseline="0" dirty="0" smtClean="0"/>
-              <a:t> in XAML, how do we do this in HTML</a:t>
-            </a:r>
-          </a:p>
-          <a:p>
-            <a:endParaRPr lang="en-US" baseline="0" dirty="0" smtClean="0"/>
-          </a:p>
-          <a:p>
-            <a:r>
-              <a:rPr lang="en-US" baseline="0" dirty="0" smtClean="0"/>
-              <a:t>In HTML you do something very similar, if you notice the XAML and HTML/Knockout code indeed look very similar.  The </a:t>
-            </a:r>
-            <a:r>
-              <a:rPr lang="en-US" baseline="0" dirty="0" err="1" smtClean="0"/>
-              <a:t>ko.applyBindings</a:t>
-            </a:r>
-            <a:r>
-              <a:rPr lang="en-US" baseline="0" dirty="0" smtClean="0"/>
-              <a:t> syntax is how we use Knockout </a:t>
-            </a:r>
-            <a:r>
-              <a:rPr lang="en-US" baseline="0" dirty="0" err="1" smtClean="0"/>
-              <a:t>js</a:t>
-            </a:r>
-            <a:r>
-              <a:rPr lang="en-US" baseline="0" dirty="0" smtClean="0"/>
-              <a:t> to do our context binding, I am not going to spend any time on this right now as we will explore knockout in greater depth in an upcoming module.</a:t>
-            </a:r>
-          </a:p>
-          <a:p>
-            <a:endParaRPr lang="en-US" baseline="0" dirty="0" smtClean="0"/>
-          </a:p>
-          <a:p>
-            <a:r>
-              <a:rPr lang="en-US" baseline="0" dirty="0" smtClean="0"/>
-              <a:t>In HTML we would create a script block at bottom of our HTML page as seen here.</a:t>
-            </a:r>
-          </a:p>
-          <a:p>
-            <a:r>
-              <a:rPr lang="en-US" baseline="0" dirty="0" smtClean="0"/>
-              <a:t>We would then new up an instance of our JavaScript based view model.  Once we have our View Model we would us </a:t>
-            </a:r>
-            <a:r>
-              <a:rPr lang="en-US" baseline="0" dirty="0" err="1" smtClean="0"/>
-              <a:t>Knockoutjs</a:t>
-            </a:r>
-            <a:r>
-              <a:rPr lang="en-US" baseline="0" dirty="0" smtClean="0"/>
-              <a:t> to bind the View to the View Model.</a:t>
+              <a:t> we are going to focus on how our existing MVVM and XAML skills will translate to building HTML application.  Lets go ahead and take a brief look at 4 skills which are core to our learning that can translate very easily.</a:t>
             </a:r>
             <a:endParaRPr lang="en-US" dirty="0"/>
           </a:p>
@@ -3680,7 +3618,7 @@
     </p:spTree>
     <p:extLst>
       <p:ext uri="{BB962C8B-B14F-4D97-AF65-F5344CB8AC3E}">
-        <p14:creationId xmlns:p14="http://schemas.microsoft.com/office/powerpoint/2010/main" val="3502834797"/>
+        <p14:creationId xmlns:p14="http://schemas.microsoft.com/office/powerpoint/2010/main" val="679698278"/>
       </p:ext>
     </p:extLst>
   </p:cSld>
@@ -3734,6 +3672,19 @@
           <a:bodyPr/>
           <a:lstStyle/>
           <a:p>
+            <a:r>
+              <a:rPr lang="en-US" dirty="0" smtClean="0"/>
+              <a:t>When</a:t>
+            </a:r>
+            <a:r>
+              <a:rPr lang="en-US" baseline="0" dirty="0" smtClean="0"/>
+              <a:t> we talk about how you can leverage your existing XAML skills while building HTML applications we might as well as start with the basics and ask ‘how do I bind my View Model to the View’.  </a:t>
+            </a:r>
+          </a:p>
+          <a:p>
+            <a:endParaRPr lang="en-US" baseline="0" dirty="0" smtClean="0"/>
+          </a:p>
+          <a:p>
             <a:pPr marL="0" marR="0" indent="0" algn="l" defTabSz="914400" rtl="0" eaLnBrk="0" fontAlgn="base" latinLnBrk="0" hangingPunct="0">
               <a:lnSpc>
                 <a:spcPct val="100000"/>
@@ -3757,42 +3708,49 @@
             </a:r>
           </a:p>
           <a:p>
-            <a:endParaRPr lang="en-US" dirty="0" smtClean="0"/>
-          </a:p>
-          <a:p>
-            <a:r>
-              <a:rPr lang="en-US" dirty="0" smtClean="0"/>
-              <a:t>Continuing on lets take a look at </a:t>
-            </a:r>
+            <a:endParaRPr lang="en-US" baseline="0" dirty="0" smtClean="0"/>
+          </a:p>
+          <a:p>
             <a:r>
               <a:rPr lang="en-US" baseline="0" dirty="0" smtClean="0"/>
-              <a:t>another feature of XAML can translate to HTML, data binding.  </a:t>
+              <a:t>In XAML, assuming your not using some sort of View Model locator the binding code in your code behind would look something like what is being shown on screen.</a:t>
+            </a:r>
+          </a:p>
+          <a:p>
+            <a:r>
+              <a:rPr lang="en-US" baseline="0" dirty="0" smtClean="0"/>
+              <a:t>You would navigate to the constructor of your given view.</a:t>
+            </a:r>
+          </a:p>
+          <a:p>
+            <a:r>
+              <a:rPr lang="en-US" baseline="0" dirty="0" smtClean="0"/>
+              <a:t>You would new up an instance of the correct View Model and assign it to the </a:t>
+            </a:r>
+            <a:r>
+              <a:rPr lang="en-US" baseline="0" dirty="0" err="1" smtClean="0"/>
+              <a:t>DataContext</a:t>
+            </a:r>
+            <a:r>
+              <a:rPr lang="en-US" baseline="0" dirty="0" smtClean="0"/>
+              <a:t> for the view</a:t>
             </a:r>
           </a:p>
           <a:p>
             <a:endParaRPr lang="en-US" baseline="0" dirty="0" smtClean="0"/>
           </a:p>
           <a:p>
-            <a:pPr marL="0" marR="0" indent="0" algn="l" defTabSz="914400" rtl="0" eaLnBrk="0" fontAlgn="base" latinLnBrk="0" hangingPunct="0">
-              <a:lnSpc>
-                <a:spcPct val="100000"/>
-              </a:lnSpc>
-              <a:spcBef>
-                <a:spcPct val="30000"/>
-              </a:spcBef>
-              <a:spcAft>
-                <a:spcPct val="0"/>
-              </a:spcAft>
-              <a:buClrTx/>
-              <a:buSzTx/>
-              <a:buFontTx/>
-              <a:buNone/>
-              <a:tabLst/>
-              <a:defRPr/>
-            </a:pPr>
             <a:r>
               <a:rPr lang="en-US" baseline="0" dirty="0" smtClean="0"/>
-              <a:t>[SHOW ANIMATION NOW]</a:t>
+              <a:t>We know how we binding our View and </a:t>
+            </a:r>
+            <a:r>
+              <a:rPr lang="en-US" baseline="0" dirty="0" err="1" smtClean="0"/>
+              <a:t>ViewModel</a:t>
+            </a:r>
+            <a:r>
+              <a:rPr lang="en-US" baseline="0" dirty="0" smtClean="0"/>
+              <a:t> in XAML, how do we do this in HTML</a:t>
             </a:r>
           </a:p>
           <a:p>
@@ -3801,7 +3759,23 @@
           <a:p>
             <a:r>
               <a:rPr lang="en-US" baseline="0" dirty="0" smtClean="0"/>
-              <a:t>In XAML if you wanted to bind a property on your view model to your view you would use the syntax you see here.  Specifically you would use the keyword Binding followed by the name of the property to bind.  </a:t>
+              <a:t>In HTML you do something very similar, if you notice the XAML and HTML/Knockout code indeed look very similar.  The </a:t>
+            </a:r>
+            <a:r>
+              <a:rPr lang="en-US" baseline="0" dirty="0" err="1" smtClean="0"/>
+              <a:t>ko.applyBindings</a:t>
+            </a:r>
+            <a:r>
+              <a:rPr lang="en-US" baseline="0" dirty="0" smtClean="0"/>
+              <a:t> syntax is how we use Knockout </a:t>
+            </a:r>
+            <a:r>
+              <a:rPr lang="en-US" baseline="0" dirty="0" err="1" smtClean="0"/>
+              <a:t>js</a:t>
+            </a:r>
+            <a:r>
+              <a:rPr lang="en-US" baseline="0" dirty="0" smtClean="0"/>
+              <a:t> to do our context binding, I am not going to spend any time on this right now as we will explore knockout in greater depth in an upcoming module.</a:t>
             </a:r>
           </a:p>
           <a:p>
@@ -3810,53 +3784,21 @@
           <a:p>
             <a:r>
               <a:rPr lang="en-US" baseline="0" dirty="0" smtClean="0"/>
-              <a:t>[SHOW ANIMATION NOW]</a:t>
-            </a:r>
-          </a:p>
-          <a:p>
-            <a:endParaRPr lang="en-US" baseline="0" dirty="0" smtClean="0"/>
+              <a:t>In HTML we would create a script block at bottom of our HTML page as seen here.</a:t>
+            </a:r>
           </a:p>
           <a:p>
             <a:r>
               <a:rPr lang="en-US" baseline="0" dirty="0" smtClean="0"/>
-              <a:t>How would it look if you were trying to accomplish the same thing with HTML and </a:t>
+              <a:t>We would then new up an instance of our JavaScript based view model.  Once we have our View Model we would us </a:t>
             </a:r>
             <a:r>
               <a:rPr lang="en-US" baseline="0" dirty="0" err="1" smtClean="0"/>
-              <a:t>knockoutjs</a:t>
+              <a:t>Knockoutjs</a:t>
             </a:r>
             <a:r>
               <a:rPr lang="en-US" baseline="0" dirty="0" smtClean="0"/>
-              <a:t>?  Actually it is very similar.  You would use  the data-bind attribute which is used by knockout and inside of this attribute you would use the [SHOW ANIMATION NOW] </a:t>
-            </a:r>
-            <a:r>
-              <a:rPr lang="en-US" baseline="0" dirty="0" smtClean="0">
-                <a:solidFill>
-                  <a:srgbClr val="FF0000"/>
-                </a:solidFill>
-              </a:rPr>
-              <a:t>value binding attribute to tell knockout that you are binding to the value property of the UI element. Next you would [SHOW ANIMATION NOW] provide the property name, in this case</a:t>
-            </a:r>
-            <a:r>
-              <a:rPr lang="en-US" baseline="0" dirty="0" smtClean="0"/>
-              <a:t> Task, to bind to on the view model.  </a:t>
-            </a:r>
-          </a:p>
-          <a:p>
-            <a:endParaRPr lang="en-US" baseline="0" dirty="0" smtClean="0"/>
-          </a:p>
-          <a:p>
-            <a:r>
-              <a:rPr lang="en-US" baseline="0" dirty="0" smtClean="0"/>
-              <a:t>When you compare the 2 although the syntax may be slightly different the intention and results are exactly the same.  Using some keywords you can have the view wire itself up to the </a:t>
-            </a:r>
-            <a:r>
-              <a:rPr lang="en-US" baseline="0" dirty="0" err="1" smtClean="0"/>
-              <a:t>viewmodel</a:t>
-            </a:r>
-            <a:r>
-              <a:rPr lang="en-US" baseline="0" dirty="0" smtClean="0"/>
-              <a:t> property in order to display data from your view model</a:t>
+              <a:t> to bind the View to the View Model.</a:t>
             </a:r>
             <a:endParaRPr lang="en-US" dirty="0"/>
           </a:p>
@@ -3894,7 +3836,7 @@
     </p:spTree>
     <p:extLst>
       <p:ext uri="{BB962C8B-B14F-4D97-AF65-F5344CB8AC3E}">
-        <p14:creationId xmlns:p14="http://schemas.microsoft.com/office/powerpoint/2010/main" val="519207119"/>
+        <p14:creationId xmlns:p14="http://schemas.microsoft.com/office/powerpoint/2010/main" val="3502834797"/>
       </p:ext>
     </p:extLst>
   </p:cSld>
@@ -3948,6 +3890,19 @@
           <a:bodyPr/>
           <a:lstStyle/>
           <a:p>
+            <a:r>
+              <a:rPr lang="en-US" dirty="0" smtClean="0"/>
+              <a:t>Continuing on lets take a look at </a:t>
+            </a:r>
+            <a:r>
+              <a:rPr lang="en-US" baseline="0" dirty="0" smtClean="0"/>
+              <a:t>another feature of XAML can translate to HTML, data binding.  </a:t>
+            </a:r>
+          </a:p>
+          <a:p>
+            <a:endParaRPr lang="en-US" baseline="0" dirty="0" smtClean="0"/>
+          </a:p>
+          <a:p>
             <a:pPr marL="0" marR="0" indent="0" algn="l" defTabSz="914400" rtl="0" eaLnBrk="0" fontAlgn="base" latinLnBrk="0" hangingPunct="0">
               <a:lnSpc>
                 <a:spcPct val="100000"/>
@@ -3971,146 +3926,24 @@
             </a:r>
           </a:p>
           <a:p>
-            <a:pPr marL="0" marR="0" indent="0" algn="l" defTabSz="914400" rtl="0" eaLnBrk="0" fontAlgn="base" latinLnBrk="0" hangingPunct="0">
-              <a:lnSpc>
-                <a:spcPct val="100000"/>
-              </a:lnSpc>
-              <a:spcBef>
-                <a:spcPct val="30000"/>
-              </a:spcBef>
-              <a:spcAft>
-                <a:spcPct val="0"/>
-              </a:spcAft>
-              <a:buClrTx/>
-              <a:buSzTx/>
-              <a:buFontTx/>
-              <a:buNone/>
-              <a:tabLst/>
-              <a:defRPr/>
-            </a:pPr>
-            <a:endParaRPr lang="en-US" dirty="0" smtClean="0"/>
-          </a:p>
-          <a:p>
-            <a:pPr marL="0" marR="0" indent="0" algn="l" defTabSz="914400" rtl="0" eaLnBrk="0" fontAlgn="base" latinLnBrk="0" hangingPunct="0">
-              <a:lnSpc>
-                <a:spcPct val="100000"/>
-              </a:lnSpc>
-              <a:spcBef>
-                <a:spcPct val="30000"/>
-              </a:spcBef>
-              <a:spcAft>
-                <a:spcPct val="0"/>
-              </a:spcAft>
-              <a:buClrTx/>
-              <a:buSzTx/>
-              <a:buFontTx/>
-              <a:buNone/>
-              <a:tabLst/>
-              <a:defRPr/>
-            </a:pPr>
-            <a:r>
-              <a:rPr lang="en-US" dirty="0" smtClean="0"/>
-              <a:t>Continuing on lets take a look at yet </a:t>
-            </a:r>
+            <a:endParaRPr lang="en-US" baseline="0" dirty="0" smtClean="0"/>
+          </a:p>
+          <a:p>
             <a:r>
               <a:rPr lang="en-US" baseline="0" dirty="0" smtClean="0"/>
-              <a:t>another feature of XAML can translate to HTML, commanding.  </a:t>
-            </a:r>
-          </a:p>
-          <a:p>
-            <a:endParaRPr lang="en-US" dirty="0" smtClean="0"/>
-          </a:p>
-          <a:p>
-            <a:pPr marL="0" marR="0" indent="0" algn="l" defTabSz="914400" rtl="0" eaLnBrk="0" fontAlgn="base" latinLnBrk="0" hangingPunct="0">
-              <a:lnSpc>
-                <a:spcPct val="100000"/>
-              </a:lnSpc>
-              <a:spcBef>
-                <a:spcPct val="30000"/>
-              </a:spcBef>
-              <a:spcAft>
-                <a:spcPct val="0"/>
-              </a:spcAft>
-              <a:buClrTx/>
-              <a:buSzTx/>
-              <a:buFontTx/>
-              <a:buNone/>
-              <a:tabLst/>
-              <a:defRPr/>
-            </a:pPr>
+              <a:t>In XAML if you wanted to bind a property on your view model to your view you would use the syntax you see here.  Specifically you would use the keyword Binding followed by the name of the property to bind.  </a:t>
+            </a:r>
+          </a:p>
+          <a:p>
+            <a:endParaRPr lang="en-US" baseline="0" dirty="0" smtClean="0"/>
+          </a:p>
+          <a:p>
             <a:r>
               <a:rPr lang="en-US" baseline="0" dirty="0" smtClean="0"/>
               <a:t>[SHOW ANIMATION NOW]</a:t>
             </a:r>
           </a:p>
           <a:p>
-            <a:endParaRPr lang="en-US" dirty="0" smtClean="0"/>
-          </a:p>
-          <a:p>
-            <a:r>
-              <a:rPr lang="en-US" baseline="0" dirty="0" smtClean="0"/>
-              <a:t>In XAML if you wanted to handle user interaction you would use the built in Commanding features of XAML.  Commanding allows you to wire up a input control such as a button to some </a:t>
-            </a:r>
-            <a:r>
-              <a:rPr lang="en-US" baseline="0" dirty="0" err="1" smtClean="0"/>
-              <a:t>Icommand</a:t>
-            </a:r>
-            <a:r>
-              <a:rPr lang="en-US" baseline="0" dirty="0" smtClean="0"/>
-              <a:t> implementation on your view model.  Wiring to this </a:t>
-            </a:r>
-            <a:r>
-              <a:rPr lang="en-US" baseline="0" dirty="0" err="1" smtClean="0"/>
-              <a:t>ICommand</a:t>
-            </a:r>
-            <a:r>
-              <a:rPr lang="en-US" baseline="0" dirty="0" smtClean="0"/>
-              <a:t> property is pretty straight forward.  You would use the Command attribute on some input control and using the binding syntax you would simply provide the </a:t>
-            </a:r>
-            <a:r>
-              <a:rPr lang="en-US" baseline="0" dirty="0" err="1" smtClean="0"/>
-              <a:t>Icommand</a:t>
-            </a:r>
-            <a:r>
-              <a:rPr lang="en-US" baseline="0" dirty="0" smtClean="0"/>
-              <a:t> implementation found on your </a:t>
-            </a:r>
-            <a:r>
-              <a:rPr lang="en-US" baseline="0" dirty="0" err="1" smtClean="0"/>
-              <a:t>Viewmodel</a:t>
-            </a:r>
-            <a:r>
-              <a:rPr lang="en-US" baseline="0" dirty="0" smtClean="0"/>
-              <a:t>.  When the binding engine runs at runtime the 2 would hook up and you can handle and react to user input inside your view model</a:t>
-            </a:r>
-          </a:p>
-          <a:p>
-            <a:endParaRPr lang="en-US" baseline="0" dirty="0" smtClean="0"/>
-          </a:p>
-          <a:p>
-            <a:pPr marL="0" marR="0" indent="0" algn="l" defTabSz="914400" rtl="0" eaLnBrk="0" fontAlgn="base" latinLnBrk="0" hangingPunct="0">
-              <a:lnSpc>
-                <a:spcPct val="100000"/>
-              </a:lnSpc>
-              <a:spcBef>
-                <a:spcPct val="30000"/>
-              </a:spcBef>
-              <a:spcAft>
-                <a:spcPct val="0"/>
-              </a:spcAft>
-              <a:buClrTx/>
-              <a:buSzTx/>
-              <a:buFontTx/>
-              <a:buNone/>
-              <a:tabLst/>
-              <a:defRPr/>
-            </a:pPr>
-            <a:r>
-              <a:rPr lang="en-US" baseline="0" dirty="0" smtClean="0"/>
-              <a:t>[SHOW ANIMATION NOW]</a:t>
-            </a:r>
-          </a:p>
-          <a:p>
             <a:endParaRPr lang="en-US" baseline="0" dirty="0" smtClean="0"/>
           </a:p>
           <a:p>
@@ -4124,15 +3957,19 @@
             </a:r>
             <a:r>
               <a:rPr lang="en-US" baseline="0" dirty="0" smtClean="0"/>
-              <a:t>?  Actually it is very similar to way would accomplish this in </a:t>
-            </a:r>
-            <a:r>
-              <a:rPr lang="en-US" baseline="0" dirty="0" err="1" smtClean="0"/>
-              <a:t>xaml</a:t>
+              <a:t>?  Actually it is very similar.  You would use  the data-bind attribute which is used by knockout and inside of this attribute you would use the [SHOW ANIMATION NOW] </a:t>
+            </a:r>
+            <a:r>
+              <a:rPr lang="en-US" baseline="0" dirty="0" smtClean="0">
+                <a:solidFill>
+                  <a:srgbClr val="FF0000"/>
+                </a:solidFill>
+              </a:rPr>
+              <a:t>value binding attribute to tell knockout that you are binding to the value property of the UI element. Next you would [SHOW ANIMATION NOW] provide the property name, in this case</a:t>
             </a:r>
             <a:r>
               <a:rPr lang="en-US" baseline="0" dirty="0" smtClean="0"/>
-              <a:t>. </a:t>
+              <a:t> Task, to bind to on the view model.  </a:t>
             </a:r>
           </a:p>
           <a:p>
@@ -4141,47 +3978,7 @@
           <a:p>
             <a:r>
               <a:rPr lang="en-US" baseline="0" dirty="0" smtClean="0"/>
-              <a:t>[SHOW ANIMATION NOW] </a:t>
-            </a:r>
-          </a:p>
-          <a:p>
-            <a:pPr marL="0" marR="0" indent="0" algn="l" defTabSz="914400" rtl="0" eaLnBrk="0" fontAlgn="base" latinLnBrk="0" hangingPunct="0">
-              <a:lnSpc>
-                <a:spcPct val="100000"/>
-              </a:lnSpc>
-              <a:spcBef>
-                <a:spcPct val="30000"/>
-              </a:spcBef>
-              <a:spcAft>
-                <a:spcPct val="0"/>
-              </a:spcAft>
-              <a:buClrTx/>
-              <a:buSzTx/>
-              <a:buFontTx/>
-              <a:buNone/>
-              <a:tabLst/>
-              <a:defRPr/>
-            </a:pPr>
-            <a:r>
-              <a:rPr lang="en-US" baseline="0" dirty="0" smtClean="0"/>
-              <a:t>You would use a special binding attribute which is used by knockout call data-bind and inside of this attribute you would use the [SHOW ANIMATION NOW] click binding attribute to tell knockout you are trying to bind to the click event of the button. [SHOW ANIMATION NOW] you would then provide the method name to bind to, in this case we are binding to the </a:t>
-            </a:r>
-            <a:r>
-              <a:rPr lang="en-US" baseline="0" dirty="0" err="1" smtClean="0"/>
-              <a:t>filterList</a:t>
-            </a:r>
-            <a:r>
-              <a:rPr lang="en-US" baseline="0" dirty="0" smtClean="0"/>
-              <a:t> method which would be found on your underlying view model.  If this syntax looks similar to the binding syntax for knockout you would be correct. The only difference is that here we are using click keyword rather than the value keyword.</a:t>
-            </a:r>
-          </a:p>
-          <a:p>
-            <a:endParaRPr lang="en-US" baseline="0" dirty="0" smtClean="0"/>
-          </a:p>
-          <a:p>
-            <a:r>
-              <a:rPr lang="en-US" baseline="0" dirty="0" smtClean="0"/>
-              <a:t>When you compare the 2 although the syntax may be slightly different the intention and results are exactly the same.  Using some binding keywords in knockout you can have the view wire itself up to the </a:t>
+              <a:t>When you compare the 2 although the syntax may be slightly different the intention and results are exactly the same.  Using some keywords you can have the view wire itself up to the </a:t>
             </a:r>
             <a:r>
               <a:rPr lang="en-US" baseline="0" dirty="0" err="1" smtClean="0"/>
@@ -4189,11 +3986,8 @@
             </a:r>
             <a:r>
               <a:rPr lang="en-US" baseline="0" dirty="0" smtClean="0"/>
-              <a:t> method and handle user input inside the view model</a:t>
-            </a:r>
-            <a:endParaRPr lang="en-US" dirty="0" smtClean="0"/>
-          </a:p>
-          <a:p>
+              <a:t> property in order to display data from your view model</a:t>
+            </a:r>
             <a:endParaRPr lang="en-US" dirty="0"/>
           </a:p>
         </p:txBody>
@@ -4230,7 +4024,7 @@
     </p:spTree>
     <p:extLst>
       <p:ext uri="{BB962C8B-B14F-4D97-AF65-F5344CB8AC3E}">
-        <p14:creationId xmlns:p14="http://schemas.microsoft.com/office/powerpoint/2010/main" val="2569492180"/>
+        <p14:creationId xmlns:p14="http://schemas.microsoft.com/office/powerpoint/2010/main" val="519207119"/>
       </p:ext>
     </p:extLst>
   </p:cSld>
@@ -4302,9 +4096,16 @@
               <a:defRPr/>
             </a:pPr>
             <a:r>
+              <a:rPr lang="en-US" dirty="0" smtClean="0"/>
+              <a:t>Continuing on lets take a look at yet </a:t>
+            </a:r>
+            <a:r>
               <a:rPr lang="en-US" baseline="0" dirty="0" smtClean="0"/>
-              <a:t>[SHOW ANIMATION NOW]</a:t>
-            </a:r>
+              <a:t>another feature of XAML can translate to HTML, commanding.  </a:t>
+            </a:r>
+          </a:p>
+          <a:p>
+            <a:endParaRPr lang="en-US" dirty="0" smtClean="0"/>
           </a:p>
           <a:p>
             <a:pPr marL="0" marR="0" indent="0" algn="l" defTabSz="914400" rtl="0" eaLnBrk="0" fontAlgn="base" latinLnBrk="0" hangingPunct="0">
@@ -4324,6 +4125,12 @@
               <a:tabLst/>
               <a:defRPr/>
             </a:pPr>
+            <a:r>
+              <a:rPr lang="en-US" baseline="0" dirty="0" smtClean="0"/>
+              <a:t>[SHOW ANIMATION NOW]</a:t>
+            </a:r>
+          </a:p>
+          <a:p>
             <a:endParaRPr lang="en-US" dirty="0" smtClean="0"/>
           </a:p>
           <a:p>
@@ -4345,99 +4152,16 @@
               <a:defRPr/>
             </a:pPr>
             <a:r>
-              <a:rPr lang="en-US" dirty="0" smtClean="0"/>
-              <a:t>Finally, the last feature we are going to review when making the transition from XAML to HTML</a:t>
-            </a:r>
-            <a:r>
               <a:rPr lang="en-US" baseline="0" dirty="0" smtClean="0"/>
-              <a:t> is style converting.</a:t>
-            </a:r>
-            <a:endParaRPr lang="en-US" dirty="0" smtClean="0"/>
-          </a:p>
-          <a:p>
-            <a:pPr marL="0" marR="0" indent="0" algn="l" defTabSz="914400" rtl="0" eaLnBrk="0" fontAlgn="base" latinLnBrk="0" hangingPunct="0">
-              <a:lnSpc>
-                <a:spcPct val="100000"/>
-              </a:lnSpc>
-              <a:spcBef>
-                <a:spcPct val="30000"/>
-              </a:spcBef>
-              <a:spcAft>
-                <a:spcPct val="0"/>
-              </a:spcAft>
-              <a:buClrTx/>
-              <a:buSzTx/>
-              <a:buFontTx/>
-              <a:buNone/>
-              <a:tabLst/>
-              <a:defRPr/>
-            </a:pPr>
-            <a:endParaRPr lang="en-US" dirty="0" smtClean="0"/>
-          </a:p>
-          <a:p>
-            <a:pPr marL="0" marR="0" indent="0" algn="l" defTabSz="914400" rtl="0" eaLnBrk="0" fontAlgn="base" latinLnBrk="0" hangingPunct="0">
-              <a:lnSpc>
-                <a:spcPct val="100000"/>
-              </a:lnSpc>
-              <a:spcBef>
-                <a:spcPct val="30000"/>
-              </a:spcBef>
-              <a:spcAft>
-                <a:spcPct val="0"/>
-              </a:spcAft>
-              <a:buClrTx/>
-              <a:buSzTx/>
-              <a:buFontTx/>
-              <a:buNone/>
-              <a:tabLst/>
-              <a:defRPr/>
-            </a:pPr>
+              <a:t>In XAML if you wanted to handle user interaction you would use the built in Commanding.  Commanding allows you to wire up a input control such as a button to some </a:t>
+            </a:r>
+            <a:r>
+              <a:rPr lang="en-US" baseline="0" dirty="0" err="1" smtClean="0"/>
+              <a:t>Icommand</a:t>
+            </a:r>
             <a:r>
               <a:rPr lang="en-US" baseline="0" dirty="0" smtClean="0"/>
-              <a:t>[SHOW ANIMATION NOW]</a:t>
-            </a:r>
-          </a:p>
-          <a:p>
-            <a:pPr marL="0" marR="0" indent="0" algn="l" defTabSz="914400" rtl="0" eaLnBrk="0" fontAlgn="base" latinLnBrk="0" hangingPunct="0">
-              <a:lnSpc>
-                <a:spcPct val="100000"/>
-              </a:lnSpc>
-              <a:spcBef>
-                <a:spcPct val="30000"/>
-              </a:spcBef>
-              <a:spcAft>
-                <a:spcPct val="0"/>
-              </a:spcAft>
-              <a:buClrTx/>
-              <a:buSzTx/>
-              <a:buFontTx/>
-              <a:buNone/>
-              <a:tabLst/>
-              <a:defRPr/>
-            </a:pPr>
-            <a:endParaRPr lang="en-US" dirty="0" smtClean="0"/>
-          </a:p>
-          <a:p>
-            <a:pPr marL="0" marR="0" indent="0" algn="l" defTabSz="914400" rtl="0" eaLnBrk="0" fontAlgn="base" latinLnBrk="0" hangingPunct="0">
-              <a:lnSpc>
-                <a:spcPct val="100000"/>
-              </a:lnSpc>
-              <a:spcBef>
-                <a:spcPct val="30000"/>
-              </a:spcBef>
-              <a:spcAft>
-                <a:spcPct val="0"/>
-              </a:spcAft>
-              <a:buClrTx/>
-              <a:buSzTx/>
-              <a:buFontTx/>
-              <a:buNone/>
-              <a:tabLst/>
-              <a:defRPr/>
-            </a:pPr>
-            <a:r>
-              <a:rPr lang="en-US" baseline="0" dirty="0" smtClean="0"/>
-              <a:t>In XAML if you wanted to dynamically change the style of UI component you would use a style converter.  Using a style convert allows you to use data from your View Model to dynamically change which style is applied.  The setup for the Style Converter syntax is a bit more complicated that data binding but it should be familiar to you.</a:t>
+              <a:t> implementation on your view model. </a:t>
             </a:r>
           </a:p>
           <a:p>
@@ -4484,6 +4208,42 @@
             </a:r>
           </a:p>
           <a:p>
+            <a:endParaRPr lang="en-US" baseline="0" dirty="0" smtClean="0"/>
+          </a:p>
+          <a:p>
+            <a:r>
+              <a:rPr lang="en-US" baseline="0" dirty="0" smtClean="0"/>
+              <a:t>Wiring to this </a:t>
+            </a:r>
+            <a:r>
+              <a:rPr lang="en-US" baseline="0" dirty="0" err="1" smtClean="0"/>
+              <a:t>ICommand</a:t>
+            </a:r>
+            <a:r>
+              <a:rPr lang="en-US" baseline="0" dirty="0" smtClean="0"/>
+              <a:t> property is pretty straight forward.  You would use the Command attribute on some input control and using the binding syntax you would simply provide the </a:t>
+            </a:r>
+            <a:r>
+              <a:rPr lang="en-US" baseline="0" dirty="0" err="1" smtClean="0"/>
+              <a:t>Icommand</a:t>
+            </a:r>
+            <a:r>
+              <a:rPr lang="en-US" baseline="0" dirty="0" smtClean="0"/>
+              <a:t> implementation found on your </a:t>
+            </a:r>
+            <a:r>
+              <a:rPr lang="en-US" baseline="0" dirty="0" err="1" smtClean="0"/>
+              <a:t>Viewmodel</a:t>
+            </a:r>
+            <a:r>
+              <a:rPr lang="en-US" baseline="0" dirty="0" smtClean="0"/>
+              <a:t>.  When the binding engine runs at runtime the 2 would hook up and you can handle and react to user input inside your view model</a:t>
+            </a:r>
+          </a:p>
+          <a:p>
+            <a:endParaRPr lang="en-US" baseline="0" dirty="0" smtClean="0"/>
+          </a:p>
+          <a:p>
             <a:pPr marL="0" marR="0" indent="0" algn="l" defTabSz="914400" rtl="0" eaLnBrk="0" fontAlgn="base" latinLnBrk="0" hangingPunct="0">
               <a:lnSpc>
                 <a:spcPct val="100000"/>
@@ -4503,7 +4263,41 @@
             </a:pPr>
             <a:r>
               <a:rPr lang="en-US" baseline="0" dirty="0" smtClean="0"/>
-              <a:t>If you were using HTML and knockout to accomplish the same result you would use the code as shown on screen </a:t>
+              <a:t>[SHOW ANIMATION NOW]</a:t>
+            </a:r>
+          </a:p>
+          <a:p>
+            <a:endParaRPr lang="en-US" baseline="0" dirty="0" smtClean="0"/>
+          </a:p>
+          <a:p>
+            <a:r>
+              <a:rPr lang="en-US" baseline="0" dirty="0" smtClean="0"/>
+              <a:t>How would it look if you were trying to accomplish the same thing with HTML and </a:t>
+            </a:r>
+            <a:r>
+              <a:rPr lang="en-US" baseline="0" dirty="0" err="1" smtClean="0"/>
+              <a:t>knockoutjs</a:t>
+            </a:r>
+            <a:r>
+              <a:rPr lang="en-US" baseline="0" dirty="0" smtClean="0"/>
+              <a:t>?  Actually it is very similar to way would accomplish this in </a:t>
+            </a:r>
+            <a:r>
+              <a:rPr lang="en-US" baseline="0" dirty="0" err="1" smtClean="0"/>
+              <a:t>xaml</a:t>
+            </a:r>
+            <a:r>
+              <a:rPr lang="en-US" baseline="0" dirty="0" smtClean="0"/>
+              <a:t>. </a:t>
+            </a:r>
+          </a:p>
+          <a:p>
+            <a:endParaRPr lang="en-US" baseline="0" dirty="0" smtClean="0"/>
+          </a:p>
+          <a:p>
+            <a:r>
+              <a:rPr lang="en-US" baseline="0" dirty="0" smtClean="0"/>
+              <a:t>[SHOW ANIMATION NOW] </a:t>
             </a:r>
           </a:p>
           <a:p>
@@ -4526,341 +4320,36 @@
             </a:pPr>
             <a:r>
               <a:rPr lang="en-US" baseline="0" dirty="0" smtClean="0"/>
-              <a:t>[SHOW ANIMATION NOW]</a:t>
-            </a:r>
-          </a:p>
-          <a:p>
-            <a:pPr marL="0" marR="0" indent="0" algn="l" defTabSz="914400" rtl="0" eaLnBrk="0" fontAlgn="base" latinLnBrk="0" hangingPunct="0">
-              <a:lnSpc>
-                <a:spcPct val="100000"/>
-              </a:lnSpc>
-              <a:spcBef>
-                <a:spcPct val="30000"/>
-              </a:spcBef>
-              <a:spcAft>
-                <a:spcPct val="0"/>
-              </a:spcAft>
-              <a:buClrTx/>
-              <a:buSzTx/>
-              <a:buFontTx/>
-              <a:buNone/>
-              <a:tabLst/>
-              <a:defRPr/>
-            </a:pPr>
+              <a:t>You would use a special binding attribute which is used by knockout call data-bind and inside of this attribute you would use the [SHOW ANIMATION NOW] click binding attribute to tell knockout you are trying to bind to the click event of the button. [SHOW ANIMATION NOW] you would then provide the method name to bind to, in this case we are binding to the </a:t>
+            </a:r>
+            <a:r>
+              <a:rPr lang="en-US" baseline="0" dirty="0" err="1" smtClean="0"/>
+              <a:t>filterList</a:t>
+            </a:r>
+            <a:r>
+              <a:rPr lang="en-US" baseline="0" dirty="0" smtClean="0"/>
+              <a:t> method which would be found on your underlying view model.  If this syntax looks similar to the binding syntax for knockout you would be correct. The only difference is that here we are using click keyword rather than the value keyword.</a:t>
+            </a:r>
+          </a:p>
+          <a:p>
             <a:endParaRPr lang="en-US" baseline="0" dirty="0" smtClean="0"/>
           </a:p>
           <a:p>
-            <a:pPr marL="0" marR="0" indent="0" algn="l" defTabSz="914400" rtl="0" eaLnBrk="0" fontAlgn="base" latinLnBrk="0" hangingPunct="0">
-              <a:lnSpc>
-                <a:spcPct val="100000"/>
-              </a:lnSpc>
-              <a:spcBef>
-                <a:spcPct val="30000"/>
-              </a:spcBef>
-              <a:spcAft>
-                <a:spcPct val="0"/>
-              </a:spcAft>
-              <a:buClrTx/>
-              <a:buSzTx/>
-              <a:buFontTx/>
-              <a:buNone/>
-              <a:tabLst/>
-              <a:defRPr/>
-            </a:pPr>
             <a:r>
               <a:rPr lang="en-US" baseline="0" dirty="0" smtClean="0"/>
-              <a:t>The syntax this time around is quite different then the XAML equivalent however it is very similar to other HTML/Knockout code samples we have seen before.  </a:t>
-            </a:r>
-          </a:p>
-          <a:p>
-            <a:pPr marL="0" marR="0" indent="0" algn="l" defTabSz="914400" rtl="0" eaLnBrk="0" fontAlgn="base" latinLnBrk="0" hangingPunct="0">
-              <a:lnSpc>
-                <a:spcPct val="100000"/>
-              </a:lnSpc>
-              <a:spcBef>
-                <a:spcPct val="30000"/>
-              </a:spcBef>
-              <a:spcAft>
-                <a:spcPct val="0"/>
-              </a:spcAft>
-              <a:buClrTx/>
-              <a:buSzTx/>
-              <a:buFontTx/>
-              <a:buNone/>
-              <a:tabLst/>
-              <a:defRPr/>
-            </a:pPr>
-            <a:endParaRPr lang="en-US" baseline="0" dirty="0" smtClean="0"/>
-          </a:p>
-          <a:p>
-            <a:pPr marL="0" marR="0" indent="0" algn="l" defTabSz="914400" rtl="0" eaLnBrk="0" fontAlgn="base" latinLnBrk="0" hangingPunct="0">
-              <a:lnSpc>
-                <a:spcPct val="100000"/>
-              </a:lnSpc>
-              <a:spcBef>
-                <a:spcPct val="30000"/>
-              </a:spcBef>
-              <a:spcAft>
-                <a:spcPct val="0"/>
-              </a:spcAft>
-              <a:buClrTx/>
-              <a:buSzTx/>
-              <a:buFontTx/>
-              <a:buNone/>
-              <a:tabLst/>
-              <a:defRPr/>
-            </a:pPr>
+              <a:t>When you compare the 2 although the syntax may be slightly different the intention and results are exactly the same.  Using some binding keywords in knockout you can have the view wire itself up to the </a:t>
+            </a:r>
+            <a:r>
+              <a:rPr lang="en-US" baseline="0" dirty="0" err="1" smtClean="0"/>
+              <a:t>viewmodel</a:t>
+            </a:r>
             <a:r>
               <a:rPr lang="en-US" baseline="0" dirty="0" smtClean="0"/>
-              <a:t>When trying to accomplish this with knockout we are going to use the [SHOW ANIMATION NOW] CSS attribute tag and then then provide it 2 more pieces of data. [SHOW ANIMATION NOW] The first would be the name of the style you want to set, which in our case is </a:t>
-            </a:r>
-            <a:r>
-              <a:rPr lang="en-US" baseline="0" dirty="0" err="1" smtClean="0"/>
-              <a:t>StrikeThrough</a:t>
-            </a:r>
-            <a:r>
-              <a:rPr lang="en-US" baseline="0" dirty="0" smtClean="0"/>
-              <a:t>. You would follow this with [SHOW ANIMATION NOW] the expression to be evaluated.  This expression should return either true or false and in our case if it returns true the </a:t>
-            </a:r>
-            <a:r>
-              <a:rPr lang="en-US" baseline="0" dirty="0" err="1" smtClean="0"/>
-              <a:t>css</a:t>
-            </a:r>
-            <a:r>
-              <a:rPr lang="en-US" baseline="0" dirty="0" smtClean="0"/>
-              <a:t> style will be set.  If the expression returns false no </a:t>
-            </a:r>
-            <a:r>
-              <a:rPr lang="en-US" baseline="0" dirty="0" err="1" smtClean="0"/>
-              <a:t>css</a:t>
-            </a:r>
-            <a:r>
-              <a:rPr lang="en-US" baseline="0" dirty="0" smtClean="0"/>
-              <a:t> style would be set.</a:t>
-            </a:r>
-          </a:p>
-          <a:p>
-            <a:pPr marL="0" marR="0" indent="0" algn="l" defTabSz="914400" rtl="0" eaLnBrk="0" fontAlgn="base" latinLnBrk="0" hangingPunct="0">
-              <a:lnSpc>
-                <a:spcPct val="100000"/>
-              </a:lnSpc>
-              <a:spcBef>
-                <a:spcPct val="30000"/>
-              </a:spcBef>
-              <a:spcAft>
-                <a:spcPct val="0"/>
-              </a:spcAft>
-              <a:buClrTx/>
-              <a:buSzTx/>
-              <a:buFontTx/>
-              <a:buNone/>
-              <a:tabLst/>
-              <a:defRPr/>
-            </a:pPr>
-            <a:endParaRPr lang="en-US" baseline="0" dirty="0" smtClean="0"/>
-          </a:p>
-          <a:p>
-            <a:pPr marL="0" marR="0" indent="0" algn="l" defTabSz="914400" rtl="0" eaLnBrk="0" fontAlgn="base" latinLnBrk="0" hangingPunct="0">
-              <a:lnSpc>
-                <a:spcPct val="100000"/>
-              </a:lnSpc>
-              <a:spcBef>
-                <a:spcPct val="30000"/>
-              </a:spcBef>
-              <a:spcAft>
-                <a:spcPct val="0"/>
-              </a:spcAft>
-              <a:buClrTx/>
-              <a:buSzTx/>
-              <a:buFontTx/>
-              <a:buNone/>
-              <a:tabLst/>
-              <a:defRPr/>
-            </a:pPr>
-            <a:r>
-              <a:rPr lang="en-US" baseline="0" dirty="0" smtClean="0"/>
-              <a:t>When you compare the XAML and HTML ways to accomplish applying styles to our UI controls they are quite different, however the end results are pretty much exactly the same.</a:t>
+              <a:t> method and handle user input inside the view model</a:t>
             </a:r>
             <a:endParaRPr lang="en-US" dirty="0" smtClean="0"/>
           </a:p>
           <a:p>
-            <a:pPr marL="0" marR="0" indent="0" algn="l" defTabSz="914400" rtl="0" eaLnBrk="0" fontAlgn="base" latinLnBrk="0" hangingPunct="0">
-              <a:lnSpc>
-                <a:spcPct val="100000"/>
-              </a:lnSpc>
-              <a:spcBef>
-                <a:spcPct val="30000"/>
-              </a:spcBef>
-              <a:spcAft>
-                <a:spcPct val="0"/>
-              </a:spcAft>
-              <a:buClrTx/>
-              <a:buSzTx/>
-              <a:buFontTx/>
-              <a:buNone/>
-              <a:tabLst/>
-              <a:defRPr/>
-            </a:pPr>
-            <a:endParaRPr lang="en-US" baseline="0" dirty="0" smtClean="0"/>
-          </a:p>
-          <a:p>
-            <a:pPr marL="0" marR="0" indent="0" algn="l" defTabSz="914400" rtl="0" eaLnBrk="0" fontAlgn="base" latinLnBrk="0" hangingPunct="0">
-              <a:lnSpc>
-                <a:spcPct val="100000"/>
-              </a:lnSpc>
-              <a:spcBef>
-                <a:spcPct val="30000"/>
-              </a:spcBef>
-              <a:spcAft>
-                <a:spcPct val="0"/>
-              </a:spcAft>
-              <a:buClrTx/>
-              <a:buSzTx/>
-              <a:buFontTx/>
-              <a:buNone/>
-              <a:tabLst/>
-              <a:defRPr/>
-            </a:pPr>
-            <a:endParaRPr lang="en-US" baseline="0" dirty="0" smtClean="0"/>
-          </a:p>
-          <a:p>
-            <a:pPr marL="0" marR="0" indent="0" algn="l" defTabSz="914400" rtl="0" eaLnBrk="0" fontAlgn="base" latinLnBrk="0" hangingPunct="0">
-              <a:lnSpc>
-                <a:spcPct val="100000"/>
-              </a:lnSpc>
-              <a:spcBef>
-                <a:spcPct val="30000"/>
-              </a:spcBef>
-              <a:spcAft>
-                <a:spcPct val="0"/>
-              </a:spcAft>
-              <a:buClrTx/>
-              <a:buSzTx/>
-              <a:buFontTx/>
-              <a:buNone/>
-              <a:tabLst/>
-              <a:defRPr/>
-            </a:pPr>
-            <a:endParaRPr lang="en-US" baseline="0" dirty="0" smtClean="0"/>
-          </a:p>
-          <a:p>
-            <a:pPr marL="0" marR="0" indent="0" algn="l" defTabSz="914400" rtl="0" eaLnBrk="0" fontAlgn="base" latinLnBrk="0" hangingPunct="0">
-              <a:lnSpc>
-                <a:spcPct val="100000"/>
-              </a:lnSpc>
-              <a:spcBef>
-                <a:spcPct val="30000"/>
-              </a:spcBef>
-              <a:spcAft>
-                <a:spcPct val="0"/>
-              </a:spcAft>
-              <a:buClrTx/>
-              <a:buSzTx/>
-              <a:buFontTx/>
-              <a:buNone/>
-              <a:tabLst/>
-              <a:defRPr/>
-            </a:pPr>
-            <a:endParaRPr lang="en-US" baseline="0" dirty="0" smtClean="0"/>
-          </a:p>
-          <a:p>
-            <a:pPr marL="0" marR="0" indent="0" algn="l" defTabSz="914400" rtl="0" eaLnBrk="0" fontAlgn="base" latinLnBrk="0" hangingPunct="0">
-              <a:lnSpc>
-                <a:spcPct val="100000"/>
-              </a:lnSpc>
-              <a:spcBef>
-                <a:spcPct val="30000"/>
-              </a:spcBef>
-              <a:spcAft>
-                <a:spcPct val="0"/>
-              </a:spcAft>
-              <a:buClrTx/>
-              <a:buSzTx/>
-              <a:buFontTx/>
-              <a:buNone/>
-              <a:tabLst/>
-              <a:defRPr/>
-            </a:pPr>
-            <a:endParaRPr lang="en-US" baseline="0" dirty="0" smtClean="0"/>
-          </a:p>
-          <a:p>
-            <a:pPr marL="0" marR="0" indent="0" algn="l" defTabSz="914400" rtl="0" eaLnBrk="0" fontAlgn="base" latinLnBrk="0" hangingPunct="0">
-              <a:lnSpc>
-                <a:spcPct val="100000"/>
-              </a:lnSpc>
-              <a:spcBef>
-                <a:spcPct val="30000"/>
-              </a:spcBef>
-              <a:spcAft>
-                <a:spcPct val="0"/>
-              </a:spcAft>
-              <a:buClrTx/>
-              <a:buSzTx/>
-              <a:buFontTx/>
-              <a:buNone/>
-              <a:tabLst/>
-              <a:defRPr/>
-            </a:pPr>
-            <a:endParaRPr lang="en-US" baseline="0" dirty="0" smtClean="0"/>
-          </a:p>
-          <a:p>
-            <a:pPr marL="0" marR="0" indent="0" algn="l" defTabSz="914400" rtl="0" eaLnBrk="0" fontAlgn="base" latinLnBrk="0" hangingPunct="0">
-              <a:lnSpc>
-                <a:spcPct val="100000"/>
-              </a:lnSpc>
-              <a:spcBef>
-                <a:spcPct val="30000"/>
-              </a:spcBef>
-              <a:spcAft>
-                <a:spcPct val="0"/>
-              </a:spcAft>
-              <a:buClrTx/>
-              <a:buSzTx/>
-              <a:buFontTx/>
-              <a:buNone/>
-              <a:tabLst/>
-              <a:defRPr/>
-            </a:pPr>
-            <a:endParaRPr lang="en-US" baseline="0" dirty="0" smtClean="0"/>
-          </a:p>
-          <a:p>
-            <a:pPr marL="0" marR="0" indent="0" algn="l" defTabSz="914400" rtl="0" eaLnBrk="0" fontAlgn="base" latinLnBrk="0" hangingPunct="0">
-              <a:lnSpc>
-                <a:spcPct val="100000"/>
-              </a:lnSpc>
-              <a:spcBef>
-                <a:spcPct val="30000"/>
-              </a:spcBef>
-              <a:spcAft>
-                <a:spcPct val="0"/>
-              </a:spcAft>
-              <a:buClrTx/>
-              <a:buSzTx/>
-              <a:buFontTx/>
-              <a:buNone/>
-              <a:tabLst/>
-              <a:defRPr/>
-            </a:pPr>
-            <a:endParaRPr lang="en-US" baseline="0" dirty="0" smtClean="0"/>
-          </a:p>
-          <a:p>
-            <a:pPr marL="0" marR="0" indent="0" algn="l" defTabSz="914400" rtl="0" eaLnBrk="0" fontAlgn="base" latinLnBrk="0" hangingPunct="0">
-              <a:lnSpc>
-                <a:spcPct val="100000"/>
-              </a:lnSpc>
-              <a:spcBef>
-                <a:spcPct val="30000"/>
-              </a:spcBef>
-              <a:spcAft>
-                <a:spcPct val="0"/>
-              </a:spcAft>
-              <a:buClrTx/>
-              <a:buSzTx/>
-              <a:buFontTx/>
-              <a:buNone/>
-              <a:tabLst/>
-              <a:defRPr/>
-            </a:pPr>
             <a:endParaRPr lang="en-US" dirty="0"/>
           </a:p>
         </p:txBody>
@@ -4897,7 +4386,7 @@
     </p:spTree>
     <p:extLst>
       <p:ext uri="{BB962C8B-B14F-4D97-AF65-F5344CB8AC3E}">
-        <p14:creationId xmlns:p14="http://schemas.microsoft.com/office/powerpoint/2010/main" val="4216187973"/>
+        <p14:creationId xmlns:p14="http://schemas.microsoft.com/office/powerpoint/2010/main" val="2569492180"/>
       </p:ext>
     </p:extLst>
   </p:cSld>
@@ -4951,6 +4440,583 @@
           <a:bodyPr/>
           <a:lstStyle/>
           <a:p>
+            <a:pPr marL="0" marR="0" indent="0" algn="l" defTabSz="914400" rtl="0" eaLnBrk="0" fontAlgn="base" latinLnBrk="0" hangingPunct="0">
+              <a:lnSpc>
+                <a:spcPct val="100000"/>
+              </a:lnSpc>
+              <a:spcBef>
+                <a:spcPct val="30000"/>
+              </a:spcBef>
+              <a:spcAft>
+                <a:spcPct val="0"/>
+              </a:spcAft>
+              <a:buClrTx/>
+              <a:buSzTx/>
+              <a:buFontTx/>
+              <a:buNone/>
+              <a:tabLst/>
+              <a:defRPr/>
+            </a:pPr>
+            <a:r>
+              <a:rPr lang="en-US" baseline="0" dirty="0" smtClean="0"/>
+              <a:t>[SHOW ANIMATION NOW]</a:t>
+            </a:r>
+          </a:p>
+          <a:p>
+            <a:pPr marL="0" marR="0" indent="0" algn="l" defTabSz="914400" rtl="0" eaLnBrk="0" fontAlgn="base" latinLnBrk="0" hangingPunct="0">
+              <a:lnSpc>
+                <a:spcPct val="100000"/>
+              </a:lnSpc>
+              <a:spcBef>
+                <a:spcPct val="30000"/>
+              </a:spcBef>
+              <a:spcAft>
+                <a:spcPct val="0"/>
+              </a:spcAft>
+              <a:buClrTx/>
+              <a:buSzTx/>
+              <a:buFontTx/>
+              <a:buNone/>
+              <a:tabLst/>
+              <a:defRPr/>
+            </a:pPr>
+            <a:endParaRPr lang="en-US" dirty="0" smtClean="0"/>
+          </a:p>
+          <a:p>
+            <a:pPr marL="0" marR="0" indent="0" algn="l" defTabSz="914400" rtl="0" eaLnBrk="0" fontAlgn="base" latinLnBrk="0" hangingPunct="0">
+              <a:lnSpc>
+                <a:spcPct val="100000"/>
+              </a:lnSpc>
+              <a:spcBef>
+                <a:spcPct val="30000"/>
+              </a:spcBef>
+              <a:spcAft>
+                <a:spcPct val="0"/>
+              </a:spcAft>
+              <a:buClrTx/>
+              <a:buSzTx/>
+              <a:buFontTx/>
+              <a:buNone/>
+              <a:tabLst/>
+              <a:defRPr/>
+            </a:pPr>
+            <a:r>
+              <a:rPr lang="en-US" dirty="0" smtClean="0"/>
+              <a:t>Finally, the last feature we are going to review when making the transition from XAML to HTML</a:t>
+            </a:r>
+            <a:r>
+              <a:rPr lang="en-US" baseline="0" dirty="0" smtClean="0"/>
+              <a:t> is style converting.</a:t>
+            </a:r>
+            <a:endParaRPr lang="en-US" dirty="0" smtClean="0"/>
+          </a:p>
+          <a:p>
+            <a:pPr marL="0" marR="0" indent="0" algn="l" defTabSz="914400" rtl="0" eaLnBrk="0" fontAlgn="base" latinLnBrk="0" hangingPunct="0">
+              <a:lnSpc>
+                <a:spcPct val="100000"/>
+              </a:lnSpc>
+              <a:spcBef>
+                <a:spcPct val="30000"/>
+              </a:spcBef>
+              <a:spcAft>
+                <a:spcPct val="0"/>
+              </a:spcAft>
+              <a:buClrTx/>
+              <a:buSzTx/>
+              <a:buFontTx/>
+              <a:buNone/>
+              <a:tabLst/>
+              <a:defRPr/>
+            </a:pPr>
+            <a:endParaRPr lang="en-US" dirty="0" smtClean="0"/>
+          </a:p>
+          <a:p>
+            <a:pPr marL="0" marR="0" indent="0" algn="l" defTabSz="914400" rtl="0" eaLnBrk="0" fontAlgn="base" latinLnBrk="0" hangingPunct="0">
+              <a:lnSpc>
+                <a:spcPct val="100000"/>
+              </a:lnSpc>
+              <a:spcBef>
+                <a:spcPct val="30000"/>
+              </a:spcBef>
+              <a:spcAft>
+                <a:spcPct val="0"/>
+              </a:spcAft>
+              <a:buClrTx/>
+              <a:buSzTx/>
+              <a:buFontTx/>
+              <a:buNone/>
+              <a:tabLst/>
+              <a:defRPr/>
+            </a:pPr>
+            <a:r>
+              <a:rPr lang="en-US" baseline="0" dirty="0" smtClean="0"/>
+              <a:t>[SHOW ANIMATION NOW]</a:t>
+            </a:r>
+          </a:p>
+          <a:p>
+            <a:pPr marL="0" marR="0" indent="0" algn="l" defTabSz="914400" rtl="0" eaLnBrk="0" fontAlgn="base" latinLnBrk="0" hangingPunct="0">
+              <a:lnSpc>
+                <a:spcPct val="100000"/>
+              </a:lnSpc>
+              <a:spcBef>
+                <a:spcPct val="30000"/>
+              </a:spcBef>
+              <a:spcAft>
+                <a:spcPct val="0"/>
+              </a:spcAft>
+              <a:buClrTx/>
+              <a:buSzTx/>
+              <a:buFontTx/>
+              <a:buNone/>
+              <a:tabLst/>
+              <a:defRPr/>
+            </a:pPr>
+            <a:endParaRPr lang="en-US" dirty="0" smtClean="0"/>
+          </a:p>
+          <a:p>
+            <a:pPr marL="0" marR="0" indent="0" algn="l" defTabSz="914400" rtl="0" eaLnBrk="0" fontAlgn="base" latinLnBrk="0" hangingPunct="0">
+              <a:lnSpc>
+                <a:spcPct val="100000"/>
+              </a:lnSpc>
+              <a:spcBef>
+                <a:spcPct val="30000"/>
+              </a:spcBef>
+              <a:spcAft>
+                <a:spcPct val="0"/>
+              </a:spcAft>
+              <a:buClrTx/>
+              <a:buSzTx/>
+              <a:buFontTx/>
+              <a:buNone/>
+              <a:tabLst/>
+              <a:defRPr/>
+            </a:pPr>
+            <a:r>
+              <a:rPr lang="en-US" baseline="0" dirty="0" smtClean="0"/>
+              <a:t>In XAML if you wanted to dynamically change the style of UI component you would use a style converter.  Using a style convert allows you to use data from your View Model to dynamically change which style is applied.  The setup for the Style Converter syntax is a bit more complicated that data binding but it should be familiar to you.</a:t>
+            </a:r>
+          </a:p>
+          <a:p>
+            <a:pPr marL="0" marR="0" indent="0" algn="l" defTabSz="914400" rtl="0" eaLnBrk="0" fontAlgn="base" latinLnBrk="0" hangingPunct="0">
+              <a:lnSpc>
+                <a:spcPct val="100000"/>
+              </a:lnSpc>
+              <a:spcBef>
+                <a:spcPct val="30000"/>
+              </a:spcBef>
+              <a:spcAft>
+                <a:spcPct val="0"/>
+              </a:spcAft>
+              <a:buClrTx/>
+              <a:buSzTx/>
+              <a:buFontTx/>
+              <a:buNone/>
+              <a:tabLst/>
+              <a:defRPr/>
+            </a:pPr>
+            <a:endParaRPr lang="en-US" baseline="0" dirty="0" smtClean="0"/>
+          </a:p>
+          <a:p>
+            <a:pPr marL="0" marR="0" indent="0" algn="l" defTabSz="914400" rtl="0" eaLnBrk="0" fontAlgn="base" latinLnBrk="0" hangingPunct="0">
+              <a:lnSpc>
+                <a:spcPct val="100000"/>
+              </a:lnSpc>
+              <a:spcBef>
+                <a:spcPct val="30000"/>
+              </a:spcBef>
+              <a:spcAft>
+                <a:spcPct val="0"/>
+              </a:spcAft>
+              <a:buClrTx/>
+              <a:buSzTx/>
+              <a:buFontTx/>
+              <a:buNone/>
+              <a:tabLst/>
+              <a:defRPr/>
+            </a:pPr>
+            <a:r>
+              <a:rPr lang="en-US" baseline="0" dirty="0" smtClean="0"/>
+              <a:t>[SHOW ANIMATION NOW]</a:t>
+            </a:r>
+          </a:p>
+          <a:p>
+            <a:pPr marL="0" marR="0" indent="0" algn="l" defTabSz="914400" rtl="0" eaLnBrk="0" fontAlgn="base" latinLnBrk="0" hangingPunct="0">
+              <a:lnSpc>
+                <a:spcPct val="100000"/>
+              </a:lnSpc>
+              <a:spcBef>
+                <a:spcPct val="30000"/>
+              </a:spcBef>
+              <a:spcAft>
+                <a:spcPct val="0"/>
+              </a:spcAft>
+              <a:buClrTx/>
+              <a:buSzTx/>
+              <a:buFontTx/>
+              <a:buNone/>
+              <a:tabLst/>
+              <a:defRPr/>
+            </a:pPr>
+            <a:r>
+              <a:rPr lang="en-US" baseline="0" dirty="0" smtClean="0"/>
+              <a:t>If you were using HTML and knockout to accomplish the same result you would use the code as shown on screen </a:t>
+            </a:r>
+          </a:p>
+          <a:p>
+            <a:pPr marL="0" marR="0" indent="0" algn="l" defTabSz="914400" rtl="0" eaLnBrk="0" fontAlgn="base" latinLnBrk="0" hangingPunct="0">
+              <a:lnSpc>
+                <a:spcPct val="100000"/>
+              </a:lnSpc>
+              <a:spcBef>
+                <a:spcPct val="30000"/>
+              </a:spcBef>
+              <a:spcAft>
+                <a:spcPct val="0"/>
+              </a:spcAft>
+              <a:buClrTx/>
+              <a:buSzTx/>
+              <a:buFontTx/>
+              <a:buNone/>
+              <a:tabLst/>
+              <a:defRPr/>
+            </a:pPr>
+            <a:r>
+              <a:rPr lang="en-US" baseline="0" dirty="0" smtClean="0"/>
+              <a:t>[SHOW ANIMATION NOW]</a:t>
+            </a:r>
+          </a:p>
+          <a:p>
+            <a:pPr marL="0" marR="0" indent="0" algn="l" defTabSz="914400" rtl="0" eaLnBrk="0" fontAlgn="base" latinLnBrk="0" hangingPunct="0">
+              <a:lnSpc>
+                <a:spcPct val="100000"/>
+              </a:lnSpc>
+              <a:spcBef>
+                <a:spcPct val="30000"/>
+              </a:spcBef>
+              <a:spcAft>
+                <a:spcPct val="0"/>
+              </a:spcAft>
+              <a:buClrTx/>
+              <a:buSzTx/>
+              <a:buFontTx/>
+              <a:buNone/>
+              <a:tabLst/>
+              <a:defRPr/>
+            </a:pPr>
+            <a:endParaRPr lang="en-US" baseline="0" dirty="0" smtClean="0"/>
+          </a:p>
+          <a:p>
+            <a:pPr marL="0" marR="0" indent="0" algn="l" defTabSz="914400" rtl="0" eaLnBrk="0" fontAlgn="base" latinLnBrk="0" hangingPunct="0">
+              <a:lnSpc>
+                <a:spcPct val="100000"/>
+              </a:lnSpc>
+              <a:spcBef>
+                <a:spcPct val="30000"/>
+              </a:spcBef>
+              <a:spcAft>
+                <a:spcPct val="0"/>
+              </a:spcAft>
+              <a:buClrTx/>
+              <a:buSzTx/>
+              <a:buFontTx/>
+              <a:buNone/>
+              <a:tabLst/>
+              <a:defRPr/>
+            </a:pPr>
+            <a:r>
+              <a:rPr lang="en-US" baseline="0" dirty="0" smtClean="0"/>
+              <a:t>The syntax this time around is quite different then the XAML equivalent however it is very similar to other HTML/Knockout code samples we have seen before.  </a:t>
+            </a:r>
+          </a:p>
+          <a:p>
+            <a:pPr marL="0" marR="0" indent="0" algn="l" defTabSz="914400" rtl="0" eaLnBrk="0" fontAlgn="base" latinLnBrk="0" hangingPunct="0">
+              <a:lnSpc>
+                <a:spcPct val="100000"/>
+              </a:lnSpc>
+              <a:spcBef>
+                <a:spcPct val="30000"/>
+              </a:spcBef>
+              <a:spcAft>
+                <a:spcPct val="0"/>
+              </a:spcAft>
+              <a:buClrTx/>
+              <a:buSzTx/>
+              <a:buFontTx/>
+              <a:buNone/>
+              <a:tabLst/>
+              <a:defRPr/>
+            </a:pPr>
+            <a:endParaRPr lang="en-US" baseline="0" dirty="0" smtClean="0"/>
+          </a:p>
+          <a:p>
+            <a:pPr marL="0" marR="0" indent="0" algn="l" defTabSz="914400" rtl="0" eaLnBrk="0" fontAlgn="base" latinLnBrk="0" hangingPunct="0">
+              <a:lnSpc>
+                <a:spcPct val="100000"/>
+              </a:lnSpc>
+              <a:spcBef>
+                <a:spcPct val="30000"/>
+              </a:spcBef>
+              <a:spcAft>
+                <a:spcPct val="0"/>
+              </a:spcAft>
+              <a:buClrTx/>
+              <a:buSzTx/>
+              <a:buFontTx/>
+              <a:buNone/>
+              <a:tabLst/>
+              <a:defRPr/>
+            </a:pPr>
+            <a:r>
+              <a:rPr lang="en-US" baseline="0" dirty="0" smtClean="0"/>
+              <a:t>When trying to accomplish this with knockout we are going to use the [SHOW ANIMATION NOW] CSS attribute tag and then then provide it 2 more pieces of data. [SHOW ANIMATION NOW] The first would be the name of the style you want to set, which in our case is </a:t>
+            </a:r>
+            <a:r>
+              <a:rPr lang="en-US" baseline="0" dirty="0" err="1" smtClean="0"/>
+              <a:t>StrikeThrough</a:t>
+            </a:r>
+            <a:r>
+              <a:rPr lang="en-US" baseline="0" dirty="0" smtClean="0"/>
+              <a:t>. You would follow this with [SHOW ANIMATION NOW] the expression to be evaluated.  This expression should return either true or false and in our case if it returns true the </a:t>
+            </a:r>
+            <a:r>
+              <a:rPr lang="en-US" baseline="0" dirty="0" err="1" smtClean="0"/>
+              <a:t>css</a:t>
+            </a:r>
+            <a:r>
+              <a:rPr lang="en-US" baseline="0" dirty="0" smtClean="0"/>
+              <a:t> style will be set.  If the expression returns false no </a:t>
+            </a:r>
+            <a:r>
+              <a:rPr lang="en-US" baseline="0" dirty="0" err="1" smtClean="0"/>
+              <a:t>css</a:t>
+            </a:r>
+            <a:r>
+              <a:rPr lang="en-US" baseline="0" dirty="0" smtClean="0"/>
+              <a:t> style would be set.</a:t>
+            </a:r>
+          </a:p>
+          <a:p>
+            <a:pPr marL="0" marR="0" indent="0" algn="l" defTabSz="914400" rtl="0" eaLnBrk="0" fontAlgn="base" latinLnBrk="0" hangingPunct="0">
+              <a:lnSpc>
+                <a:spcPct val="100000"/>
+              </a:lnSpc>
+              <a:spcBef>
+                <a:spcPct val="30000"/>
+              </a:spcBef>
+              <a:spcAft>
+                <a:spcPct val="0"/>
+              </a:spcAft>
+              <a:buClrTx/>
+              <a:buSzTx/>
+              <a:buFontTx/>
+              <a:buNone/>
+              <a:tabLst/>
+              <a:defRPr/>
+            </a:pPr>
+            <a:endParaRPr lang="en-US" baseline="0" dirty="0" smtClean="0"/>
+          </a:p>
+          <a:p>
+            <a:pPr marL="0" marR="0" indent="0" algn="l" defTabSz="914400" rtl="0" eaLnBrk="0" fontAlgn="base" latinLnBrk="0" hangingPunct="0">
+              <a:lnSpc>
+                <a:spcPct val="100000"/>
+              </a:lnSpc>
+              <a:spcBef>
+                <a:spcPct val="30000"/>
+              </a:spcBef>
+              <a:spcAft>
+                <a:spcPct val="0"/>
+              </a:spcAft>
+              <a:buClrTx/>
+              <a:buSzTx/>
+              <a:buFontTx/>
+              <a:buNone/>
+              <a:tabLst/>
+              <a:defRPr/>
+            </a:pPr>
+            <a:r>
+              <a:rPr lang="en-US" baseline="0" dirty="0" smtClean="0"/>
+              <a:t>When you compare the XAML and HTML ways to accomplish applying styles to our UI controls they are quite different, however the end results are pretty much exactly the same.</a:t>
+            </a:r>
+            <a:endParaRPr lang="en-US" dirty="0" smtClean="0"/>
+          </a:p>
+          <a:p>
+            <a:pPr marL="0" marR="0" indent="0" algn="l" defTabSz="914400" rtl="0" eaLnBrk="0" fontAlgn="base" latinLnBrk="0" hangingPunct="0">
+              <a:lnSpc>
+                <a:spcPct val="100000"/>
+              </a:lnSpc>
+              <a:spcBef>
+                <a:spcPct val="30000"/>
+              </a:spcBef>
+              <a:spcAft>
+                <a:spcPct val="0"/>
+              </a:spcAft>
+              <a:buClrTx/>
+              <a:buSzTx/>
+              <a:buFontTx/>
+              <a:buNone/>
+              <a:tabLst/>
+              <a:defRPr/>
+            </a:pPr>
+            <a:endParaRPr lang="en-US" baseline="0" dirty="0" smtClean="0"/>
+          </a:p>
+          <a:p>
+            <a:pPr marL="0" marR="0" indent="0" algn="l" defTabSz="914400" rtl="0" eaLnBrk="0" fontAlgn="base" latinLnBrk="0" hangingPunct="0">
+              <a:lnSpc>
+                <a:spcPct val="100000"/>
+              </a:lnSpc>
+              <a:spcBef>
+                <a:spcPct val="30000"/>
+              </a:spcBef>
+              <a:spcAft>
+                <a:spcPct val="0"/>
+              </a:spcAft>
+              <a:buClrTx/>
+              <a:buSzTx/>
+              <a:buFontTx/>
+              <a:buNone/>
+              <a:tabLst/>
+              <a:defRPr/>
+            </a:pPr>
+            <a:endParaRPr lang="en-US" baseline="0" dirty="0" smtClean="0"/>
+          </a:p>
+          <a:p>
+            <a:pPr marL="0" marR="0" indent="0" algn="l" defTabSz="914400" rtl="0" eaLnBrk="0" fontAlgn="base" latinLnBrk="0" hangingPunct="0">
+              <a:lnSpc>
+                <a:spcPct val="100000"/>
+              </a:lnSpc>
+              <a:spcBef>
+                <a:spcPct val="30000"/>
+              </a:spcBef>
+              <a:spcAft>
+                <a:spcPct val="0"/>
+              </a:spcAft>
+              <a:buClrTx/>
+              <a:buSzTx/>
+              <a:buFontTx/>
+              <a:buNone/>
+              <a:tabLst/>
+              <a:defRPr/>
+            </a:pPr>
+            <a:endParaRPr lang="en-US" baseline="0" dirty="0" smtClean="0"/>
+          </a:p>
+          <a:p>
+            <a:pPr marL="0" marR="0" indent="0" algn="l" defTabSz="914400" rtl="0" eaLnBrk="0" fontAlgn="base" latinLnBrk="0" hangingPunct="0">
+              <a:lnSpc>
+                <a:spcPct val="100000"/>
+              </a:lnSpc>
+              <a:spcBef>
+                <a:spcPct val="30000"/>
+              </a:spcBef>
+              <a:spcAft>
+                <a:spcPct val="0"/>
+              </a:spcAft>
+              <a:buClrTx/>
+              <a:buSzTx/>
+              <a:buFontTx/>
+              <a:buNone/>
+              <a:tabLst/>
+              <a:defRPr/>
+            </a:pPr>
+            <a:endParaRPr lang="en-US" baseline="0" dirty="0" smtClean="0"/>
+          </a:p>
+          <a:p>
+            <a:pPr marL="0" marR="0" indent="0" algn="l" defTabSz="914400" rtl="0" eaLnBrk="0" fontAlgn="base" latinLnBrk="0" hangingPunct="0">
+              <a:lnSpc>
+                <a:spcPct val="100000"/>
+              </a:lnSpc>
+              <a:spcBef>
+                <a:spcPct val="30000"/>
+              </a:spcBef>
+              <a:spcAft>
+                <a:spcPct val="0"/>
+              </a:spcAft>
+              <a:buClrTx/>
+              <a:buSzTx/>
+              <a:buFontTx/>
+              <a:buNone/>
+              <a:tabLst/>
+              <a:defRPr/>
+            </a:pPr>
+            <a:endParaRPr lang="en-US" baseline="0" dirty="0" smtClean="0"/>
+          </a:p>
+          <a:p>
+            <a:pPr marL="0" marR="0" indent="0" algn="l" defTabSz="914400" rtl="0" eaLnBrk="0" fontAlgn="base" latinLnBrk="0" hangingPunct="0">
+              <a:lnSpc>
+                <a:spcPct val="100000"/>
+              </a:lnSpc>
+              <a:spcBef>
+                <a:spcPct val="30000"/>
+              </a:spcBef>
+              <a:spcAft>
+                <a:spcPct val="0"/>
+              </a:spcAft>
+              <a:buClrTx/>
+              <a:buSzTx/>
+              <a:buFontTx/>
+              <a:buNone/>
+              <a:tabLst/>
+              <a:defRPr/>
+            </a:pPr>
+            <a:endParaRPr lang="en-US" baseline="0" dirty="0" smtClean="0"/>
+          </a:p>
+          <a:p>
+            <a:pPr marL="0" marR="0" indent="0" algn="l" defTabSz="914400" rtl="0" eaLnBrk="0" fontAlgn="base" latinLnBrk="0" hangingPunct="0">
+              <a:lnSpc>
+                <a:spcPct val="100000"/>
+              </a:lnSpc>
+              <a:spcBef>
+                <a:spcPct val="30000"/>
+              </a:spcBef>
+              <a:spcAft>
+                <a:spcPct val="0"/>
+              </a:spcAft>
+              <a:buClrTx/>
+              <a:buSzTx/>
+              <a:buFontTx/>
+              <a:buNone/>
+              <a:tabLst/>
+              <a:defRPr/>
+            </a:pPr>
+            <a:endParaRPr lang="en-US" baseline="0" dirty="0" smtClean="0"/>
+          </a:p>
+          <a:p>
+            <a:pPr marL="0" marR="0" indent="0" algn="l" defTabSz="914400" rtl="0" eaLnBrk="0" fontAlgn="base" latinLnBrk="0" hangingPunct="0">
+              <a:lnSpc>
+                <a:spcPct val="100000"/>
+              </a:lnSpc>
+              <a:spcBef>
+                <a:spcPct val="30000"/>
+              </a:spcBef>
+              <a:spcAft>
+                <a:spcPct val="0"/>
+              </a:spcAft>
+              <a:buClrTx/>
+              <a:buSzTx/>
+              <a:buFontTx/>
+              <a:buNone/>
+              <a:tabLst/>
+              <a:defRPr/>
+            </a:pPr>
+            <a:endParaRPr lang="en-US" baseline="0" dirty="0" smtClean="0"/>
+          </a:p>
+          <a:p>
+            <a:pPr marL="0" marR="0" indent="0" algn="l" defTabSz="914400" rtl="0" eaLnBrk="0" fontAlgn="base" latinLnBrk="0" hangingPunct="0">
+              <a:lnSpc>
+                <a:spcPct val="100000"/>
+              </a:lnSpc>
+              <a:spcBef>
+                <a:spcPct val="30000"/>
+              </a:spcBef>
+              <a:spcAft>
+                <a:spcPct val="0"/>
+              </a:spcAft>
+              <a:buClrTx/>
+              <a:buSzTx/>
+              <a:buFontTx/>
+              <a:buNone/>
+              <a:tabLst/>
+              <a:defRPr/>
+            </a:pPr>
             <a:endParaRPr lang="en-US" dirty="0"/>
           </a:p>
         </p:txBody>
@@ -4987,7 +5053,7 @@
     </p:spTree>
     <p:extLst>
       <p:ext uri="{BB962C8B-B14F-4D97-AF65-F5344CB8AC3E}">
-        <p14:creationId xmlns:p14="http://schemas.microsoft.com/office/powerpoint/2010/main" val="2470480248"/>
+        <p14:creationId xmlns:p14="http://schemas.microsoft.com/office/powerpoint/2010/main" val="4216187973"/>
       </p:ext>
     </p:extLst>
   </p:cSld>
@@ -6722,12 +6788,12 @@
   <p:clrMapOvr>
     <a:masterClrMapping/>
   </p:clrMapOvr>
-  <mc:AlternateContent xmlns:mc="http://schemas.openxmlformats.org/markup-compatibility/2006">
-    <mc:Choice xmlns:p14="http://schemas.microsoft.com/office/powerpoint/2010/main" Requires="p14">
-      <p:transition p14:dur="0" advTm="1765"/>
+  <mc:AlternateContent xmlns:mc="http://schemas.openxmlformats.org/markup-compatibility/2006" xmlns:p14="http://schemas.microsoft.com/office/powerpoint/2010/main">
+    <mc:Choice Requires="p14">
+      <p:transition p14:dur="10"/>
     </mc:Choice>
-    <mc:Fallback>
-      <p:transition advTm="1765"/>
+    <mc:Fallback xmlns="">
+      <p:transition/>
     </mc:Fallback>
   </mc:AlternateContent>
   <p:timing>
@@ -6741,6 +6807,96 @@
 </file>
 
 <file path=ppt/slides/slide10.xml><?xml version="1.0" encoding="utf-8"?>
+<p:sld xmlns:a="http://schemas.openxmlformats.org/drawingml/2006/main" xmlns:r="http://schemas.openxmlformats.org/officeDocument/2006/relationships" xmlns:p="http://schemas.openxmlformats.org/presentationml/2006/main">
+  <p:cSld>
+    <p:bg>
+      <p:bgPr>
+        <a:solidFill>
+          <a:schemeClr val="accent2"/>
+        </a:solidFill>
+        <a:effectLst/>
+      </p:bgPr>
+    </p:bg>
+    <p:spTree>
+      <p:nvGrpSpPr>
+        <p:cNvPr id="1" name=""/>
+        <p:cNvGrpSpPr/>
+        <p:nvPr/>
+      </p:nvGrpSpPr>
+      <p:grpSpPr>
+        <a:xfrm>
+          <a:off x="0" y="0"/>
+          <a:ext cx="0" cy="0"/>
+          <a:chOff x="0" y="0"/>
+          <a:chExt cx="0" cy="0"/>
+        </a:xfrm>
+      </p:grpSpPr>
+      <p:sp>
+        <p:nvSpPr>
+          <p:cNvPr id="2" name="Title 1"/>
+          <p:cNvSpPr>
+            <a:spLocks noGrp="1"/>
+          </p:cNvSpPr>
+          <p:nvPr>
+            <p:ph type="title"/>
+          </p:nvPr>
+        </p:nvSpPr>
+        <p:spPr/>
+        <p:txBody>
+          <a:bodyPr/>
+          <a:lstStyle/>
+          <a:p>
+            <a:r>
+              <a:rPr lang="en-US" dirty="0" smtClean="0"/>
+              <a:t>END OF Leveraging XAML Skills Slide</a:t>
+            </a:r>
+            <a:endParaRPr lang="en-GB" dirty="0"/>
+          </a:p>
+        </p:txBody>
+      </p:sp>
+      <p:sp>
+        <p:nvSpPr>
+          <p:cNvPr id="4" name="Text Placeholder 3"/>
+          <p:cNvSpPr>
+            <a:spLocks noGrp="1"/>
+          </p:cNvSpPr>
+          <p:nvPr>
+            <p:ph type="body" idx="1"/>
+          </p:nvPr>
+        </p:nvSpPr>
+        <p:spPr/>
+        <p:txBody>
+          <a:bodyPr/>
+          <a:lstStyle/>
+          <a:p>
+            <a:endParaRPr lang="en-US" dirty="0"/>
+          </a:p>
+        </p:txBody>
+      </p:sp>
+    </p:spTree>
+    <p:extLst>
+      <p:ext uri="{BB962C8B-B14F-4D97-AF65-F5344CB8AC3E}">
+        <p14:creationId xmlns:p14="http://schemas.microsoft.com/office/powerpoint/2010/main" val="3655200771"/>
+      </p:ext>
+    </p:extLst>
+  </p:cSld>
+  <p:clrMapOvr>
+    <a:masterClrMapping/>
+  </p:clrMapOvr>
+  <p:transition>
+    <p:fade/>
+  </p:transition>
+  <p:timing>
+    <p:tnLst>
+      <p:par>
+        <p:cTn id="1" dur="indefinite" restart="never" nodeType="tmRoot"/>
+      </p:par>
+    </p:tnLst>
+  </p:timing>
+</p:sld>
+</file>
+
+<file path=ppt/slides/slide11.xml><?xml version="1.0" encoding="utf-8"?>
 <p:sld xmlns:a="http://schemas.openxmlformats.org/drawingml/2006/main" xmlns:r="http://schemas.openxmlformats.org/officeDocument/2006/relationships" xmlns:p="http://schemas.openxmlformats.org/presentationml/2006/main">
   <p:cSld>
     <p:spTree>
@@ -6874,7 +7030,7 @@
 </p:sld>
 </file>
 
-<file path=ppt/slides/slide11.xml><?xml version="1.0" encoding="utf-8"?>
+<file path=ppt/slides/slide12.xml><?xml version="1.0" encoding="utf-8"?>
 <p:sld xmlns:a="http://schemas.openxmlformats.org/drawingml/2006/main" xmlns:r="http://schemas.openxmlformats.org/officeDocument/2006/relationships" xmlns:p="http://schemas.openxmlformats.org/presentationml/2006/main">
   <p:cSld>
     <p:spTree>
@@ -7379,7 +7535,7 @@
 </p:sld>
 </file>
 
-<file path=ppt/slides/slide12.xml><?xml version="1.0" encoding="utf-8"?>
+<file path=ppt/slides/slide13.xml><?xml version="1.0" encoding="utf-8"?>
 <p:sld xmlns:a="http://schemas.openxmlformats.org/drawingml/2006/main" xmlns:r="http://schemas.openxmlformats.org/officeDocument/2006/relationships" xmlns:p="http://schemas.openxmlformats.org/presentationml/2006/main">
   <p:cSld>
     <p:spTree>
@@ -7540,13 +7696,8 @@
             </a:r>
             <a:r>
               <a:rPr lang="en-US" b="0" dirty="0" smtClean="0"/>
-              <a:t>Framework which makes it easy to build HTTP </a:t>
-            </a:r>
-            <a:r>
-              <a:rPr lang="en-US" b="0" dirty="0" smtClean="0"/>
-              <a:t>services</a:t>
-            </a:r>
-            <a:endParaRPr lang="en-US" b="0" dirty="0" smtClean="0"/>
+              <a:t>Framework which makes it easy to build HTTP services</a:t>
+            </a:r>
           </a:p>
           <a:p>
             <a:pPr marL="0" indent="0">
@@ -7915,7 +8066,7 @@
 </p:sld>
 </file>
 
-<file path=ppt/slides/slide13.xml><?xml version="1.0" encoding="utf-8"?>
+<file path=ppt/slides/slide14.xml><?xml version="1.0" encoding="utf-8"?>
 <p:sld xmlns:a="http://schemas.openxmlformats.org/drawingml/2006/main" xmlns:r="http://schemas.openxmlformats.org/officeDocument/2006/relationships" xmlns:p="http://schemas.openxmlformats.org/presentationml/2006/main">
   <p:cSld>
     <p:bg>
@@ -8005,7 +8156,7 @@
 </p:sld>
 </file>
 
-<file path=ppt/slides/slide14.xml><?xml version="1.0" encoding="utf-8"?>
+<file path=ppt/slides/slide15.xml><?xml version="1.0" encoding="utf-8"?>
 <p:sld xmlns:a="http://schemas.openxmlformats.org/drawingml/2006/main" xmlns:r="http://schemas.openxmlformats.org/officeDocument/2006/relationships" xmlns:p="http://schemas.openxmlformats.org/presentationml/2006/main">
   <p:cSld>
     <p:spTree>
@@ -8151,7 +8302,7 @@
 </p:sld>
 </file>
 
-<file path=ppt/slides/slide15.xml><?xml version="1.0" encoding="utf-8"?>
+<file path=ppt/slides/slide16.xml><?xml version="1.0" encoding="utf-8"?>
 <p:sld xmlns:a="http://schemas.openxmlformats.org/drawingml/2006/main" xmlns:r="http://schemas.openxmlformats.org/officeDocument/2006/relationships" xmlns:p="http://schemas.openxmlformats.org/presentationml/2006/main">
   <p:cSld>
     <p:spTree>
@@ -8482,7 +8633,7 @@
 </p:sld>
 </file>
 
-<file path=ppt/slides/slide16.xml><?xml version="1.0" encoding="utf-8"?>
+<file path=ppt/slides/slide17.xml><?xml version="1.0" encoding="utf-8"?>
 <p:sld xmlns:a="http://schemas.openxmlformats.org/drawingml/2006/main" xmlns:r="http://schemas.openxmlformats.org/officeDocument/2006/relationships" xmlns:p="http://schemas.openxmlformats.org/presentationml/2006/main">
   <p:cSld>
     <p:bg>
@@ -8572,7 +8723,7 @@
 </p:sld>
 </file>
 
-<file path=ppt/slides/slide17.xml><?xml version="1.0" encoding="utf-8"?>
+<file path=ppt/slides/slide18.xml><?xml version="1.0" encoding="utf-8"?>
 <p:sld xmlns:a="http://schemas.openxmlformats.org/drawingml/2006/main" xmlns:r="http://schemas.openxmlformats.org/officeDocument/2006/relationships" xmlns:p="http://schemas.openxmlformats.org/presentationml/2006/main">
   <p:cSld>
     <p:spTree>
@@ -8718,7 +8869,7 @@
 </p:sld>
 </file>
 
-<file path=ppt/slides/slide18.xml><?xml version="1.0" encoding="utf-8"?>
+<file path=ppt/slides/slide19.xml><?xml version="1.0" encoding="utf-8"?>
 <p:sld xmlns:a="http://schemas.openxmlformats.org/drawingml/2006/main" xmlns:r="http://schemas.openxmlformats.org/officeDocument/2006/relationships" xmlns:p="http://schemas.openxmlformats.org/presentationml/2006/main">
   <p:cSld>
     <p:spTree>
@@ -9054,96 +9205,6 @@
 </p:sld>
 </file>
 
-<file path=ppt/slides/slide19.xml><?xml version="1.0" encoding="utf-8"?>
-<p:sld xmlns:a="http://schemas.openxmlformats.org/drawingml/2006/main" xmlns:r="http://schemas.openxmlformats.org/officeDocument/2006/relationships" xmlns:p="http://schemas.openxmlformats.org/presentationml/2006/main">
-  <p:cSld>
-    <p:bg>
-      <p:bgPr>
-        <a:solidFill>
-          <a:schemeClr val="accent2"/>
-        </a:solidFill>
-        <a:effectLst/>
-      </p:bgPr>
-    </p:bg>
-    <p:spTree>
-      <p:nvGrpSpPr>
-        <p:cNvPr id="1" name=""/>
-        <p:cNvGrpSpPr/>
-        <p:nvPr/>
-      </p:nvGrpSpPr>
-      <p:grpSpPr>
-        <a:xfrm>
-          <a:off x="0" y="0"/>
-          <a:ext cx="0" cy="0"/>
-          <a:chOff x="0" y="0"/>
-          <a:chExt cx="0" cy="0"/>
-        </a:xfrm>
-      </p:grpSpPr>
-      <p:sp>
-        <p:nvSpPr>
-          <p:cNvPr id="2" name="Title 1"/>
-          <p:cNvSpPr>
-            <a:spLocks noGrp="1"/>
-          </p:cNvSpPr>
-          <p:nvPr>
-            <p:ph type="title"/>
-          </p:nvPr>
-        </p:nvSpPr>
-        <p:spPr/>
-        <p:txBody>
-          <a:bodyPr/>
-          <a:lstStyle/>
-          <a:p>
-            <a:r>
-              <a:rPr lang="en-US" dirty="0" smtClean="0"/>
-              <a:t>END OF Hello World Slide</a:t>
-            </a:r>
-            <a:endParaRPr lang="en-GB" dirty="0"/>
-          </a:p>
-        </p:txBody>
-      </p:sp>
-      <p:sp>
-        <p:nvSpPr>
-          <p:cNvPr id="4" name="Text Placeholder 3"/>
-          <p:cNvSpPr>
-            <a:spLocks noGrp="1"/>
-          </p:cNvSpPr>
-          <p:nvPr>
-            <p:ph type="body" idx="1"/>
-          </p:nvPr>
-        </p:nvSpPr>
-        <p:spPr/>
-        <p:txBody>
-          <a:bodyPr/>
-          <a:lstStyle/>
-          <a:p>
-            <a:endParaRPr lang="en-US" dirty="0"/>
-          </a:p>
-        </p:txBody>
-      </p:sp>
-    </p:spTree>
-    <p:extLst>
-      <p:ext uri="{BB962C8B-B14F-4D97-AF65-F5344CB8AC3E}">
-        <p14:creationId xmlns:p14="http://schemas.microsoft.com/office/powerpoint/2010/main" val="3350436115"/>
-      </p:ext>
-    </p:extLst>
-  </p:cSld>
-  <p:clrMapOvr>
-    <a:masterClrMapping/>
-  </p:clrMapOvr>
-  <p:transition>
-    <p:fade/>
-  </p:transition>
-  <p:timing>
-    <p:tnLst>
-      <p:par>
-        <p:cTn id="1" dur="indefinite" restart="never" nodeType="tmRoot"/>
-      </p:par>
-    </p:tnLst>
-  </p:timing>
-</p:sld>
-</file>
-
 <file path=ppt/slides/slide2.xml><?xml version="1.0" encoding="utf-8"?>
 <p:sld xmlns:a="http://schemas.openxmlformats.org/drawingml/2006/main" xmlns:r="http://schemas.openxmlformats.org/officeDocument/2006/relationships" xmlns:p="http://schemas.openxmlformats.org/presentationml/2006/main">
   <p:cSld>
@@ -9404,11 +9465,11 @@
   <p:clrMapOvr>
     <a:masterClrMapping/>
   </p:clrMapOvr>
-  <mc:AlternateContent xmlns:mc="http://schemas.openxmlformats.org/markup-compatibility/2006">
-    <mc:Choice xmlns:p14="http://schemas.microsoft.com/office/powerpoint/2010/main" Requires="p14">
+  <mc:AlternateContent xmlns:mc="http://schemas.openxmlformats.org/markup-compatibility/2006" xmlns:p14="http://schemas.microsoft.com/office/powerpoint/2010/main">
+    <mc:Choice Requires="p14">
       <p:transition p14:dur="10"/>
     </mc:Choice>
-    <mc:Fallback>
+    <mc:Fallback xmlns="">
       <p:transition/>
     </mc:Fallback>
   </mc:AlternateContent>
@@ -9423,6 +9484,96 @@
 </file>
 
 <file path=ppt/slides/slide20.xml><?xml version="1.0" encoding="utf-8"?>
+<p:sld xmlns:a="http://schemas.openxmlformats.org/drawingml/2006/main" xmlns:r="http://schemas.openxmlformats.org/officeDocument/2006/relationships" xmlns:p="http://schemas.openxmlformats.org/presentationml/2006/main">
+  <p:cSld>
+    <p:bg>
+      <p:bgPr>
+        <a:solidFill>
+          <a:schemeClr val="accent2"/>
+        </a:solidFill>
+        <a:effectLst/>
+      </p:bgPr>
+    </p:bg>
+    <p:spTree>
+      <p:nvGrpSpPr>
+        <p:cNvPr id="1" name=""/>
+        <p:cNvGrpSpPr/>
+        <p:nvPr/>
+      </p:nvGrpSpPr>
+      <p:grpSpPr>
+        <a:xfrm>
+          <a:off x="0" y="0"/>
+          <a:ext cx="0" cy="0"/>
+          <a:chOff x="0" y="0"/>
+          <a:chExt cx="0" cy="0"/>
+        </a:xfrm>
+      </p:grpSpPr>
+      <p:sp>
+        <p:nvSpPr>
+          <p:cNvPr id="2" name="Title 1"/>
+          <p:cNvSpPr>
+            <a:spLocks noGrp="1"/>
+          </p:cNvSpPr>
+          <p:nvPr>
+            <p:ph type="title"/>
+          </p:nvPr>
+        </p:nvSpPr>
+        <p:spPr/>
+        <p:txBody>
+          <a:bodyPr/>
+          <a:lstStyle/>
+          <a:p>
+            <a:r>
+              <a:rPr lang="en-US" dirty="0" smtClean="0"/>
+              <a:t>END OF Hello World Slide</a:t>
+            </a:r>
+            <a:endParaRPr lang="en-GB" dirty="0"/>
+          </a:p>
+        </p:txBody>
+      </p:sp>
+      <p:sp>
+        <p:nvSpPr>
+          <p:cNvPr id="4" name="Text Placeholder 3"/>
+          <p:cNvSpPr>
+            <a:spLocks noGrp="1"/>
+          </p:cNvSpPr>
+          <p:nvPr>
+            <p:ph type="body" idx="1"/>
+          </p:nvPr>
+        </p:nvSpPr>
+        <p:spPr/>
+        <p:txBody>
+          <a:bodyPr/>
+          <a:lstStyle/>
+          <a:p>
+            <a:endParaRPr lang="en-US" dirty="0"/>
+          </a:p>
+        </p:txBody>
+      </p:sp>
+    </p:spTree>
+    <p:extLst>
+      <p:ext uri="{BB962C8B-B14F-4D97-AF65-F5344CB8AC3E}">
+        <p14:creationId xmlns:p14="http://schemas.microsoft.com/office/powerpoint/2010/main" val="3350436115"/>
+      </p:ext>
+    </p:extLst>
+  </p:cSld>
+  <p:clrMapOvr>
+    <a:masterClrMapping/>
+  </p:clrMapOvr>
+  <p:transition>
+    <p:fade/>
+  </p:transition>
+  <p:timing>
+    <p:tnLst>
+      <p:par>
+        <p:cTn id="1" dur="indefinite" restart="never" nodeType="tmRoot"/>
+      </p:par>
+    </p:tnLst>
+  </p:timing>
+</p:sld>
+</file>
+
+<file path=ppt/slides/slide21.xml><?xml version="1.0" encoding="utf-8"?>
 <p:sld xmlns:a="http://schemas.openxmlformats.org/drawingml/2006/main" xmlns:r="http://schemas.openxmlformats.org/officeDocument/2006/relationships" xmlns:p="http://schemas.openxmlformats.org/presentationml/2006/main">
   <p:cSld>
     <p:spTree>
@@ -9596,11 +9747,7 @@
           <a:p>
             <a:r>
               <a:rPr lang="en-US" dirty="0" smtClean="0"/>
-              <a:t>Agenda</a:t>
-            </a:r>
-            <a:r>
-              <a:rPr lang="en-US" dirty="0" smtClean="0"/>
-              <a:t>		</a:t>
+              <a:t>Agenda		</a:t>
             </a:r>
             <a:endParaRPr lang="en-GB" dirty="0"/>
           </a:p>
@@ -9645,13 +9792,8 @@
             </a:r>
             <a:r>
               <a:rPr lang="en-GB" dirty="0" smtClean="0"/>
-              <a:t> MVC </a:t>
-            </a:r>
-            <a:r>
-              <a:rPr lang="en-GB" dirty="0" smtClean="0"/>
-              <a:t>project</a:t>
-            </a:r>
-            <a:endParaRPr lang="en-GB" dirty="0" smtClean="0"/>
+              <a:t> MVC project</a:t>
+            </a:r>
           </a:p>
           <a:p>
             <a:r>
@@ -10072,11 +10214,7 @@
           <a:p>
             <a:r>
               <a:rPr lang="en-US" dirty="0" smtClean="0"/>
-              <a:t>END OF Overview Slides</a:t>
-            </a:r>
-            <a:r>
-              <a:rPr lang="en-US" dirty="0" smtClean="0"/>
-              <a:t>		</a:t>
+              <a:t>END OF Overview Slides		</a:t>
             </a:r>
             <a:endParaRPr lang="en-GB" dirty="0"/>
           </a:p>
@@ -10132,6 +10270,139 @@
 </file>
 
 <file path=ppt/slides/slide5.xml><?xml version="1.0" encoding="utf-8"?>
+<p:sld xmlns:a="http://schemas.openxmlformats.org/drawingml/2006/main" xmlns:r="http://schemas.openxmlformats.org/officeDocument/2006/relationships" xmlns:p="http://schemas.openxmlformats.org/presentationml/2006/main">
+  <p:cSld>
+    <p:spTree>
+      <p:nvGrpSpPr>
+        <p:cNvPr id="1" name=""/>
+        <p:cNvGrpSpPr/>
+        <p:nvPr/>
+      </p:nvGrpSpPr>
+      <p:grpSpPr>
+        <a:xfrm>
+          <a:off x="0" y="0"/>
+          <a:ext cx="0" cy="0"/>
+          <a:chOff x="0" y="0"/>
+          <a:chExt cx="0" cy="0"/>
+        </a:xfrm>
+      </p:grpSpPr>
+      <p:sp>
+        <p:nvSpPr>
+          <p:cNvPr id="2" name="Title 1"/>
+          <p:cNvSpPr>
+            <a:spLocks noGrp="1"/>
+          </p:cNvSpPr>
+          <p:nvPr>
+            <p:ph type="title"/>
+          </p:nvPr>
+        </p:nvSpPr>
+        <p:spPr/>
+        <p:txBody>
+          <a:bodyPr/>
+          <a:lstStyle/>
+          <a:p>
+            <a:r>
+              <a:rPr lang="en-US" dirty="0" smtClean="0"/>
+              <a:t>Agenda		</a:t>
+            </a:r>
+            <a:endParaRPr lang="en-GB" dirty="0"/>
+          </a:p>
+        </p:txBody>
+      </p:sp>
+      <p:sp>
+        <p:nvSpPr>
+          <p:cNvPr id="3" name="Text Placeholder 2"/>
+          <p:cNvSpPr>
+            <a:spLocks noGrp="1"/>
+          </p:cNvSpPr>
+          <p:nvPr>
+            <p:ph type="body" idx="1"/>
+          </p:nvPr>
+        </p:nvSpPr>
+        <p:spPr/>
+        <p:txBody>
+          <a:bodyPr/>
+          <a:lstStyle/>
+          <a:p>
+            <a:r>
+              <a:rPr lang="en-US" dirty="0" smtClean="0">
+                <a:solidFill>
+                  <a:schemeClr val="accent6">
+                    <a:lumMod val="75000"/>
+                  </a:schemeClr>
+                </a:solidFill>
+                <a:latin typeface="+mn-lt"/>
+              </a:rPr>
+              <a:t>Learn how to leverage your XAML skills to build HTML applications</a:t>
+            </a:r>
+          </a:p>
+          <a:p>
+            <a:r>
+              <a:rPr lang="en-GB" dirty="0" smtClean="0"/>
+              <a:t>Learn about the tools we are going to use in this course</a:t>
+            </a:r>
+          </a:p>
+          <a:p>
+            <a:r>
+              <a:rPr lang="en-GB" dirty="0" smtClean="0"/>
+              <a:t>Setup our template </a:t>
+            </a:r>
+            <a:r>
+              <a:rPr lang="en-GB" dirty="0" err="1" smtClean="0"/>
+              <a:t>Asp.Net</a:t>
+            </a:r>
+            <a:r>
+              <a:rPr lang="en-GB" dirty="0" smtClean="0"/>
+              <a:t> MVC project</a:t>
+            </a:r>
+          </a:p>
+          <a:p>
+            <a:r>
+              <a:rPr lang="en-GB" dirty="0" smtClean="0"/>
+              <a:t>Implement a Hello World </a:t>
+            </a:r>
+            <a:r>
+              <a:rPr lang="en-GB" dirty="0" err="1" smtClean="0"/>
+              <a:t>Asp.Net</a:t>
+            </a:r>
+            <a:r>
+              <a:rPr lang="en-GB" dirty="0" smtClean="0"/>
+              <a:t> MVC application</a:t>
+            </a:r>
+          </a:p>
+          <a:p>
+            <a:r>
+              <a:rPr lang="en-GB" dirty="0" smtClean="0"/>
+              <a:t>Review the application we will be building in this course</a:t>
+            </a:r>
+            <a:endParaRPr lang="en-GB" dirty="0"/>
+          </a:p>
+        </p:txBody>
+      </p:sp>
+    </p:spTree>
+    <p:extLst>
+      <p:ext uri="{BB962C8B-B14F-4D97-AF65-F5344CB8AC3E}">
+        <p14:creationId xmlns:p14="http://schemas.microsoft.com/office/powerpoint/2010/main" val="1880223761"/>
+      </p:ext>
+    </p:extLst>
+  </p:cSld>
+  <p:clrMapOvr>
+    <a:masterClrMapping/>
+  </p:clrMapOvr>
+  <p:transition>
+    <p:fade/>
+  </p:transition>
+  <p:timing>
+    <p:tnLst>
+      <p:par>
+        <p:cTn id="1" dur="indefinite" restart="never" nodeType="tmRoot"/>
+      </p:par>
+    </p:tnLst>
+  </p:timing>
+</p:sld>
+</file>
+
+<file path=ppt/slides/slide6.xml><?xml version="1.0" encoding="utf-8"?>
 <p:sld xmlns:a="http://schemas.openxmlformats.org/drawingml/2006/main" xmlns:r="http://schemas.openxmlformats.org/officeDocument/2006/relationships" xmlns:p="http://schemas.openxmlformats.org/presentationml/2006/main">
   <p:cSld>
     <p:spTree>
@@ -10571,13 +10842,7 @@
               <a:rPr lang="en-US" sz="1800" dirty="0" smtClean="0">
                 <a:latin typeface="+mj-lt"/>
               </a:rPr>
-              <a:t>Constructor of </a:t>
-            </a:r>
-            <a:r>
-              <a:rPr lang="en-US" sz="1800" dirty="0" smtClean="0">
-                <a:latin typeface="+mj-lt"/>
-              </a:rPr>
-              <a:t>the View</a:t>
+              <a:t>Constructor of the View</a:t>
             </a:r>
             <a:endParaRPr lang="en-US" sz="1800" dirty="0">
               <a:latin typeface="+mj-lt"/>
@@ -10751,13 +11016,7 @@
               <a:rPr lang="en-US" sz="1800" dirty="0" smtClean="0">
                 <a:latin typeface="+mj-lt"/>
               </a:rPr>
-              <a:t>Script block in </a:t>
-            </a:r>
-            <a:r>
-              <a:rPr lang="en-US" sz="1800" dirty="0" smtClean="0">
-                <a:latin typeface="+mj-lt"/>
-              </a:rPr>
-              <a:t>the View</a:t>
+              <a:t>Script block in the View</a:t>
             </a:r>
             <a:endParaRPr lang="en-US" sz="1800" dirty="0">
               <a:latin typeface="+mj-lt"/>
@@ -10862,6 +11121,40 @@
           </a:p>
         </p:txBody>
       </p:sp>
+      <p:cxnSp>
+        <p:nvCxnSpPr>
+          <p:cNvPr id="8" name="Straight Connector 7"/>
+          <p:cNvCxnSpPr/>
+          <p:nvPr/>
+        </p:nvCxnSpPr>
+        <p:spPr bwMode="auto">
+          <a:xfrm>
+            <a:off x="990600" y="4770120"/>
+            <a:ext cx="1408670" cy="0"/>
+          </a:xfrm>
+          <a:prstGeom prst="line">
+            <a:avLst/>
+          </a:prstGeom>
+          <a:ln>
+            <a:headEnd type="none" w="med" len="med"/>
+            <a:tailEnd type="none" w="med" len="med"/>
+          </a:ln>
+        </p:spPr>
+        <p:style>
+          <a:lnRef idx="2">
+            <a:schemeClr val="accent2"/>
+          </a:lnRef>
+          <a:fillRef idx="0">
+            <a:schemeClr val="accent2"/>
+          </a:fillRef>
+          <a:effectRef idx="1">
+            <a:schemeClr val="accent2"/>
+          </a:effectRef>
+          <a:fontRef idx="minor">
+            <a:schemeClr val="tx1"/>
+          </a:fontRef>
+        </p:style>
+      </p:cxnSp>
     </p:spTree>
     <p:extLst>
       <p:ext uri="{BB962C8B-B14F-4D97-AF65-F5344CB8AC3E}">
@@ -11273,6 +11566,51 @@
                                           </p:stCondLst>
                                         </p:cTn>
                                         <p:tgtEl>
+                                          <p:spTgt spid="8"/>
+                                        </p:tgtEl>
+                                        <p:attrNameLst>
+                                          <p:attrName>style.visibility</p:attrName>
+                                        </p:attrNameLst>
+                                      </p:cBhvr>
+                                      <p:to>
+                                        <p:strVal val="visible"/>
+                                      </p:to>
+                                    </p:set>
+                                  </p:childTnLst>
+                                </p:cTn>
+                              </p:par>
+                            </p:childTnLst>
+                          </p:cTn>
+                        </p:par>
+                      </p:childTnLst>
+                    </p:cTn>
+                  </p:par>
+                  <p:par>
+                    <p:cTn id="37" fill="hold">
+                      <p:stCondLst>
+                        <p:cond delay="indefinite"/>
+                      </p:stCondLst>
+                      <p:childTnLst>
+                        <p:par>
+                          <p:cTn id="38" fill="hold">
+                            <p:stCondLst>
+                              <p:cond delay="0"/>
+                            </p:stCondLst>
+                            <p:childTnLst>
+                              <p:par>
+                                <p:cTn id="39" presetID="1" presetClass="entr" presetSubtype="0" fill="hold" nodeType="clickEffect">
+                                  <p:stCondLst>
+                                    <p:cond delay="0"/>
+                                  </p:stCondLst>
+                                  <p:childTnLst>
+                                    <p:set>
+                                      <p:cBhvr>
+                                        <p:cTn id="40" dur="1" fill="hold">
+                                          <p:stCondLst>
+                                            <p:cond delay="0"/>
+                                          </p:stCondLst>
+                                        </p:cTn>
+                                        <p:tgtEl>
                                           <p:spTgt spid="21"/>
                                         </p:tgtEl>
                                         <p:attrNameLst>
@@ -11287,14 +11625,14 @@
                                 </p:cTn>
                               </p:par>
                               <p:par>
-                                <p:cTn id="37" presetID="1" presetClass="entr" presetSubtype="0" fill="hold" grpId="0" nodeType="withEffect">
+                                <p:cTn id="41" presetID="1" presetClass="entr" presetSubtype="0" fill="hold" grpId="0" nodeType="withEffect">
                                   <p:stCondLst>
                                     <p:cond delay="0"/>
                                   </p:stCondLst>
                                   <p:childTnLst>
                                     <p:set>
                                       <p:cBhvr>
-                                        <p:cTn id="38" dur="1" fill="hold">
+                                        <p:cTn id="42" dur="1" fill="hold">
                                           <p:stCondLst>
                                             <p:cond delay="0"/>
                                           </p:stCondLst>
@@ -11308,6 +11646,33 @@
                                       </p:cBhvr>
                                       <p:to>
                                         <p:strVal val="visible"/>
+                                      </p:to>
+                                    </p:set>
+                                  </p:childTnLst>
+                                </p:cTn>
+                              </p:par>
+                              <p:par>
+                                <p:cTn id="43" presetID="1" presetClass="exit" presetSubtype="0" fill="hold" nodeType="withEffect">
+                                  <p:stCondLst>
+                                    <p:cond delay="0"/>
+                                  </p:stCondLst>
+                                  <p:childTnLst>
+                                    <p:set>
+                                      <p:cBhvr>
+                                        <p:cTn id="44" dur="1" fill="hold">
+                                          <p:stCondLst>
+                                            <p:cond delay="0"/>
+                                          </p:stCondLst>
+                                        </p:cTn>
+                                        <p:tgtEl>
+                                          <p:spTgt spid="8"/>
+                                        </p:tgtEl>
+                                        <p:attrNameLst>
+                                          <p:attrName>style.visibility</p:attrName>
+                                        </p:attrNameLst>
+                                      </p:cBhvr>
+                                      <p:to>
+                                        <p:strVal val="hidden"/>
                                       </p:to>
                                     </p:set>
                                   </p:childTnLst>
@@ -11352,7 +11717,7 @@
 </p:sld>
 </file>
 
-<file path=ppt/slides/slide6.xml><?xml version="1.0" encoding="utf-8"?>
+<file path=ppt/slides/slide7.xml><?xml version="1.0" encoding="utf-8"?>
 <p:sld xmlns:a="http://schemas.openxmlformats.org/drawingml/2006/main" xmlns:r="http://schemas.openxmlformats.org/officeDocument/2006/relationships" xmlns:p="http://schemas.openxmlformats.org/presentationml/2006/main">
   <p:cSld>
     <p:spTree>
@@ -11995,9 +12360,6 @@
               </a:rPr>
               <a:t>Value attribute</a:t>
             </a:r>
-            <a:endParaRPr lang="en-US" dirty="0" smtClean="0">
-              <a:latin typeface="+mj-lt"/>
-            </a:endParaRPr>
           </a:p>
         </p:txBody>
       </p:sp>
@@ -12073,9 +12435,6 @@
               </a:rPr>
               <a:t>Bound Property</a:t>
             </a:r>
-            <a:endParaRPr lang="en-US" dirty="0" smtClean="0">
-              <a:latin typeface="+mj-lt"/>
-            </a:endParaRPr>
           </a:p>
         </p:txBody>
       </p:sp>
@@ -12596,7 +12955,7 @@
 </p:sld>
 </file>
 
-<file path=ppt/slides/slide7.xml><?xml version="1.0" encoding="utf-8"?>
+<file path=ppt/slides/slide8.xml><?xml version="1.0" encoding="utf-8"?>
 <p:sld xmlns:a="http://schemas.openxmlformats.org/drawingml/2006/main" xmlns:r="http://schemas.openxmlformats.org/officeDocument/2006/relationships" xmlns:p="http://schemas.openxmlformats.org/presentationml/2006/main">
   <p:cSld>
     <p:spTree>
@@ -13254,9 +13613,6 @@
               </a:rPr>
               <a:t>Click attribute</a:t>
             </a:r>
-            <a:endParaRPr lang="en-US" dirty="0" smtClean="0">
-              <a:latin typeface="+mj-lt"/>
-            </a:endParaRPr>
           </a:p>
         </p:txBody>
       </p:sp>
@@ -13332,9 +13688,6 @@
               </a:rPr>
               <a:t>Bound Method</a:t>
             </a:r>
-            <a:endParaRPr lang="en-US" dirty="0" smtClean="0">
-              <a:latin typeface="+mj-lt"/>
-            </a:endParaRPr>
           </a:p>
         </p:txBody>
       </p:sp>
@@ -13855,7 +14208,7 @@
 </p:sld>
 </file>
 
-<file path=ppt/slides/slide8.xml><?xml version="1.0" encoding="utf-8"?>
+<file path=ppt/slides/slide9.xml><?xml version="1.0" encoding="utf-8"?>
 <p:sld xmlns:a="http://schemas.openxmlformats.org/drawingml/2006/main" xmlns:r="http://schemas.openxmlformats.org/officeDocument/2006/relationships" xmlns:p="http://schemas.openxmlformats.org/presentationml/2006/main">
   <p:cSld>
     <p:spTree>
@@ -14504,9 +14857,6 @@
               </a:rPr>
               <a:t>CSS attribute</a:t>
             </a:r>
-            <a:endParaRPr lang="en-US" dirty="0" smtClean="0">
-              <a:latin typeface="+mj-lt"/>
-            </a:endParaRPr>
           </a:p>
         </p:txBody>
       </p:sp>
@@ -14581,9 +14931,6 @@
               </a:rPr>
               <a:t>Style to apply</a:t>
             </a:r>
-            <a:endParaRPr lang="en-US" dirty="0" smtClean="0">
-              <a:latin typeface="+mj-lt"/>
-            </a:endParaRPr>
           </a:p>
         </p:txBody>
       </p:sp>
@@ -14667,9 +15014,6 @@
               </a:rPr>
               <a:t>evaluate</a:t>
             </a:r>
-            <a:endParaRPr lang="en-US" dirty="0" smtClean="0">
-              <a:latin typeface="+mj-lt"/>
-            </a:endParaRPr>
           </a:p>
         </p:txBody>
       </p:sp>
@@ -15259,96 +15603,6 @@
       <p:bldP spid="24" grpId="0"/>
       <p:bldP spid="28" grpId="0"/>
     </p:bldLst>
-  </p:timing>
-</p:sld>
-</file>
-
-<file path=ppt/slides/slide9.xml><?xml version="1.0" encoding="utf-8"?>
-<p:sld xmlns:a="http://schemas.openxmlformats.org/drawingml/2006/main" xmlns:r="http://schemas.openxmlformats.org/officeDocument/2006/relationships" xmlns:p="http://schemas.openxmlformats.org/presentationml/2006/main">
-  <p:cSld>
-    <p:bg>
-      <p:bgPr>
-        <a:solidFill>
-          <a:schemeClr val="accent2"/>
-        </a:solidFill>
-        <a:effectLst/>
-      </p:bgPr>
-    </p:bg>
-    <p:spTree>
-      <p:nvGrpSpPr>
-        <p:cNvPr id="1" name=""/>
-        <p:cNvGrpSpPr/>
-        <p:nvPr/>
-      </p:nvGrpSpPr>
-      <p:grpSpPr>
-        <a:xfrm>
-          <a:off x="0" y="0"/>
-          <a:ext cx="0" cy="0"/>
-          <a:chOff x="0" y="0"/>
-          <a:chExt cx="0" cy="0"/>
-        </a:xfrm>
-      </p:grpSpPr>
-      <p:sp>
-        <p:nvSpPr>
-          <p:cNvPr id="2" name="Title 1"/>
-          <p:cNvSpPr>
-            <a:spLocks noGrp="1"/>
-          </p:cNvSpPr>
-          <p:nvPr>
-            <p:ph type="title"/>
-          </p:nvPr>
-        </p:nvSpPr>
-        <p:spPr/>
-        <p:txBody>
-          <a:bodyPr/>
-          <a:lstStyle/>
-          <a:p>
-            <a:r>
-              <a:rPr lang="en-US" dirty="0" smtClean="0"/>
-              <a:t>END OF Leveraging XAML Skills Slide</a:t>
-            </a:r>
-            <a:endParaRPr lang="en-GB" dirty="0"/>
-          </a:p>
-        </p:txBody>
-      </p:sp>
-      <p:sp>
-        <p:nvSpPr>
-          <p:cNvPr id="4" name="Text Placeholder 3"/>
-          <p:cNvSpPr>
-            <a:spLocks noGrp="1"/>
-          </p:cNvSpPr>
-          <p:nvPr>
-            <p:ph type="body" idx="1"/>
-          </p:nvPr>
-        </p:nvSpPr>
-        <p:spPr/>
-        <p:txBody>
-          <a:bodyPr/>
-          <a:lstStyle/>
-          <a:p>
-            <a:endParaRPr lang="en-US" dirty="0"/>
-          </a:p>
-        </p:txBody>
-      </p:sp>
-    </p:spTree>
-    <p:extLst>
-      <p:ext uri="{BB962C8B-B14F-4D97-AF65-F5344CB8AC3E}">
-        <p14:creationId xmlns:p14="http://schemas.microsoft.com/office/powerpoint/2010/main" val="3655200771"/>
-      </p:ext>
-    </p:extLst>
-  </p:cSld>
-  <p:clrMapOvr>
-    <a:masterClrMapping/>
-  </p:clrMapOvr>
-  <p:transition>
-    <p:fade/>
-  </p:transition>
-  <p:timing>
-    <p:tnLst>
-      <p:par>
-        <p:cTn id="1" dur="indefinite" restart="never" nodeType="tmRoot"/>
-      </p:par>
-    </p:tnLst>
   </p:timing>
 </p:sld>
 </file>
@@ -16642,21 +16896,6 @@
 </file>
 
 <file path=customXml/item1.xml><?xml version="1.0" encoding="utf-8"?>
-<p:properties xmlns:p="http://schemas.microsoft.com/office/2006/metadata/properties" xmlns:xsi="http://www.w3.org/2001/XMLSchema-instance">
-  <documentManagement/>
-</p:properties>
-</file>
-
-<file path=customXml/item2.xml><?xml version="1.0" encoding="utf-8"?>
-<?mso-contentType ?>
-<FormTemplates xmlns="http://schemas.microsoft.com/sharepoint/v3/contenttype/forms">
-  <Display>DocumentLibraryForm</Display>
-  <Edit>DocumentLibraryForm</Edit>
-  <New>DocumentLibraryForm</New>
-</FormTemplates>
-</file>
-
-<file path=customXml/item3.xml><?xml version="1.0" encoding="utf-8"?>
 <ct:contentTypeSchema xmlns:ct="http://schemas.microsoft.com/office/2006/metadata/contentType" xmlns:ma="http://schemas.microsoft.com/office/2006/metadata/properties/metaAttributes" ct:_="" ma:_="" ma:contentTypeName="Document" ma:contentTypeID="0x0101003865B9DCC8F7FB4A82840FBDE1FC983A" ma:contentTypeVersion="0" ma:contentTypeDescription="Create a new document." ma:contentTypeScope="" ma:versionID="ecd0916681f32cda70880b341f4a8911">
   <xsd:schema xmlns:xsd="http://www.w3.org/2001/XMLSchema" xmlns:p="http://schemas.microsoft.com/office/2006/metadata/properties" targetNamespace="http://schemas.microsoft.com/office/2006/metadata/properties" ma:root="true" ma:fieldsID="4aeb20c0e3442673af7ee10786458764">
     <xsd:element name="properties">
@@ -16705,16 +16944,32 @@
 </ct:contentTypeSchema>
 </file>
 
+<file path=customXml/item2.xml><?xml version="1.0" encoding="utf-8"?>
+<?mso-contentType ?>
+<FormTemplates xmlns="http://schemas.microsoft.com/sharepoint/v3/contenttype/forms">
+  <Display>DocumentLibraryForm</Display>
+  <Edit>DocumentLibraryForm</Edit>
+  <New>DocumentLibraryForm</New>
+</FormTemplates>
+</file>
+
+<file path=customXml/item3.xml><?xml version="1.0" encoding="utf-8"?>
+<p:properties xmlns:p="http://schemas.microsoft.com/office/2006/metadata/properties" xmlns:xsi="http://www.w3.org/2001/XMLSchema-instance">
+  <documentManagement/>
+</p:properties>
+</file>
+
 <file path=customXml/itemProps1.xml><?xml version="1.0" encoding="utf-8"?>
-<ds:datastoreItem xmlns:ds="http://schemas.openxmlformats.org/officeDocument/2006/customXml" ds:itemID="{2D498799-B0FC-4B7A-8396-BFC34D805990}">
+<ds:datastoreItem xmlns:ds="http://schemas.openxmlformats.org/officeDocument/2006/customXml" ds:itemID="{1DEB1AF8-B785-4B22-89EC-168618F34A5B}">
   <ds:schemaRefs>
+    <ds:schemaRef ds:uri="http://schemas.microsoft.com/office/2006/metadata/contentType"/>
+    <ds:schemaRef ds:uri="http://schemas.microsoft.com/office/2006/metadata/properties/metaAttributes"/>
+    <ds:schemaRef ds:uri="http://www.w3.org/2001/XMLSchema"/>
     <ds:schemaRef ds:uri="http://schemas.microsoft.com/office/2006/metadata/properties"/>
+    <ds:schemaRef ds:uri="http://schemas.openxmlformats.org/package/2006/metadata/core-properties"/>
+    <ds:schemaRef ds:uri="http://purl.org/dc/elements/1.1/"/>
     <ds:schemaRef ds:uri="http://purl.org/dc/terms/"/>
-    <ds:schemaRef ds:uri="http://www.w3.org/XML/1998/namespace"/>
-    <ds:schemaRef ds:uri="http://schemas.microsoft.com/office/2006/documentManagement/types"/>
-    <ds:schemaRef ds:uri="http://schemas.openxmlformats.org/package/2006/metadata/core-properties"/>
-    <ds:schemaRef ds:uri="http://purl.org/dc/dcmitype/"/>
-    <ds:schemaRef ds:uri="http://purl.org/dc/elements/1.1/"/>
+    <ds:schemaRef ds:uri="http://schemas.microsoft.com/office/internal/2005/internalDocumentation"/>
   </ds:schemaRefs>
 </ds:datastoreItem>
 </file>
@@ -16728,16 +16983,15 @@
 </file>
 
 <file path=customXml/itemProps3.xml><?xml version="1.0" encoding="utf-8"?>
-<ds:datastoreItem xmlns:ds="http://schemas.openxmlformats.org/officeDocument/2006/customXml" ds:itemID="{1DEB1AF8-B785-4B22-89EC-168618F34A5B}">
+<ds:datastoreItem xmlns:ds="http://schemas.openxmlformats.org/officeDocument/2006/customXml" ds:itemID="{2D498799-B0FC-4B7A-8396-BFC34D805990}">
   <ds:schemaRefs>
-    <ds:schemaRef ds:uri="http://schemas.microsoft.com/office/2006/metadata/contentType"/>
-    <ds:schemaRef ds:uri="http://schemas.microsoft.com/office/2006/metadata/properties/metaAttributes"/>
-    <ds:schemaRef ds:uri="http://www.w3.org/2001/XMLSchema"/>
     <ds:schemaRef ds:uri="http://schemas.microsoft.com/office/2006/metadata/properties"/>
+    <ds:schemaRef ds:uri="http://purl.org/dc/terms/"/>
+    <ds:schemaRef ds:uri="http://www.w3.org/XML/1998/namespace"/>
+    <ds:schemaRef ds:uri="http://schemas.microsoft.com/office/2006/documentManagement/types"/>
     <ds:schemaRef ds:uri="http://schemas.openxmlformats.org/package/2006/metadata/core-properties"/>
+    <ds:schemaRef ds:uri="http://purl.org/dc/dcmitype/"/>
     <ds:schemaRef ds:uri="http://purl.org/dc/elements/1.1/"/>
-    <ds:schemaRef ds:uri="http://purl.org/dc/terms/"/>
-    <ds:schemaRef ds:uri="http://schemas.microsoft.com/office/internal/2005/internalDocumentation"/>
   </ds:schemaRefs>
 </ds:datastoreItem>
 </file>
--- a/Modules/01.GettingStarted/GettingStarted.Slides.pptx
+++ b/Modules/01.GettingStarted/GettingStarted.Slides.pptx
@@ -5,10 +5,10 @@
     <p:sldMasterId id="2147483731" r:id="rId4"/>
   </p:sldMasterIdLst>
   <p:notesMasterIdLst>
-    <p:notesMasterId r:id="rId26"/>
+    <p:notesMasterId r:id="rId28"/>
   </p:notesMasterIdLst>
   <p:handoutMasterIdLst>
-    <p:handoutMasterId r:id="rId27"/>
+    <p:handoutMasterId r:id="rId29"/>
   </p:handoutMasterIdLst>
   <p:sldIdLst>
     <p:sldId id="356" r:id="rId5"/>
@@ -32,6 +32,8 @@
     <p:sldId id="369" r:id="rId23"/>
     <p:sldId id="375" r:id="rId24"/>
     <p:sldId id="367" r:id="rId25"/>
+    <p:sldId id="379" r:id="rId26"/>
+    <p:sldId id="378" r:id="rId27"/>
   </p:sldIdLst>
   <p:sldSz cx="9144000" cy="6858000" type="screen4x3"/>
   <p:notesSz cx="7315200" cy="9601200"/>
@@ -186,6 +188,8 @@
             <p14:sldId id="369"/>
             <p14:sldId id="375"/>
             <p14:sldId id="367"/>
+            <p14:sldId id="379"/>
+            <p14:sldId id="378"/>
           </p14:sldIdLst>
         </p14:section>
       </p14:sectionLst>
@@ -2413,8 +2417,18 @@
           <a:p>
             <a:r>
               <a:rPr lang="en-US" baseline="0" dirty="0" smtClean="0"/>
-              <a:t>Finally we will run the application to see the fruits of our labor in action.</a:t>
-            </a:r>
+              <a:t>Finally we will run the application to see the fruits of our labor in action</a:t>
+            </a:r>
+            <a:r>
+              <a:rPr lang="en-US" baseline="0" dirty="0" smtClean="0"/>
+              <a:t>.  This means it is time to open visual studio, lets get started</a:t>
+            </a:r>
+          </a:p>
+          <a:p>
+            <a:endParaRPr lang="en-US" baseline="0" dirty="0" smtClean="0"/>
+          </a:p>
+          <a:p>
+            <a:endParaRPr lang="en-US" baseline="0" dirty="0" smtClean="0"/>
           </a:p>
           <a:p>
             <a:endParaRPr lang="en-US" dirty="0"/>
@@ -2611,7 +2625,43 @@
             </a:r>
             <a:r>
               <a:rPr lang="en-US" baseline="0" dirty="0" smtClean="0"/>
-              <a:t> Template project completed and we know about the various libraries and frameworks we are going to use in this course so now would be a great time to build a very simple “Hello World” application.  This hello world application will allow us see many of the components in action in a very simple manor.  For this application I will not be comparing and contrasting differences between XAML and HTML but I will be doing this as we port the real application.  Again this is Hello World app is to illustrate how to use many of the tools and techniques to build HTML applications</a:t>
+              <a:t> Template project completed and we know about the various libraries and frameworks we are going to use in this </a:t>
+            </a:r>
+            <a:r>
+              <a:rPr lang="en-US" baseline="0" dirty="0" smtClean="0"/>
+              <a:t>course.  Now </a:t>
+            </a:r>
+            <a:r>
+              <a:rPr lang="en-US" baseline="0" dirty="0" smtClean="0"/>
+              <a:t>would be a great time to build a very simple “Hello World” application.  This </a:t>
+            </a:r>
+            <a:r>
+              <a:rPr lang="en-US" baseline="0" dirty="0" smtClean="0"/>
+              <a:t>application </a:t>
+            </a:r>
+            <a:r>
+              <a:rPr lang="en-US" baseline="0" dirty="0" smtClean="0"/>
+              <a:t>will allow us see many of the components in action in a very simple manor.  For this application I will not be comparing and contrasting differences between XAML and HTML </a:t>
+            </a:r>
+            <a:r>
+              <a:rPr lang="en-US" baseline="0" dirty="0" smtClean="0"/>
+              <a:t>because I </a:t>
+            </a:r>
+            <a:r>
+              <a:rPr lang="en-US" baseline="0" dirty="0" smtClean="0"/>
+              <a:t>will be doing this as we port the real application.  Again </a:t>
+            </a:r>
+            <a:r>
+              <a:rPr lang="en-US" baseline="0" dirty="0" smtClean="0"/>
+              <a:t>this application is simply a small example of the tools and techniques we are going to learn about </a:t>
+            </a:r>
+            <a:r>
+              <a:rPr lang="en-US" baseline="0" dirty="0" err="1" smtClean="0"/>
+              <a:t>thoughout</a:t>
+            </a:r>
+            <a:r>
+              <a:rPr lang="en-US" baseline="0" dirty="0" smtClean="0"/>
+              <a:t> this course.</a:t>
             </a:r>
             <a:endParaRPr lang="en-US" dirty="0"/>
           </a:p>
@@ -3085,8 +3135,13 @@
             </a:r>
             <a:r>
               <a:rPr lang="en-US" baseline="0" dirty="0" smtClean="0"/>
-              <a:t> have a basic understanding of how we are going to leverage our XAML skills to build HTML applications we might as well start looking at the Silverlight app we are going to port.  We should also take a look at the expected final HTML application we will be building in this course</a:t>
-            </a:r>
+              <a:t> have a basic understanding of how we are going to leverage our XAML skills to build HTML applications we might as well </a:t>
+            </a:r>
+            <a:r>
+              <a:rPr lang="en-US" baseline="0" dirty="0" smtClean="0"/>
+              <a:t>take a look at both the Silverlight application we are going to be porting along with the final HTML version of our ported app.</a:t>
+            </a:r>
+            <a:endParaRPr lang="en-US" baseline="0" dirty="0" smtClean="0"/>
           </a:p>
           <a:p>
             <a:endParaRPr lang="en-US" baseline="0" dirty="0" smtClean="0"/>
@@ -3133,6 +3188,296 @@
     <p:extLst>
       <p:ext uri="{BB962C8B-B14F-4D97-AF65-F5344CB8AC3E}">
         <p14:creationId xmlns:p14="http://schemas.microsoft.com/office/powerpoint/2010/main" val="1131122761"/>
+      </p:ext>
+    </p:extLst>
+  </p:cSld>
+  <p:clrMapOvr>
+    <a:masterClrMapping/>
+  </p:clrMapOvr>
+</p:notes>
+</file>
+
+<file path=ppt/notesSlides/notesSlide22.xml><?xml version="1.0" encoding="utf-8"?>
+<p:notes xmlns:a="http://schemas.openxmlformats.org/drawingml/2006/main" xmlns:r="http://schemas.openxmlformats.org/officeDocument/2006/relationships" xmlns:p="http://schemas.openxmlformats.org/presentationml/2006/main">
+  <p:cSld>
+    <p:spTree>
+      <p:nvGrpSpPr>
+        <p:cNvPr id="1" name=""/>
+        <p:cNvGrpSpPr/>
+        <p:nvPr/>
+      </p:nvGrpSpPr>
+      <p:grpSpPr>
+        <a:xfrm>
+          <a:off x="0" y="0"/>
+          <a:ext cx="0" cy="0"/>
+          <a:chOff x="0" y="0"/>
+          <a:chExt cx="0" cy="0"/>
+        </a:xfrm>
+      </p:grpSpPr>
+      <p:sp>
+        <p:nvSpPr>
+          <p:cNvPr id="2" name="Slide Image Placeholder 1"/>
+          <p:cNvSpPr>
+            <a:spLocks noGrp="1" noRot="1" noChangeAspect="1"/>
+          </p:cNvSpPr>
+          <p:nvPr>
+            <p:ph type="sldImg"/>
+          </p:nvPr>
+        </p:nvSpPr>
+        <p:spPr/>
+      </p:sp>
+      <p:sp>
+        <p:nvSpPr>
+          <p:cNvPr id="3" name="Notes Placeholder 2"/>
+          <p:cNvSpPr>
+            <a:spLocks noGrp="1"/>
+          </p:cNvSpPr>
+          <p:nvPr>
+            <p:ph type="body" idx="1"/>
+          </p:nvPr>
+        </p:nvSpPr>
+        <p:spPr/>
+        <p:txBody>
+          <a:bodyPr/>
+          <a:lstStyle/>
+          <a:p>
+            <a:endParaRPr lang="en-US" dirty="0"/>
+          </a:p>
+        </p:txBody>
+      </p:sp>
+      <p:sp>
+        <p:nvSpPr>
+          <p:cNvPr id="4" name="Slide Number Placeholder 3"/>
+          <p:cNvSpPr>
+            <a:spLocks noGrp="1"/>
+          </p:cNvSpPr>
+          <p:nvPr>
+            <p:ph type="sldNum" sz="quarter" idx="10"/>
+          </p:nvPr>
+        </p:nvSpPr>
+        <p:spPr/>
+        <p:txBody>
+          <a:bodyPr/>
+          <a:lstStyle/>
+          <a:p>
+            <a:pPr>
+              <a:defRPr/>
+            </a:pPr>
+            <a:fld id="{47C584BF-6945-4E60-B2A7-1638FF8EA8EE}" type="slidenum">
+              <a:rPr lang="en-US" smtClean="0">
+                <a:solidFill>
+                  <a:srgbClr val="000000"/>
+                </a:solidFill>
+              </a:rPr>
+              <a:pPr>
+                <a:defRPr/>
+              </a:pPr>
+              <a:t>22</a:t>
+            </a:fld>
+            <a:endParaRPr lang="en-US">
+              <a:solidFill>
+                <a:srgbClr val="000000"/>
+              </a:solidFill>
+            </a:endParaRPr>
+          </a:p>
+        </p:txBody>
+      </p:sp>
+    </p:spTree>
+    <p:extLst>
+      <p:ext uri="{BB962C8B-B14F-4D97-AF65-F5344CB8AC3E}">
+        <p14:creationId xmlns:p14="http://schemas.microsoft.com/office/powerpoint/2010/main" val="2481196778"/>
+      </p:ext>
+    </p:extLst>
+  </p:cSld>
+  <p:clrMapOvr>
+    <a:masterClrMapping/>
+  </p:clrMapOvr>
+</p:notes>
+</file>
+
+<file path=ppt/notesSlides/notesSlide23.xml><?xml version="1.0" encoding="utf-8"?>
+<p:notes xmlns:a="http://schemas.openxmlformats.org/drawingml/2006/main" xmlns:r="http://schemas.openxmlformats.org/officeDocument/2006/relationships" xmlns:p="http://schemas.openxmlformats.org/presentationml/2006/main">
+  <p:cSld>
+    <p:spTree>
+      <p:nvGrpSpPr>
+        <p:cNvPr id="1" name=""/>
+        <p:cNvGrpSpPr/>
+        <p:nvPr/>
+      </p:nvGrpSpPr>
+      <p:grpSpPr>
+        <a:xfrm>
+          <a:off x="0" y="0"/>
+          <a:ext cx="0" cy="0"/>
+          <a:chOff x="0" y="0"/>
+          <a:chExt cx="0" cy="0"/>
+        </a:xfrm>
+      </p:grpSpPr>
+      <p:sp>
+        <p:nvSpPr>
+          <p:cNvPr id="2" name="Slide Image Placeholder 1"/>
+          <p:cNvSpPr>
+            <a:spLocks noGrp="1" noRot="1" noChangeAspect="1"/>
+          </p:cNvSpPr>
+          <p:nvPr>
+            <p:ph type="sldImg"/>
+          </p:nvPr>
+        </p:nvSpPr>
+        <p:spPr/>
+      </p:sp>
+      <p:sp>
+        <p:nvSpPr>
+          <p:cNvPr id="3" name="Notes Placeholder 2"/>
+          <p:cNvSpPr>
+            <a:spLocks noGrp="1"/>
+          </p:cNvSpPr>
+          <p:nvPr>
+            <p:ph type="body" idx="1"/>
+          </p:nvPr>
+        </p:nvSpPr>
+        <p:spPr/>
+        <p:txBody>
+          <a:bodyPr/>
+          <a:lstStyle/>
+          <a:p>
+            <a:r>
+              <a:rPr lang="en-US" dirty="0" smtClean="0"/>
+              <a:t>In this module we explored</a:t>
+            </a:r>
+            <a:r>
+              <a:rPr lang="en-US" baseline="0" dirty="0" smtClean="0"/>
+              <a:t> everything we needed to know in order to get primed for making the transition from being a XAML developer to an HTML developer.  </a:t>
+            </a:r>
+          </a:p>
+          <a:p>
+            <a:endParaRPr lang="en-US" baseline="0" dirty="0" smtClean="0"/>
+          </a:p>
+          <a:p>
+            <a:r>
+              <a:rPr lang="en-US" baseline="0" dirty="0" smtClean="0"/>
+              <a:t>We took a look at how some of you </a:t>
+            </a:r>
+            <a:r>
+              <a:rPr lang="en-US" baseline="0" dirty="0" err="1" smtClean="0"/>
+              <a:t>xaml</a:t>
+            </a:r>
+            <a:r>
+              <a:rPr lang="en-US" baseline="0" dirty="0" smtClean="0"/>
+              <a:t> skills, such as binding and commanding, can easily translate to building HTML applications</a:t>
+            </a:r>
+          </a:p>
+          <a:p>
+            <a:endParaRPr lang="en-US" baseline="0" dirty="0" smtClean="0"/>
+          </a:p>
+          <a:p>
+            <a:r>
+              <a:rPr lang="en-US" baseline="0" dirty="0" smtClean="0"/>
+              <a:t>We learned about many of the tools we will be using </a:t>
+            </a:r>
+            <a:r>
+              <a:rPr lang="en-US" baseline="0" dirty="0" err="1" smtClean="0"/>
+              <a:t>throught</a:t>
+            </a:r>
+            <a:r>
+              <a:rPr lang="en-US" baseline="0" dirty="0" smtClean="0"/>
+              <a:t> this course, such as Knockout </a:t>
+            </a:r>
+            <a:r>
+              <a:rPr lang="en-US" baseline="0" dirty="0" err="1" smtClean="0"/>
+              <a:t>js</a:t>
+            </a:r>
+            <a:r>
+              <a:rPr lang="en-US" baseline="0" dirty="0" smtClean="0"/>
+              <a:t>, typescript and </a:t>
+            </a:r>
+            <a:r>
+              <a:rPr lang="en-US" baseline="0" dirty="0" err="1" smtClean="0"/>
+              <a:t>ASP.Net</a:t>
+            </a:r>
+            <a:r>
+              <a:rPr lang="en-US" baseline="0" dirty="0" smtClean="0"/>
+              <a:t> MVC</a:t>
+            </a:r>
+          </a:p>
+          <a:p>
+            <a:endParaRPr lang="en-US" baseline="0" dirty="0" smtClean="0"/>
+          </a:p>
+          <a:p>
+            <a:r>
+              <a:rPr lang="en-US" baseline="0" dirty="0" smtClean="0"/>
+              <a:t>We built our </a:t>
+            </a:r>
+            <a:r>
+              <a:rPr lang="en-US" baseline="0" dirty="0" err="1" smtClean="0"/>
+              <a:t>Asp.Net</a:t>
+            </a:r>
+            <a:r>
+              <a:rPr lang="en-US" baseline="0" dirty="0" smtClean="0"/>
+              <a:t> MVC template project which we will use as our base project during this course</a:t>
+            </a:r>
+          </a:p>
+          <a:p>
+            <a:endParaRPr lang="en-US" baseline="0" dirty="0" smtClean="0"/>
+          </a:p>
+          <a:p>
+            <a:r>
+              <a:rPr lang="en-US" baseline="0" dirty="0" smtClean="0"/>
+              <a:t>We built a very simple hello world application to demonstrate how to use some of the tools we will be learning about during this course</a:t>
+            </a:r>
+          </a:p>
+          <a:p>
+            <a:endParaRPr lang="en-US" baseline="0" dirty="0" smtClean="0"/>
+          </a:p>
+          <a:p>
+            <a:r>
+              <a:rPr lang="en-US" baseline="0" dirty="0" smtClean="0"/>
+              <a:t>We ended up by reviewing our reference Silverlight application we are going to be porting over to html in order to better understand our objectives for the course</a:t>
+            </a:r>
+          </a:p>
+          <a:p>
+            <a:endParaRPr lang="en-US" baseline="0" dirty="0" smtClean="0"/>
+          </a:p>
+          <a:p>
+            <a:r>
+              <a:rPr lang="en-US" baseline="0" dirty="0" smtClean="0"/>
+              <a:t>In the next module we will dive straight in and start the actual port of our reference application to html</a:t>
+            </a:r>
+            <a:endParaRPr lang="en-US" dirty="0"/>
+          </a:p>
+        </p:txBody>
+      </p:sp>
+      <p:sp>
+        <p:nvSpPr>
+          <p:cNvPr id="4" name="Slide Number Placeholder 3"/>
+          <p:cNvSpPr>
+            <a:spLocks noGrp="1"/>
+          </p:cNvSpPr>
+          <p:nvPr>
+            <p:ph type="sldNum" sz="quarter" idx="10"/>
+          </p:nvPr>
+        </p:nvSpPr>
+        <p:spPr/>
+        <p:txBody>
+          <a:bodyPr/>
+          <a:lstStyle/>
+          <a:p>
+            <a:pPr>
+              <a:defRPr/>
+            </a:pPr>
+            <a:fld id="{47C584BF-6945-4E60-B2A7-1638FF8EA8EE}" type="slidenum">
+              <a:rPr lang="en-US" smtClean="0"/>
+              <a:pPr>
+                <a:defRPr/>
+              </a:pPr>
+              <a:t>23</a:t>
+            </a:fld>
+            <a:endParaRPr lang="en-US"/>
+          </a:p>
+        </p:txBody>
+      </p:sp>
+    </p:spTree>
+    <p:extLst>
+      <p:ext uri="{BB962C8B-B14F-4D97-AF65-F5344CB8AC3E}">
+        <p14:creationId xmlns:p14="http://schemas.microsoft.com/office/powerpoint/2010/main" val="4217989557"/>
       </p:ext>
     </p:extLst>
   </p:cSld>
@@ -8385,8 +8730,17 @@
           <a:p>
             <a:r>
               <a:rPr lang="en-GB" dirty="0" smtClean="0"/>
-              <a:t>Run the MVC Template application</a:t>
-            </a:r>
+              <a:t>Run the MVC Template </a:t>
+            </a:r>
+            <a:r>
+              <a:rPr lang="en-GB" dirty="0" smtClean="0"/>
+              <a:t>application</a:t>
+            </a:r>
+          </a:p>
+          <a:p>
+            <a:pPr marL="0" indent="0">
+              <a:buNone/>
+            </a:pPr>
             <a:endParaRPr lang="en-GB" dirty="0"/>
           </a:p>
         </p:txBody>
@@ -9694,6 +10048,277 @@
     <p:extLst>
       <p:ext uri="{BB962C8B-B14F-4D97-AF65-F5344CB8AC3E}">
         <p14:creationId xmlns:p14="http://schemas.microsoft.com/office/powerpoint/2010/main" val="4152463932"/>
+      </p:ext>
+    </p:extLst>
+  </p:cSld>
+  <p:clrMapOvr>
+    <a:masterClrMapping/>
+  </p:clrMapOvr>
+  <p:transition>
+    <p:fade/>
+  </p:transition>
+  <p:timing>
+    <p:tnLst>
+      <p:par>
+        <p:cTn id="1" dur="indefinite" restart="never" nodeType="tmRoot"/>
+      </p:par>
+    </p:tnLst>
+  </p:timing>
+</p:sld>
+</file>
+
+<file path=ppt/slides/slide22.xml><?xml version="1.0" encoding="utf-8"?>
+<p:sld xmlns:a="http://schemas.openxmlformats.org/drawingml/2006/main" xmlns:r="http://schemas.openxmlformats.org/officeDocument/2006/relationships" xmlns:p="http://schemas.openxmlformats.org/presentationml/2006/main">
+  <p:cSld>
+    <p:bg>
+      <p:bgPr>
+        <a:solidFill>
+          <a:schemeClr val="accent2"/>
+        </a:solidFill>
+        <a:effectLst/>
+      </p:bgPr>
+    </p:bg>
+    <p:spTree>
+      <p:nvGrpSpPr>
+        <p:cNvPr id="1" name=""/>
+        <p:cNvGrpSpPr/>
+        <p:nvPr/>
+      </p:nvGrpSpPr>
+      <p:grpSpPr>
+        <a:xfrm>
+          <a:off x="0" y="0"/>
+          <a:ext cx="0" cy="0"/>
+          <a:chOff x="0" y="0"/>
+          <a:chExt cx="0" cy="0"/>
+        </a:xfrm>
+      </p:grpSpPr>
+      <p:sp>
+        <p:nvSpPr>
+          <p:cNvPr id="2" name="Title 1"/>
+          <p:cNvSpPr>
+            <a:spLocks noGrp="1"/>
+          </p:cNvSpPr>
+          <p:nvPr>
+            <p:ph type="title"/>
+          </p:nvPr>
+        </p:nvSpPr>
+        <p:spPr/>
+        <p:txBody>
+          <a:bodyPr/>
+          <a:lstStyle/>
+          <a:p>
+            <a:r>
+              <a:rPr lang="en-US" dirty="0" smtClean="0"/>
+              <a:t>END OF Hello World Slide</a:t>
+            </a:r>
+            <a:endParaRPr lang="en-GB" dirty="0"/>
+          </a:p>
+        </p:txBody>
+      </p:sp>
+      <p:sp>
+        <p:nvSpPr>
+          <p:cNvPr id="4" name="Text Placeholder 3"/>
+          <p:cNvSpPr>
+            <a:spLocks noGrp="1"/>
+          </p:cNvSpPr>
+          <p:nvPr>
+            <p:ph type="body" idx="1"/>
+          </p:nvPr>
+        </p:nvSpPr>
+        <p:spPr/>
+        <p:txBody>
+          <a:bodyPr/>
+          <a:lstStyle/>
+          <a:p>
+            <a:endParaRPr lang="en-US" dirty="0"/>
+          </a:p>
+        </p:txBody>
+      </p:sp>
+    </p:spTree>
+    <p:extLst>
+      <p:ext uri="{BB962C8B-B14F-4D97-AF65-F5344CB8AC3E}">
+        <p14:creationId xmlns:p14="http://schemas.microsoft.com/office/powerpoint/2010/main" val="3242019608"/>
+      </p:ext>
+    </p:extLst>
+  </p:cSld>
+  <p:clrMapOvr>
+    <a:masterClrMapping/>
+  </p:clrMapOvr>
+  <p:transition>
+    <p:fade/>
+  </p:transition>
+  <p:timing>
+    <p:tnLst>
+      <p:par>
+        <p:cTn id="1" dur="indefinite" restart="never" nodeType="tmRoot"/>
+      </p:par>
+    </p:tnLst>
+  </p:timing>
+</p:sld>
+</file>
+
+<file path=ppt/slides/slide23.xml><?xml version="1.0" encoding="utf-8"?>
+<p:sld xmlns:a="http://schemas.openxmlformats.org/drawingml/2006/main" xmlns:r="http://schemas.openxmlformats.org/officeDocument/2006/relationships" xmlns:p="http://schemas.openxmlformats.org/presentationml/2006/main">
+  <p:cSld>
+    <p:spTree>
+      <p:nvGrpSpPr>
+        <p:cNvPr id="1" name=""/>
+        <p:cNvGrpSpPr/>
+        <p:nvPr/>
+      </p:nvGrpSpPr>
+      <p:grpSpPr>
+        <a:xfrm>
+          <a:off x="0" y="0"/>
+          <a:ext cx="0" cy="0"/>
+          <a:chOff x="0" y="0"/>
+          <a:chExt cx="0" cy="0"/>
+        </a:xfrm>
+      </p:grpSpPr>
+      <p:sp>
+        <p:nvSpPr>
+          <p:cNvPr id="2" name="Title 1"/>
+          <p:cNvSpPr>
+            <a:spLocks noGrp="1"/>
+          </p:cNvSpPr>
+          <p:nvPr>
+            <p:ph type="title"/>
+          </p:nvPr>
+        </p:nvSpPr>
+        <p:spPr/>
+        <p:txBody>
+          <a:bodyPr/>
+          <a:lstStyle/>
+          <a:p>
+            <a:r>
+              <a:rPr lang="en-US" dirty="0" smtClean="0"/>
+              <a:t>Summary</a:t>
+            </a:r>
+            <a:r>
+              <a:rPr lang="en-US" dirty="0" smtClean="0"/>
+              <a:t>		</a:t>
+            </a:r>
+            <a:endParaRPr lang="en-GB" dirty="0"/>
+          </a:p>
+        </p:txBody>
+      </p:sp>
+      <p:sp>
+        <p:nvSpPr>
+          <p:cNvPr id="3" name="Text Placeholder 2"/>
+          <p:cNvSpPr>
+            <a:spLocks noGrp="1"/>
+          </p:cNvSpPr>
+          <p:nvPr>
+            <p:ph type="body" idx="1"/>
+          </p:nvPr>
+        </p:nvSpPr>
+        <p:spPr/>
+        <p:txBody>
+          <a:bodyPr/>
+          <a:lstStyle/>
+          <a:p>
+            <a:r>
+              <a:rPr lang="en-US" dirty="0" smtClean="0">
+                <a:latin typeface="+mn-lt"/>
+              </a:rPr>
+              <a:t>How </a:t>
+            </a:r>
+            <a:r>
+              <a:rPr lang="en-US" dirty="0" smtClean="0">
+                <a:latin typeface="+mn-lt"/>
+              </a:rPr>
+              <a:t>to leverage </a:t>
+            </a:r>
+            <a:r>
+              <a:rPr lang="en-US" dirty="0" smtClean="0">
+                <a:latin typeface="+mn-lt"/>
+              </a:rPr>
+              <a:t>our XAML </a:t>
+            </a:r>
+            <a:r>
+              <a:rPr lang="en-US" dirty="0" smtClean="0">
+                <a:latin typeface="+mn-lt"/>
+              </a:rPr>
+              <a:t>skills </a:t>
+            </a:r>
+            <a:r>
+              <a:rPr lang="en-US" dirty="0" smtClean="0">
+                <a:latin typeface="+mn-lt"/>
+              </a:rPr>
+              <a:t>for building HTML </a:t>
+            </a:r>
+            <a:r>
+              <a:rPr lang="en-US" dirty="0" smtClean="0">
+                <a:latin typeface="+mn-lt"/>
+              </a:rPr>
+              <a:t>applications</a:t>
+            </a:r>
+          </a:p>
+          <a:p>
+            <a:r>
+              <a:rPr lang="en-GB" dirty="0" smtClean="0"/>
+              <a:t>Learned about </a:t>
+            </a:r>
+            <a:r>
+              <a:rPr lang="en-GB" dirty="0"/>
+              <a:t>the tools we are going to </a:t>
+            </a:r>
+            <a:endParaRPr lang="en-GB" dirty="0" smtClean="0"/>
+          </a:p>
+          <a:p>
+            <a:r>
+              <a:rPr lang="en-GB" dirty="0" smtClean="0"/>
+              <a:t>Built our </a:t>
+            </a:r>
+            <a:r>
+              <a:rPr lang="en-GB" dirty="0" err="1" smtClean="0"/>
+              <a:t>Asp.Net</a:t>
+            </a:r>
+            <a:r>
+              <a:rPr lang="en-GB" dirty="0" smtClean="0"/>
+              <a:t> </a:t>
+            </a:r>
+            <a:r>
+              <a:rPr lang="en-GB" dirty="0"/>
+              <a:t>MVC </a:t>
+            </a:r>
+            <a:r>
+              <a:rPr lang="en-GB" dirty="0"/>
+              <a:t>t</a:t>
+            </a:r>
+            <a:r>
+              <a:rPr lang="en-GB" dirty="0" smtClean="0"/>
+              <a:t>emplate project</a:t>
+            </a:r>
+            <a:endParaRPr lang="en-GB" dirty="0"/>
+          </a:p>
+          <a:p>
+            <a:r>
+              <a:rPr lang="en-GB" dirty="0" smtClean="0"/>
+              <a:t>Implemented </a:t>
+            </a:r>
+            <a:r>
+              <a:rPr lang="en-GB" dirty="0" smtClean="0"/>
+              <a:t>a Hello World </a:t>
+            </a:r>
+            <a:r>
+              <a:rPr lang="en-GB" dirty="0" smtClean="0"/>
+              <a:t> application</a:t>
+            </a:r>
+            <a:endParaRPr lang="en-GB" dirty="0" smtClean="0"/>
+          </a:p>
+          <a:p>
+            <a:r>
+              <a:rPr lang="en-GB" dirty="0" smtClean="0"/>
+              <a:t>Reviewed our sample applications</a:t>
+            </a:r>
+            <a:endParaRPr lang="en-GB" dirty="0"/>
+          </a:p>
+        </p:txBody>
+      </p:sp>
+    </p:spTree>
+    <p:extLst>
+      <p:ext uri="{BB962C8B-B14F-4D97-AF65-F5344CB8AC3E}">
+        <p14:creationId xmlns:p14="http://schemas.microsoft.com/office/powerpoint/2010/main" val="670543702"/>
       </p:ext>
     </p:extLst>
   </p:cSld>

--- a/Modules/01.GettingStarted/GettingStarted.Slides.pptx
+++ b/Modules/01.GettingStarted/GettingStarted.Slides.pptx
@@ -309,7 +309,7 @@
             <a:fld id="{923FAA13-3E1B-4A40-BCE0-2A4101C91A56}" type="datetimeFigureOut">
               <a:rPr lang="en-US" smtClean="0"/>
               <a:pPr/>
-              <a:t>2/24/2013</a:t>
+              <a:t>3/2/2013</a:t>
             </a:fld>
             <a:endParaRPr lang="en-US"/>
           </a:p>
@@ -1129,51 +1129,7 @@
             </a:r>
             <a:r>
               <a:rPr lang="en-US" baseline="0" dirty="0" smtClean="0"/>
-              <a:t> making the jump to HTML development developers can easily become intimidated by the pure number of libraries and frameworks which are needed to build even the </a:t>
-            </a:r>
-            <a:r>
-              <a:rPr lang="en-US" baseline="0" dirty="0" smtClean="0"/>
-              <a:t>simplest web site.  </a:t>
-            </a:r>
-            <a:r>
-              <a:rPr lang="en-US" baseline="0" dirty="0" smtClean="0"/>
-              <a:t>We are going to take </a:t>
-            </a:r>
-            <a:r>
-              <a:rPr lang="en-US" baseline="0" dirty="0" smtClean="0"/>
-              <a:t>a brief </a:t>
-            </a:r>
-            <a:r>
-              <a:rPr lang="en-US" baseline="0" dirty="0" smtClean="0"/>
-              <a:t>look at 7 </a:t>
-            </a:r>
-            <a:r>
-              <a:rPr lang="en-US" baseline="0" dirty="0" smtClean="0"/>
-              <a:t>of libraries and frameworks we are going to use in this </a:t>
-            </a:r>
-            <a:r>
-              <a:rPr lang="en-US" baseline="0" dirty="0" smtClean="0"/>
-              <a:t>course </a:t>
-            </a:r>
-            <a:r>
-              <a:rPr lang="en-US" baseline="0" dirty="0" smtClean="0"/>
-              <a:t>in order to provide you with a bit of context before we dive into coding..  </a:t>
-            </a:r>
-            <a:r>
-              <a:rPr lang="en-US" baseline="0" dirty="0" smtClean="0"/>
-              <a:t>Hopefully doing this review upfront will allow you to feel a bit more comfortable with </a:t>
-            </a:r>
-            <a:r>
-              <a:rPr lang="en-US" baseline="0" dirty="0" smtClean="0"/>
-              <a:t>each library as it is used </a:t>
-            </a:r>
-            <a:r>
-              <a:rPr lang="en-US" baseline="0" dirty="0" smtClean="0"/>
-              <a:t>or mention throughout the </a:t>
-            </a:r>
-            <a:r>
-              <a:rPr lang="en-US" baseline="0" dirty="0" smtClean="0"/>
-              <a:t>course.</a:t>
+              <a:t> making the jump to HTML development developers can easily become intimidated by the pure number of libraries and frameworks which are needed to build even the simplest web site.  We are going to take a brief look at 7 of libraries and frameworks we are going to use in this course in order to provide you with a bit of context before we dive into coding..  Hopefully doing this review upfront will allow you to feel a bit more comfortable with each library as it is used or mention throughout the course.</a:t>
             </a:r>
             <a:endParaRPr lang="en-US" dirty="0"/>
           </a:p>
@@ -2417,11 +2373,7 @@
           <a:p>
             <a:r>
               <a:rPr lang="en-US" baseline="0" dirty="0" smtClean="0"/>
-              <a:t>Finally we will run the application to see the fruits of our labor in action</a:t>
-            </a:r>
-            <a:r>
-              <a:rPr lang="en-US" baseline="0" dirty="0" smtClean="0"/>
-              <a:t>.  This means it is time to open visual studio, lets get started</a:t>
+              <a:t>Finally we will run the application to see the fruits of our labor in action.  This means it is time to open visual studio, lets get started</a:t>
             </a:r>
           </a:p>
           <a:p>
@@ -2625,35 +2577,7 @@
             </a:r>
             <a:r>
               <a:rPr lang="en-US" baseline="0" dirty="0" smtClean="0"/>
-              <a:t> Template project completed and we know about the various libraries and frameworks we are going to use in this </a:t>
-            </a:r>
-            <a:r>
-              <a:rPr lang="en-US" baseline="0" dirty="0" smtClean="0"/>
-              <a:t>course.  Now </a:t>
-            </a:r>
-            <a:r>
-              <a:rPr lang="en-US" baseline="0" dirty="0" smtClean="0"/>
-              <a:t>would be a great time to build a very simple “Hello World” application.  This </a:t>
-            </a:r>
-            <a:r>
-              <a:rPr lang="en-US" baseline="0" dirty="0" smtClean="0"/>
-              <a:t>application </a:t>
-            </a:r>
-            <a:r>
-              <a:rPr lang="en-US" baseline="0" dirty="0" smtClean="0"/>
-              <a:t>will allow us see many of the components in action in a very simple manor.  For this application I will not be comparing and contrasting differences between XAML and HTML </a:t>
-            </a:r>
-            <a:r>
-              <a:rPr lang="en-US" baseline="0" dirty="0" smtClean="0"/>
-              <a:t>because I </a:t>
-            </a:r>
-            <a:r>
-              <a:rPr lang="en-US" baseline="0" dirty="0" smtClean="0"/>
-              <a:t>will be doing this as we port the real application.  Again </a:t>
-            </a:r>
-            <a:r>
-              <a:rPr lang="en-US" baseline="0" dirty="0" smtClean="0"/>
-              <a:t>this application is simply a small example of the tools and techniques we are going to learn about </a:t>
+              <a:t> Template project completed and we know about the various libraries and frameworks we are going to use in this course.  Now would be a great time to build a very simple “Hello World” application.  This application will allow us see many of the components in action in a very simple manor.  For this application I will not be comparing and contrasting differences between XAML and HTML because I will be doing this as we port the real application.  Again this application is simply a small example of the tools and techniques we are going to learn about </a:t>
             </a:r>
             <a:r>
               <a:rPr lang="en-US" baseline="0" dirty="0" err="1" smtClean="0"/>
@@ -3135,11 +3059,19 @@
             </a:r>
             <a:r>
               <a:rPr lang="en-US" baseline="0" dirty="0" smtClean="0"/>
-              <a:t> have a basic understanding of how we are going to leverage our XAML skills to build HTML applications we might as well </a:t>
+              <a:t> have a basic understanding of how we are going to leverage our XAML skills to build HTML </a:t>
             </a:r>
             <a:r>
               <a:rPr lang="en-US" baseline="0" dirty="0" smtClean="0"/>
-              <a:t>take a look at both the Silverlight application we are going to be porting along with the final HTML version of our ported app.</a:t>
+              <a:t>applications  It is time to review the reference Silverlight application which we will be </a:t>
+            </a:r>
+            <a:r>
+              <a:rPr lang="en-US" baseline="0" dirty="0" smtClean="0"/>
+              <a:t>porting </a:t>
+            </a:r>
+            <a:r>
+              <a:rPr lang="en-US" baseline="0" dirty="0" smtClean="0"/>
+              <a:t>during this course.  While we are at it we might as well take a look a completed version of the HTML app to see exactly where we are going.</a:t>
             </a:r>
             <a:endParaRPr lang="en-US" baseline="0" dirty="0" smtClean="0"/>
           </a:p>
@@ -8730,11 +8662,7 @@
           <a:p>
             <a:r>
               <a:rPr lang="en-GB" dirty="0" smtClean="0"/>
-              <a:t>Run the MVC Template </a:t>
-            </a:r>
-            <a:r>
-              <a:rPr lang="en-GB" dirty="0" smtClean="0"/>
-              <a:t>application</a:t>
+              <a:t>Run the MVC Template application</a:t>
             </a:r>
           </a:p>
           <a:p>
@@ -10191,11 +10119,7 @@
           <a:p>
             <a:r>
               <a:rPr lang="en-US" dirty="0" smtClean="0"/>
-              <a:t>Summary</a:t>
-            </a:r>
-            <a:r>
-              <a:rPr lang="en-US" dirty="0" smtClean="0"/>
-              <a:t>		</a:t>
+              <a:t>Summary		</a:t>
             </a:r>
             <a:endParaRPr lang="en-GB" dirty="0"/>
           </a:p>
@@ -10220,37 +10144,7 @@
               <a:rPr lang="en-US" dirty="0" smtClean="0">
                 <a:latin typeface="+mn-lt"/>
               </a:rPr>
-              <a:t>How </a:t>
-            </a:r>
-            <a:r>
-              <a:rPr lang="en-US" dirty="0" smtClean="0">
-                <a:latin typeface="+mn-lt"/>
-              </a:rPr>
-              <a:t>to leverage </a:t>
-            </a:r>
-            <a:r>
-              <a:rPr lang="en-US" dirty="0" smtClean="0">
-                <a:latin typeface="+mn-lt"/>
-              </a:rPr>
-              <a:t>our XAML </a:t>
-            </a:r>
-            <a:r>
-              <a:rPr lang="en-US" dirty="0" smtClean="0">
-                <a:latin typeface="+mn-lt"/>
-              </a:rPr>
-              <a:t>skills </a:t>
-            </a:r>
-            <a:r>
-              <a:rPr lang="en-US" dirty="0" smtClean="0">
-                <a:latin typeface="+mn-lt"/>
-              </a:rPr>
-              <a:t>for building HTML </a:t>
-            </a:r>
-            <a:r>
-              <a:rPr lang="en-US" dirty="0" smtClean="0">
-                <a:latin typeface="+mn-lt"/>
-              </a:rPr>
-              <a:t>applications</a:t>
+              <a:t>How to leverage our XAML skills for building HTML applications</a:t>
             </a:r>
           </a:p>
           <a:p>
@@ -10279,11 +10173,7 @@
             </a:r>
             <a:r>
               <a:rPr lang="en-GB" dirty="0"/>
-              <a:t>MVC </a:t>
-            </a:r>
-            <a:r>
-              <a:rPr lang="en-GB" dirty="0"/>
-              <a:t>t</a:t>
+              <a:t>MVC t</a:t>
             </a:r>
             <a:r>
               <a:rPr lang="en-GB" dirty="0" smtClean="0"/>
@@ -10294,17 +10184,8 @@
           <a:p>
             <a:r>
               <a:rPr lang="en-GB" dirty="0" smtClean="0"/>
-              <a:t>Implemented </a:t>
-            </a:r>
-            <a:r>
-              <a:rPr lang="en-GB" dirty="0" smtClean="0"/>
-              <a:t>a Hello World </a:t>
-            </a:r>
-            <a:r>
-              <a:rPr lang="en-GB" dirty="0" smtClean="0"/>
-              <a:t> application</a:t>
-            </a:r>
-            <a:endParaRPr lang="en-GB" dirty="0" smtClean="0"/>
+              <a:t>Implemented a Hello World  application</a:t>
+            </a:r>
           </a:p>
           <a:p>
             <a:r>
@@ -17521,6 +17402,15 @@
 </file>
 
 <file path=customXml/item1.xml><?xml version="1.0" encoding="utf-8"?>
+<?mso-contentType ?>
+<FormTemplates xmlns="http://schemas.microsoft.com/sharepoint/v3/contenttype/forms">
+  <Display>DocumentLibraryForm</Display>
+  <Edit>DocumentLibraryForm</Edit>
+  <New>DocumentLibraryForm</New>
+</FormTemplates>
+</file>
+
+<file path=customXml/item2.xml><?xml version="1.0" encoding="utf-8"?>
 <ct:contentTypeSchema xmlns:ct="http://schemas.microsoft.com/office/2006/metadata/contentType" xmlns:ma="http://schemas.microsoft.com/office/2006/metadata/properties/metaAttributes" ct:_="" ma:_="" ma:contentTypeName="Document" ma:contentTypeID="0x0101003865B9DCC8F7FB4A82840FBDE1FC983A" ma:contentTypeVersion="0" ma:contentTypeDescription="Create a new document." ma:contentTypeScope="" ma:versionID="ecd0916681f32cda70880b341f4a8911">
   <xsd:schema xmlns:xsd="http://www.w3.org/2001/XMLSchema" xmlns:p="http://schemas.microsoft.com/office/2006/metadata/properties" targetNamespace="http://schemas.microsoft.com/office/2006/metadata/properties" ma:root="true" ma:fieldsID="4aeb20c0e3442673af7ee10786458764">
     <xsd:element name="properties">
@@ -17569,15 +17459,6 @@
 </ct:contentTypeSchema>
 </file>
 
-<file path=customXml/item2.xml><?xml version="1.0" encoding="utf-8"?>
-<?mso-contentType ?>
-<FormTemplates xmlns="http://schemas.microsoft.com/sharepoint/v3/contenttype/forms">
-  <Display>DocumentLibraryForm</Display>
-  <Edit>DocumentLibraryForm</Edit>
-  <New>DocumentLibraryForm</New>
-</FormTemplates>
-</file>
-
 <file path=customXml/item3.xml><?xml version="1.0" encoding="utf-8"?>
 <p:properties xmlns:p="http://schemas.microsoft.com/office/2006/metadata/properties" xmlns:xsi="http://www.w3.org/2001/XMLSchema-instance">
   <documentManagement/>
@@ -17585,6 +17466,14 @@
 </file>
 
 <file path=customXml/itemProps1.xml><?xml version="1.0" encoding="utf-8"?>
+<ds:datastoreItem xmlns:ds="http://schemas.openxmlformats.org/officeDocument/2006/customXml" ds:itemID="{1685463B-57CE-4CE4-B1CF-FE44EB79BFA3}">
+  <ds:schemaRefs>
+    <ds:schemaRef ds:uri="http://schemas.microsoft.com/sharepoint/v3/contenttype/forms"/>
+  </ds:schemaRefs>
+</ds:datastoreItem>
+</file>
+
+<file path=customXml/itemProps2.xml><?xml version="1.0" encoding="utf-8"?>
 <ds:datastoreItem xmlns:ds="http://schemas.openxmlformats.org/officeDocument/2006/customXml" ds:itemID="{1DEB1AF8-B785-4B22-89EC-168618F34A5B}">
   <ds:schemaRefs>
     <ds:schemaRef ds:uri="http://schemas.microsoft.com/office/2006/metadata/contentType"/>
@@ -17595,14 +17484,6 @@
     <ds:schemaRef ds:uri="http://purl.org/dc/elements/1.1/"/>
     <ds:schemaRef ds:uri="http://purl.org/dc/terms/"/>
     <ds:schemaRef ds:uri="http://schemas.microsoft.com/office/internal/2005/internalDocumentation"/>
-  </ds:schemaRefs>
-</ds:datastoreItem>
-</file>
-
-<file path=customXml/itemProps2.xml><?xml version="1.0" encoding="utf-8"?>
-<ds:datastoreItem xmlns:ds="http://schemas.openxmlformats.org/officeDocument/2006/customXml" ds:itemID="{1685463B-57CE-4CE4-B1CF-FE44EB79BFA3}">
-  <ds:schemaRefs>
-    <ds:schemaRef ds:uri="http://schemas.microsoft.com/sharepoint/v3/contenttype/forms"/>
   </ds:schemaRefs>
 </ds:datastoreItem>
 </file>

--- a/Modules/01.GettingStarted/GettingStarted.Slides.pptx
+++ b/Modules/01.GettingStarted/GettingStarted.Slides.pptx
@@ -309,7 +309,7 @@
             <a:fld id="{923FAA13-3E1B-4A40-BCE0-2A4101C91A56}" type="datetimeFigureOut">
               <a:rPr lang="en-US" smtClean="0"/>
               <a:pPr/>
-              <a:t>3/2/2013</a:t>
+              <a:t>3/3/2013</a:t>
             </a:fld>
             <a:endParaRPr lang="en-US"/>
           </a:p>
@@ -925,15 +925,7 @@
           <a:p>
             <a:r>
               <a:rPr lang="en-US" baseline="0" dirty="0" smtClean="0"/>
-              <a:t>During this course we are going to look at many different tools and </a:t>
-            </a:r>
-            <a:r>
-              <a:rPr lang="en-US" baseline="0" dirty="0" err="1" smtClean="0"/>
-              <a:t>librarys</a:t>
-            </a:r>
-            <a:r>
-              <a:rPr lang="en-US" baseline="0" dirty="0" smtClean="0"/>
-              <a:t> and we will explore each of them in enough detail to allow you to get rolling. However we will not be going into great depth in most of the tools as there are other great courses on </a:t>
+              <a:t>During this course we are going to look at many different tools and library's and we will explore each of them in enough detail to allow you to get rolling. However we will not be going into great depth in most of the tools as there are other great courses on </a:t>
             </a:r>
             <a:r>
               <a:rPr lang="en-US" baseline="0" dirty="0" err="1" smtClean="0"/>
@@ -2709,7 +2701,7 @@
             </a:r>
             <a:r>
               <a:rPr lang="en-US" baseline="0" dirty="0" smtClean="0"/>
-              <a:t> and get it wired up we are going to create our first MVC action.  This action is what is going to serve up our html page from the server.</a:t>
+              <a:t> we will create a very simple text binding in our view via Knockout.</a:t>
             </a:r>
           </a:p>
           <a:p>
@@ -2727,24 +2719,7 @@
           <a:p>
             <a:r>
               <a:rPr lang="en-US" baseline="0" dirty="0" smtClean="0"/>
-              <a:t>Now that we can server up our html page we need to wire up our knockout bindings in order to pull data from our </a:t>
-            </a:r>
-            <a:r>
-              <a:rPr lang="en-US" baseline="0" dirty="0" err="1" smtClean="0"/>
-              <a:t>ViewMOdel</a:t>
-            </a:r>
-            <a:r>
-              <a:rPr lang="en-US" baseline="0" dirty="0" smtClean="0"/>
-              <a:t> and display it in the view</a:t>
-            </a:r>
-          </a:p>
-          <a:p>
-            <a:endParaRPr lang="en-US" baseline="0" dirty="0" smtClean="0"/>
-          </a:p>
-          <a:p>
-            <a:r>
-              <a:rPr lang="en-US" baseline="0" dirty="0" smtClean="0"/>
-              <a:t>[SHOW ANIMATION NOW]</a:t>
+              <a:t>Now that we have our View model created and a simple text property bound to the UI we will take a look at how to setup our Knockout Data Context</a:t>
             </a:r>
           </a:p>
           <a:p>
@@ -3059,21 +3034,8 @@
             </a:r>
             <a:r>
               <a:rPr lang="en-US" baseline="0" dirty="0" smtClean="0"/>
-              <a:t> have a basic understanding of how we are going to leverage our XAML skills to build HTML </a:t>
-            </a:r>
-            <a:r>
-              <a:rPr lang="en-US" baseline="0" dirty="0" smtClean="0"/>
-              <a:t>applications  It is time to review the reference Silverlight application which we will be </a:t>
-            </a:r>
-            <a:r>
-              <a:rPr lang="en-US" baseline="0" dirty="0" smtClean="0"/>
-              <a:t>porting </a:t>
-            </a:r>
-            <a:r>
-              <a:rPr lang="en-US" baseline="0" dirty="0" smtClean="0"/>
-              <a:t>during this course.  While we are at it we might as well take a look a completed version of the HTML app to see exactly where we are going.</a:t>
-            </a:r>
-            <a:endParaRPr lang="en-US" baseline="0" dirty="0" smtClean="0"/>
+              <a:t> have a basic understanding of how we are going to leverage our XAML skills to build HTML applications  It is time to review the reference Silverlight application which we will be porting during this course.  While we are at it we might as well take a look a completed version of the HTML app to see exactly where we are going.</a:t>
+            </a:r>
           </a:p>
           <a:p>
             <a:endParaRPr lang="en-US" baseline="0" dirty="0" smtClean="0"/>
@@ -3303,15 +3265,7 @@
           <a:p>
             <a:r>
               <a:rPr lang="en-US" baseline="0" dirty="0" smtClean="0"/>
-              <a:t>We learned about many of the tools we will be using </a:t>
-            </a:r>
-            <a:r>
-              <a:rPr lang="en-US" baseline="0" dirty="0" err="1" smtClean="0"/>
-              <a:t>throught</a:t>
-            </a:r>
-            <a:r>
-              <a:rPr lang="en-US" baseline="0" dirty="0" smtClean="0"/>
-              <a:t> this course, such as Knockout </a:t>
+              <a:t>We learned about many of the tools we will be using through this course, such as Knockout </a:t>
             </a:r>
             <a:r>
               <a:rPr lang="en-US" baseline="0" dirty="0" err="1" smtClean="0"/>
@@ -7084,7 +7038,7 @@
 </file>
 
 <file path=ppt/slides/slide10.xml><?xml version="1.0" encoding="utf-8"?>
-<p:sld xmlns:a="http://schemas.openxmlformats.org/drawingml/2006/main" xmlns:r="http://schemas.openxmlformats.org/officeDocument/2006/relationships" xmlns:p="http://schemas.openxmlformats.org/presentationml/2006/main">
+<p:sld xmlns:a="http://schemas.openxmlformats.org/drawingml/2006/main" xmlns:r="http://schemas.openxmlformats.org/officeDocument/2006/relationships" xmlns:p="http://schemas.openxmlformats.org/presentationml/2006/main" show="0">
   <p:cSld>
     <p:bg>
       <p:bgPr>
@@ -8344,7 +8298,7 @@
 </file>
 
 <file path=ppt/slides/slide14.xml><?xml version="1.0" encoding="utf-8"?>
-<p:sld xmlns:a="http://schemas.openxmlformats.org/drawingml/2006/main" xmlns:r="http://schemas.openxmlformats.org/officeDocument/2006/relationships" xmlns:p="http://schemas.openxmlformats.org/presentationml/2006/main">
+<p:sld xmlns:a="http://schemas.openxmlformats.org/drawingml/2006/main" xmlns:r="http://schemas.openxmlformats.org/officeDocument/2006/relationships" xmlns:p="http://schemas.openxmlformats.org/presentationml/2006/main" show="0">
   <p:cSld>
     <p:bg>
       <p:bgPr>
@@ -8916,7 +8870,7 @@
 </file>
 
 <file path=ppt/slides/slide17.xml><?xml version="1.0" encoding="utf-8"?>
-<p:sld xmlns:a="http://schemas.openxmlformats.org/drawingml/2006/main" xmlns:r="http://schemas.openxmlformats.org/officeDocument/2006/relationships" xmlns:p="http://schemas.openxmlformats.org/presentationml/2006/main">
+<p:sld xmlns:a="http://schemas.openxmlformats.org/drawingml/2006/main" xmlns:r="http://schemas.openxmlformats.org/officeDocument/2006/relationships" xmlns:p="http://schemas.openxmlformats.org/presentationml/2006/main" show="0">
   <p:cSld>
     <p:bg>
       <p:bgPr>
@@ -9227,13 +9181,13 @@
           <a:p>
             <a:r>
               <a:rPr lang="en-GB" dirty="0" smtClean="0"/>
-              <a:t>Create our first MVC Controller Action</a:t>
+              <a:t>Create our first Knockout Binding</a:t>
             </a:r>
           </a:p>
           <a:p>
             <a:r>
               <a:rPr lang="en-GB" dirty="0" smtClean="0"/>
-              <a:t>Implement our Knockout.js bindings</a:t>
+              <a:t>Create our Knockout Data Context</a:t>
             </a:r>
           </a:p>
           <a:p>
@@ -9766,7 +9720,7 @@
 </file>
 
 <file path=ppt/slides/slide20.xml><?xml version="1.0" encoding="utf-8"?>
-<p:sld xmlns:a="http://schemas.openxmlformats.org/drawingml/2006/main" xmlns:r="http://schemas.openxmlformats.org/officeDocument/2006/relationships" xmlns:p="http://schemas.openxmlformats.org/presentationml/2006/main">
+<p:sld xmlns:a="http://schemas.openxmlformats.org/drawingml/2006/main" xmlns:r="http://schemas.openxmlformats.org/officeDocument/2006/relationships" xmlns:p="http://schemas.openxmlformats.org/presentationml/2006/main" show="0">
   <p:cSld>
     <p:bg>
       <p:bgPr>
@@ -9996,7 +9950,7 @@
 </file>
 
 <file path=ppt/slides/slide22.xml><?xml version="1.0" encoding="utf-8"?>
-<p:sld xmlns:a="http://schemas.openxmlformats.org/drawingml/2006/main" xmlns:r="http://schemas.openxmlformats.org/officeDocument/2006/relationships" xmlns:p="http://schemas.openxmlformats.org/presentationml/2006/main">
+<p:sld xmlns:a="http://schemas.openxmlformats.org/drawingml/2006/main" xmlns:r="http://schemas.openxmlformats.org/officeDocument/2006/relationships" xmlns:p="http://schemas.openxmlformats.org/presentationml/2006/main" show="0">
   <p:cSld>
     <p:bg>
       <p:bgPr>
@@ -10679,7 +10633,7 @@
 </file>
 
 <file path=ppt/slides/slide4.xml><?xml version="1.0" encoding="utf-8"?>
-<p:sld xmlns:a="http://schemas.openxmlformats.org/drawingml/2006/main" xmlns:r="http://schemas.openxmlformats.org/officeDocument/2006/relationships" xmlns:p="http://schemas.openxmlformats.org/presentationml/2006/main">
+<p:sld xmlns:a="http://schemas.openxmlformats.org/drawingml/2006/main" xmlns:r="http://schemas.openxmlformats.org/officeDocument/2006/relationships" xmlns:p="http://schemas.openxmlformats.org/presentationml/2006/main" show="0">
   <p:cSld>
     <p:bg>
       <p:bgPr>
@@ -17402,15 +17356,6 @@
 </file>
 
 <file path=customXml/item1.xml><?xml version="1.0" encoding="utf-8"?>
-<?mso-contentType ?>
-<FormTemplates xmlns="http://schemas.microsoft.com/sharepoint/v3/contenttype/forms">
-  <Display>DocumentLibraryForm</Display>
-  <Edit>DocumentLibraryForm</Edit>
-  <New>DocumentLibraryForm</New>
-</FormTemplates>
-</file>
-
-<file path=customXml/item2.xml><?xml version="1.0" encoding="utf-8"?>
 <ct:contentTypeSchema xmlns:ct="http://schemas.microsoft.com/office/2006/metadata/contentType" xmlns:ma="http://schemas.microsoft.com/office/2006/metadata/properties/metaAttributes" ct:_="" ma:_="" ma:contentTypeName="Document" ma:contentTypeID="0x0101003865B9DCC8F7FB4A82840FBDE1FC983A" ma:contentTypeVersion="0" ma:contentTypeDescription="Create a new document." ma:contentTypeScope="" ma:versionID="ecd0916681f32cda70880b341f4a8911">
   <xsd:schema xmlns:xsd="http://www.w3.org/2001/XMLSchema" xmlns:p="http://schemas.microsoft.com/office/2006/metadata/properties" targetNamespace="http://schemas.microsoft.com/office/2006/metadata/properties" ma:root="true" ma:fieldsID="4aeb20c0e3442673af7ee10786458764">
     <xsd:element name="properties">
@@ -17459,6 +17404,15 @@
 </ct:contentTypeSchema>
 </file>
 
+<file path=customXml/item2.xml><?xml version="1.0" encoding="utf-8"?>
+<?mso-contentType ?>
+<FormTemplates xmlns="http://schemas.microsoft.com/sharepoint/v3/contenttype/forms">
+  <Display>DocumentLibraryForm</Display>
+  <Edit>DocumentLibraryForm</Edit>
+  <New>DocumentLibraryForm</New>
+</FormTemplates>
+</file>
+
 <file path=customXml/item3.xml><?xml version="1.0" encoding="utf-8"?>
 <p:properties xmlns:p="http://schemas.microsoft.com/office/2006/metadata/properties" xmlns:xsi="http://www.w3.org/2001/XMLSchema-instance">
   <documentManagement/>
@@ -17466,14 +17420,6 @@
 </file>
 
 <file path=customXml/itemProps1.xml><?xml version="1.0" encoding="utf-8"?>
-<ds:datastoreItem xmlns:ds="http://schemas.openxmlformats.org/officeDocument/2006/customXml" ds:itemID="{1685463B-57CE-4CE4-B1CF-FE44EB79BFA3}">
-  <ds:schemaRefs>
-    <ds:schemaRef ds:uri="http://schemas.microsoft.com/sharepoint/v3/contenttype/forms"/>
-  </ds:schemaRefs>
-</ds:datastoreItem>
-</file>
-
-<file path=customXml/itemProps2.xml><?xml version="1.0" encoding="utf-8"?>
 <ds:datastoreItem xmlns:ds="http://schemas.openxmlformats.org/officeDocument/2006/customXml" ds:itemID="{1DEB1AF8-B785-4B22-89EC-168618F34A5B}">
   <ds:schemaRefs>
     <ds:schemaRef ds:uri="http://schemas.microsoft.com/office/2006/metadata/contentType"/>
@@ -17484,6 +17430,14 @@
     <ds:schemaRef ds:uri="http://purl.org/dc/elements/1.1/"/>
     <ds:schemaRef ds:uri="http://purl.org/dc/terms/"/>
     <ds:schemaRef ds:uri="http://schemas.microsoft.com/office/internal/2005/internalDocumentation"/>
+  </ds:schemaRefs>
+</ds:datastoreItem>
+</file>
+
+<file path=customXml/itemProps2.xml><?xml version="1.0" encoding="utf-8"?>
+<ds:datastoreItem xmlns:ds="http://schemas.openxmlformats.org/officeDocument/2006/customXml" ds:itemID="{1685463B-57CE-4CE4-B1CF-FE44EB79BFA3}">
+  <ds:schemaRefs>
+    <ds:schemaRef ds:uri="http://schemas.microsoft.com/sharepoint/v3/contenttype/forms"/>
   </ds:schemaRefs>
 </ds:datastoreItem>
 </file>
